--- a/cnns.pptx
+++ b/cnns.pptx
@@ -10,10 +10,13 @@
     <p:sldId id="264" r:id="rId4"/>
     <p:sldId id="258" r:id="rId5"/>
     <p:sldId id="259" r:id="rId6"/>
-    <p:sldId id="260" r:id="rId7"/>
-    <p:sldId id="261" r:id="rId8"/>
-    <p:sldId id="262" r:id="rId9"/>
-    <p:sldId id="263" r:id="rId10"/>
+    <p:sldId id="265" r:id="rId7"/>
+    <p:sldId id="266" r:id="rId8"/>
+    <p:sldId id="267" r:id="rId9"/>
+    <p:sldId id="260" r:id="rId10"/>
+    <p:sldId id="261" r:id="rId11"/>
+    <p:sldId id="262" r:id="rId12"/>
+    <p:sldId id="263" r:id="rId13"/>
   </p:sldIdLst>
   <p:sldSz cx="12192000" cy="6858000"/>
   <p:notesSz cx="6858000" cy="9144000"/>
@@ -112,6 +115,11 @@
       </a:defRPr>
     </a:lvl9pPr>
   </p:defaultTextStyle>
+  <p:extLst>
+    <p:ext uri="{EFAFB233-063F-42B5-8137-9DF3F51BA10A}">
+      <p15:sldGuideLst xmlns:p15="http://schemas.microsoft.com/office/powerpoint/2012/main"/>
+    </p:ext>
+  </p:extLst>
 </p:presentation>
 </file>
 
@@ -3370,1167 +3378,7 @@
 </p:sld>
 </file>
 
-<file path=ppt/slides/slide2.xml><?xml version="1.0" encoding="utf-8"?>
-<p:sld xmlns:a="http://schemas.openxmlformats.org/drawingml/2006/main" xmlns:r="http://schemas.openxmlformats.org/officeDocument/2006/relationships" xmlns:p="http://schemas.openxmlformats.org/presentationml/2006/main">
-  <p:cSld>
-    <p:spTree>
-      <p:nvGrpSpPr>
-        <p:cNvPr id="1" name=""/>
-        <p:cNvGrpSpPr/>
-        <p:nvPr/>
-      </p:nvGrpSpPr>
-      <p:grpSpPr>
-        <a:xfrm>
-          <a:off x="0" y="0"/>
-          <a:ext cx="0" cy="0"/>
-          <a:chOff x="0" y="0"/>
-          <a:chExt cx="0" cy="0"/>
-        </a:xfrm>
-      </p:grpSpPr>
-      <p:sp>
-        <p:nvSpPr>
-          <p:cNvPr id="2" name="Title 1">
-            <a:extLst>
-              <a:ext uri="{FF2B5EF4-FFF2-40B4-BE49-F238E27FC236}">
-                <a16:creationId xmlns:a16="http://schemas.microsoft.com/office/drawing/2014/main" id="{7AF08717-5D5C-7D3F-A6BB-B367C935DFAA}"/>
-              </a:ext>
-            </a:extLst>
-          </p:cNvPr>
-          <p:cNvSpPr>
-            <a:spLocks noGrp="1"/>
-          </p:cNvSpPr>
-          <p:nvPr>
-            <p:ph type="title"/>
-          </p:nvPr>
-        </p:nvSpPr>
-        <p:spPr/>
-        <p:txBody>
-          <a:bodyPr/>
-          <a:lstStyle/>
-          <a:p>
-            <a:r>
-              <a:rPr lang="en-US" dirty="0" err="1"/>
-              <a:t>Github</a:t>
-            </a:r>
-            <a:r>
-              <a:rPr lang="en-US" dirty="0"/>
-              <a:t> + paper</a:t>
-            </a:r>
-          </a:p>
-        </p:txBody>
-      </p:sp>
-      <p:pic>
-        <p:nvPicPr>
-          <p:cNvPr id="5" name="Content Placeholder 4" descr="A screenshot of a computer&#10;&#10;Description automatically generated">
-            <a:extLst>
-              <a:ext uri="{FF2B5EF4-FFF2-40B4-BE49-F238E27FC236}">
-                <a16:creationId xmlns:a16="http://schemas.microsoft.com/office/drawing/2014/main" id="{B935DA35-CFCC-5D70-A7FE-25A5736C2446}"/>
-              </a:ext>
-            </a:extLst>
-          </p:cNvPr>
-          <p:cNvPicPr>
-            <a:picLocks noGrp="1" noChangeAspect="1"/>
-          </p:cNvPicPr>
-          <p:nvPr>
-            <p:ph idx="1"/>
-          </p:nvPr>
-        </p:nvPicPr>
-        <p:blipFill>
-          <a:blip r:embed="rId2"/>
-          <a:stretch>
-            <a:fillRect/>
-          </a:stretch>
-        </p:blipFill>
-        <p:spPr>
-          <a:xfrm>
-            <a:off x="4335230" y="1355109"/>
-            <a:ext cx="7856770" cy="4351338"/>
-          </a:xfrm>
-        </p:spPr>
-      </p:pic>
-      <p:pic>
-        <p:nvPicPr>
-          <p:cNvPr id="7" name="Picture 6" descr="A diagram of a machine&#10;&#10;Description automatically generated">
-            <a:extLst>
-              <a:ext uri="{FF2B5EF4-FFF2-40B4-BE49-F238E27FC236}">
-                <a16:creationId xmlns:a16="http://schemas.microsoft.com/office/drawing/2014/main" id="{1B386012-B1A4-1D95-9B9B-94DFCEBCCE1B}"/>
-              </a:ext>
-            </a:extLst>
-          </p:cNvPr>
-          <p:cNvPicPr>
-            <a:picLocks noChangeAspect="1"/>
-          </p:cNvPicPr>
-          <p:nvPr/>
-        </p:nvPicPr>
-        <p:blipFill>
-          <a:blip r:embed="rId3"/>
-          <a:stretch>
-            <a:fillRect/>
-          </a:stretch>
-        </p:blipFill>
-        <p:spPr>
-          <a:xfrm>
-            <a:off x="94044" y="1902940"/>
-            <a:ext cx="4079540" cy="3255677"/>
-          </a:xfrm>
-          <a:prstGeom prst="rect">
-            <a:avLst/>
-          </a:prstGeom>
-        </p:spPr>
-      </p:pic>
-    </p:spTree>
-    <p:extLst>
-      <p:ext uri="{BB962C8B-B14F-4D97-AF65-F5344CB8AC3E}">
-        <p14:creationId xmlns:p14="http://schemas.microsoft.com/office/powerpoint/2010/main" val="729373110"/>
-      </p:ext>
-    </p:extLst>
-  </p:cSld>
-  <p:clrMapOvr>
-    <a:masterClrMapping/>
-  </p:clrMapOvr>
-</p:sld>
-</file>
-
-<file path=ppt/slides/slide3.xml><?xml version="1.0" encoding="utf-8"?>
-<p:sld xmlns:a="http://schemas.openxmlformats.org/drawingml/2006/main" xmlns:r="http://schemas.openxmlformats.org/officeDocument/2006/relationships" xmlns:p="http://schemas.openxmlformats.org/presentationml/2006/main">
-  <p:cSld>
-    <p:spTree>
-      <p:nvGrpSpPr>
-        <p:cNvPr id="1" name=""/>
-        <p:cNvGrpSpPr/>
-        <p:nvPr/>
-      </p:nvGrpSpPr>
-      <p:grpSpPr>
-        <a:xfrm>
-          <a:off x="0" y="0"/>
-          <a:ext cx="0" cy="0"/>
-          <a:chOff x="0" y="0"/>
-          <a:chExt cx="0" cy="0"/>
-        </a:xfrm>
-      </p:grpSpPr>
-      <p:sp>
-        <p:nvSpPr>
-          <p:cNvPr id="2" name="Title 1">
-            <a:extLst>
-              <a:ext uri="{FF2B5EF4-FFF2-40B4-BE49-F238E27FC236}">
-                <a16:creationId xmlns:a16="http://schemas.microsoft.com/office/drawing/2014/main" id="{7AF08717-5D5C-7D3F-A6BB-B367C935DFAA}"/>
-              </a:ext>
-            </a:extLst>
-          </p:cNvPr>
-          <p:cNvSpPr>
-            <a:spLocks noGrp="1"/>
-          </p:cNvSpPr>
-          <p:nvPr>
-            <p:ph type="title"/>
-          </p:nvPr>
-        </p:nvSpPr>
-        <p:spPr/>
-        <p:txBody>
-          <a:bodyPr/>
-          <a:lstStyle/>
-          <a:p>
-            <a:r>
-              <a:rPr lang="en-US" dirty="0"/>
-              <a:t>Important Notes</a:t>
-            </a:r>
-          </a:p>
-        </p:txBody>
-      </p:sp>
-      <p:sp>
-        <p:nvSpPr>
-          <p:cNvPr id="3" name="Content Placeholder 2">
-            <a:extLst>
-              <a:ext uri="{FF2B5EF4-FFF2-40B4-BE49-F238E27FC236}">
-                <a16:creationId xmlns:a16="http://schemas.microsoft.com/office/drawing/2014/main" id="{1EC0D938-9CF8-35BE-5963-D85AB9321A4E}"/>
-              </a:ext>
-            </a:extLst>
-          </p:cNvPr>
-          <p:cNvSpPr>
-            <a:spLocks noGrp="1"/>
-          </p:cNvSpPr>
-          <p:nvPr>
-            <p:ph idx="1"/>
-          </p:nvPr>
-        </p:nvSpPr>
-        <p:spPr/>
-        <p:txBody>
-          <a:bodyPr/>
-          <a:lstStyle/>
-          <a:p>
-            <a:r>
-              <a:rPr lang="en-US" dirty="0"/>
-              <a:t>They do preprocessing </a:t>
-            </a:r>
-            <a:r>
-              <a:rPr lang="en-US"/>
-              <a:t>then reshaping next</a:t>
-            </a:r>
-          </a:p>
-        </p:txBody>
-      </p:sp>
-    </p:spTree>
-    <p:extLst>
-      <p:ext uri="{BB962C8B-B14F-4D97-AF65-F5344CB8AC3E}">
-        <p14:creationId xmlns:p14="http://schemas.microsoft.com/office/powerpoint/2010/main" val="1598806236"/>
-      </p:ext>
-    </p:extLst>
-  </p:cSld>
-  <p:clrMapOvr>
-    <a:masterClrMapping/>
-  </p:clrMapOvr>
-</p:sld>
-</file>
-
-<file path=ppt/slides/slide4.xml><?xml version="1.0" encoding="utf-8"?>
-<p:sld xmlns:a="http://schemas.openxmlformats.org/drawingml/2006/main" xmlns:r="http://schemas.openxmlformats.org/officeDocument/2006/relationships" xmlns:p="http://schemas.openxmlformats.org/presentationml/2006/main">
-  <p:cSld>
-    <p:spTree>
-      <p:nvGrpSpPr>
-        <p:cNvPr id="1" name=""/>
-        <p:cNvGrpSpPr/>
-        <p:nvPr/>
-      </p:nvGrpSpPr>
-      <p:grpSpPr>
-        <a:xfrm>
-          <a:off x="0" y="0"/>
-          <a:ext cx="0" cy="0"/>
-          <a:chOff x="0" y="0"/>
-          <a:chExt cx="0" cy="0"/>
-        </a:xfrm>
-      </p:grpSpPr>
-      <p:sp>
-        <p:nvSpPr>
-          <p:cNvPr id="2" name="Title 1">
-            <a:extLst>
-              <a:ext uri="{FF2B5EF4-FFF2-40B4-BE49-F238E27FC236}">
-                <a16:creationId xmlns:a16="http://schemas.microsoft.com/office/drawing/2014/main" id="{5B06EFC0-96AD-00BA-8A6D-4551211F14F5}"/>
-              </a:ext>
-            </a:extLst>
-          </p:cNvPr>
-          <p:cNvSpPr>
-            <a:spLocks noGrp="1"/>
-          </p:cNvSpPr>
-          <p:nvPr>
-            <p:ph type="title"/>
-          </p:nvPr>
-        </p:nvSpPr>
-        <p:spPr/>
-        <p:txBody>
-          <a:bodyPr/>
-          <a:lstStyle/>
-          <a:p>
-            <a:r>
-              <a:rPr lang="en-US" dirty="0"/>
-              <a:t>Test Case 1- Indian Pines with SVM</a:t>
-            </a:r>
-          </a:p>
-        </p:txBody>
-      </p:sp>
-      <p:sp>
-        <p:nvSpPr>
-          <p:cNvPr id="3" name="Text Placeholder 2">
-            <a:extLst>
-              <a:ext uri="{FF2B5EF4-FFF2-40B4-BE49-F238E27FC236}">
-                <a16:creationId xmlns:a16="http://schemas.microsoft.com/office/drawing/2014/main" id="{17C08D47-C0A0-E21B-BF31-A119CD6194CC}"/>
-              </a:ext>
-            </a:extLst>
-          </p:cNvPr>
-          <p:cNvSpPr>
-            <a:spLocks noGrp="1"/>
-          </p:cNvSpPr>
-          <p:nvPr>
-            <p:ph type="body" idx="1"/>
-          </p:nvPr>
-        </p:nvSpPr>
-        <p:spPr>
-          <a:xfrm>
-            <a:off x="839789" y="1681163"/>
-            <a:ext cx="3564045" cy="823912"/>
-          </a:xfrm>
-        </p:spPr>
-        <p:txBody>
-          <a:bodyPr/>
-          <a:lstStyle/>
-          <a:p>
-            <a:r>
-              <a:rPr lang="en-US" dirty="0" err="1"/>
-              <a:t>PLS_Toolbox</a:t>
-            </a:r>
-            <a:endParaRPr lang="en-US" dirty="0"/>
-          </a:p>
-        </p:txBody>
-      </p:sp>
-      <p:sp>
-        <p:nvSpPr>
-          <p:cNvPr id="4" name="Content Placeholder 3">
-            <a:extLst>
-              <a:ext uri="{FF2B5EF4-FFF2-40B4-BE49-F238E27FC236}">
-                <a16:creationId xmlns:a16="http://schemas.microsoft.com/office/drawing/2014/main" id="{8CDCC277-6FF6-5D99-C1DF-ECB6C96C879B}"/>
-              </a:ext>
-            </a:extLst>
-          </p:cNvPr>
-          <p:cNvSpPr>
-            <a:spLocks noGrp="1"/>
-          </p:cNvSpPr>
-          <p:nvPr>
-            <p:ph sz="half" idx="2"/>
-          </p:nvPr>
-        </p:nvSpPr>
-        <p:spPr>
-          <a:xfrm>
-            <a:off x="839789" y="2505075"/>
-            <a:ext cx="3238225" cy="3684588"/>
-          </a:xfrm>
-        </p:spPr>
-        <p:txBody>
-          <a:bodyPr/>
-          <a:lstStyle/>
-          <a:p>
-            <a:r>
-              <a:rPr lang="en-US" dirty="0"/>
-              <a:t>21025x</a:t>
-            </a:r>
-            <a:r>
-              <a:rPr lang="en-US" dirty="0">
-                <a:highlight>
-                  <a:srgbClr val="FFFF00"/>
-                </a:highlight>
-              </a:rPr>
-              <a:t>220</a:t>
-            </a:r>
-          </a:p>
-          <a:p>
-            <a:r>
-              <a:rPr lang="en-US" dirty="0"/>
-              <a:t>145x145</a:t>
-            </a:r>
-          </a:p>
-        </p:txBody>
-      </p:sp>
-      <p:sp>
-        <p:nvSpPr>
-          <p:cNvPr id="5" name="Text Placeholder 4">
-            <a:extLst>
-              <a:ext uri="{FF2B5EF4-FFF2-40B4-BE49-F238E27FC236}">
-                <a16:creationId xmlns:a16="http://schemas.microsoft.com/office/drawing/2014/main" id="{275D45C5-8840-D610-3AA2-7CCF6E96581C}"/>
-              </a:ext>
-            </a:extLst>
-          </p:cNvPr>
-          <p:cNvSpPr>
-            <a:spLocks noGrp="1"/>
-          </p:cNvSpPr>
-          <p:nvPr>
-            <p:ph type="body" sz="quarter" idx="3"/>
-          </p:nvPr>
-        </p:nvSpPr>
-        <p:spPr>
-          <a:xfrm>
-            <a:off x="7002162" y="1681163"/>
-            <a:ext cx="4353226" cy="823912"/>
-          </a:xfrm>
-        </p:spPr>
-        <p:txBody>
-          <a:bodyPr/>
-          <a:lstStyle/>
-          <a:p>
-            <a:r>
-              <a:rPr lang="en-US" dirty="0"/>
-              <a:t>Python</a:t>
-            </a:r>
-          </a:p>
-        </p:txBody>
-      </p:sp>
-      <p:sp>
-        <p:nvSpPr>
-          <p:cNvPr id="6" name="Content Placeholder 5">
-            <a:extLst>
-              <a:ext uri="{FF2B5EF4-FFF2-40B4-BE49-F238E27FC236}">
-                <a16:creationId xmlns:a16="http://schemas.microsoft.com/office/drawing/2014/main" id="{34862CB2-9631-B9C9-C8C0-600D33783036}"/>
-              </a:ext>
-            </a:extLst>
-          </p:cNvPr>
-          <p:cNvSpPr>
-            <a:spLocks noGrp="1"/>
-          </p:cNvSpPr>
-          <p:nvPr>
-            <p:ph sz="quarter" idx="4"/>
-          </p:nvPr>
-        </p:nvSpPr>
-        <p:spPr>
-          <a:xfrm>
-            <a:off x="7002162" y="2505075"/>
-            <a:ext cx="4353225" cy="3684588"/>
-          </a:xfrm>
-        </p:spPr>
-        <p:txBody>
-          <a:bodyPr/>
-          <a:lstStyle/>
-          <a:p>
-            <a:r>
-              <a:rPr lang="en-US" dirty="0"/>
-              <a:t>21025x</a:t>
-            </a:r>
-            <a:r>
-              <a:rPr lang="en-US" dirty="0">
-                <a:highlight>
-                  <a:srgbClr val="FFFF00"/>
-                </a:highlight>
-              </a:rPr>
-              <a:t>200</a:t>
-            </a:r>
-          </a:p>
-          <a:p>
-            <a:r>
-              <a:rPr lang="en-US" dirty="0"/>
-              <a:t>145x145</a:t>
-            </a:r>
-          </a:p>
-        </p:txBody>
-      </p:sp>
-      <p:sp>
-        <p:nvSpPr>
-          <p:cNvPr id="9" name="TextBox 8">
-            <a:extLst>
-              <a:ext uri="{FF2B5EF4-FFF2-40B4-BE49-F238E27FC236}">
-                <a16:creationId xmlns:a16="http://schemas.microsoft.com/office/drawing/2014/main" id="{5B602002-EFAC-E41B-D80D-DD26B8844CB4}"/>
-              </a:ext>
-            </a:extLst>
-          </p:cNvPr>
-          <p:cNvSpPr txBox="1"/>
-          <p:nvPr/>
-        </p:nvSpPr>
-        <p:spPr>
-          <a:xfrm>
-            <a:off x="4151587" y="2505075"/>
-            <a:ext cx="2615460" cy="1200329"/>
-          </a:xfrm>
-          <a:prstGeom prst="rect">
-            <a:avLst/>
-          </a:prstGeom>
-          <a:noFill/>
-        </p:spPr>
-        <p:txBody>
-          <a:bodyPr wrap="none" rtlCol="0">
-            <a:spAutoFit/>
-          </a:bodyPr>
-          <a:lstStyle/>
-          <a:p>
-            <a:r>
-              <a:rPr lang="en-US" dirty="0"/>
-              <a:t>Image Size before training</a:t>
-            </a:r>
-          </a:p>
-          <a:p>
-            <a:endParaRPr lang="en-US" dirty="0"/>
-          </a:p>
-          <a:p>
-            <a:r>
-              <a:rPr lang="en-US" dirty="0"/>
-              <a:t>Pixel size</a:t>
-            </a:r>
-          </a:p>
-          <a:p>
-            <a:endParaRPr lang="en-US" dirty="0"/>
-          </a:p>
-        </p:txBody>
-      </p:sp>
-      <p:sp>
-        <p:nvSpPr>
-          <p:cNvPr id="10" name="TextBox 9">
-            <a:extLst>
-              <a:ext uri="{FF2B5EF4-FFF2-40B4-BE49-F238E27FC236}">
-                <a16:creationId xmlns:a16="http://schemas.microsoft.com/office/drawing/2014/main" id="{CC917ED3-ABEB-0130-489B-DF9D0BE91732}"/>
-              </a:ext>
-            </a:extLst>
-          </p:cNvPr>
-          <p:cNvSpPr txBox="1"/>
-          <p:nvPr/>
-        </p:nvSpPr>
-        <p:spPr>
-          <a:xfrm>
-            <a:off x="840827" y="4849050"/>
-            <a:ext cx="7126014" cy="646331"/>
-          </a:xfrm>
-          <a:prstGeom prst="rect">
-            <a:avLst/>
-          </a:prstGeom>
-          <a:noFill/>
-        </p:spPr>
-        <p:txBody>
-          <a:bodyPr wrap="square" rtlCol="0">
-            <a:spAutoFit/>
-          </a:bodyPr>
-          <a:lstStyle/>
-          <a:p>
-            <a:r>
-              <a:rPr lang="en-US" dirty="0">
-                <a:solidFill>
-                  <a:srgbClr val="FF0000"/>
-                </a:solidFill>
-              </a:rPr>
-              <a:t>Size of pixels are folded into the sample mode (145x145 = 21025).</a:t>
-            </a:r>
-          </a:p>
-          <a:p>
-            <a:r>
-              <a:rPr lang="en-US" dirty="0">
-                <a:solidFill>
-                  <a:srgbClr val="FF0000"/>
-                </a:solidFill>
-              </a:rPr>
-              <a:t>So each “sample” SVM sees is a pixel.</a:t>
-            </a:r>
-          </a:p>
-        </p:txBody>
-      </p:sp>
-      <p:pic>
-        <p:nvPicPr>
-          <p:cNvPr id="12" name="Picture 11" descr="A close up of a text&#10;&#10;Description automatically generated">
-            <a:extLst>
-              <a:ext uri="{FF2B5EF4-FFF2-40B4-BE49-F238E27FC236}">
-                <a16:creationId xmlns:a16="http://schemas.microsoft.com/office/drawing/2014/main" id="{6CBD0E6F-0C13-64FC-828E-576F0E9F8C34}"/>
-              </a:ext>
-            </a:extLst>
-          </p:cNvPr>
-          <p:cNvPicPr>
-            <a:picLocks noChangeAspect="1"/>
-          </p:cNvPicPr>
-          <p:nvPr/>
-        </p:nvPicPr>
-        <p:blipFill>
-          <a:blip r:embed="rId2"/>
-          <a:stretch>
-            <a:fillRect/>
-          </a:stretch>
-        </p:blipFill>
-        <p:spPr>
-          <a:xfrm>
-            <a:off x="7841974" y="4055377"/>
-            <a:ext cx="3945006" cy="2034894"/>
-          </a:xfrm>
-          <a:prstGeom prst="rect">
-            <a:avLst/>
-          </a:prstGeom>
-        </p:spPr>
-      </p:pic>
-      <p:sp>
-        <p:nvSpPr>
-          <p:cNvPr id="14" name="Frame 13">
-            <a:extLst>
-              <a:ext uri="{FF2B5EF4-FFF2-40B4-BE49-F238E27FC236}">
-                <a16:creationId xmlns:a16="http://schemas.microsoft.com/office/drawing/2014/main" id="{1B23DC28-9059-2052-0853-94E0CD511D8A}"/>
-              </a:ext>
-            </a:extLst>
-          </p:cNvPr>
-          <p:cNvSpPr/>
-          <p:nvPr/>
-        </p:nvSpPr>
-        <p:spPr>
-          <a:xfrm>
-            <a:off x="7841974" y="4734893"/>
-            <a:ext cx="4035287" cy="874644"/>
-          </a:xfrm>
-          <a:prstGeom prst="frame">
-            <a:avLst>
-              <a:gd name="adj1" fmla="val 5682"/>
-            </a:avLst>
-          </a:prstGeom>
-          <a:solidFill>
-            <a:srgbClr val="FF0000"/>
-          </a:solidFill>
-          <a:ln>
-            <a:solidFill>
-              <a:srgbClr val="FF0000"/>
-            </a:solidFill>
-          </a:ln>
-        </p:spPr>
-        <p:style>
-          <a:lnRef idx="2">
-            <a:schemeClr val="accent1">
-              <a:shade val="15000"/>
-            </a:schemeClr>
-          </a:lnRef>
-          <a:fillRef idx="1">
-            <a:schemeClr val="accent1"/>
-          </a:fillRef>
-          <a:effectRef idx="0">
-            <a:schemeClr val="accent1"/>
-          </a:effectRef>
-          <a:fontRef idx="minor">
-            <a:schemeClr val="lt1"/>
-          </a:fontRef>
-        </p:style>
-        <p:txBody>
-          <a:bodyPr rtlCol="0" anchor="ctr"/>
-          <a:lstStyle/>
-          <a:p>
-            <a:pPr algn="ctr"/>
-            <a:endParaRPr lang="en-US">
-              <a:solidFill>
-                <a:schemeClr val="tx1"/>
-              </a:solidFill>
-            </a:endParaRPr>
-          </a:p>
-        </p:txBody>
-      </p:sp>
-    </p:spTree>
-    <p:extLst>
-      <p:ext uri="{BB962C8B-B14F-4D97-AF65-F5344CB8AC3E}">
-        <p14:creationId xmlns:p14="http://schemas.microsoft.com/office/powerpoint/2010/main" val="817080461"/>
-      </p:ext>
-    </p:extLst>
-  </p:cSld>
-  <p:clrMapOvr>
-    <a:masterClrMapping/>
-  </p:clrMapOvr>
-</p:sld>
-</file>
-
-<file path=ppt/slides/slide5.xml><?xml version="1.0" encoding="utf-8"?>
-<p:sld xmlns:a="http://schemas.openxmlformats.org/drawingml/2006/main" xmlns:r="http://schemas.openxmlformats.org/officeDocument/2006/relationships" xmlns:p="http://schemas.openxmlformats.org/presentationml/2006/main">
-  <p:cSld>
-    <p:spTree>
-      <p:nvGrpSpPr>
-        <p:cNvPr id="1" name=""/>
-        <p:cNvGrpSpPr/>
-        <p:nvPr/>
-      </p:nvGrpSpPr>
-      <p:grpSpPr>
-        <a:xfrm>
-          <a:off x="0" y="0"/>
-          <a:ext cx="0" cy="0"/>
-          <a:chOff x="0" y="0"/>
-          <a:chExt cx="0" cy="0"/>
-        </a:xfrm>
-      </p:grpSpPr>
-      <p:sp>
-        <p:nvSpPr>
-          <p:cNvPr id="2" name="Title 1">
-            <a:extLst>
-              <a:ext uri="{FF2B5EF4-FFF2-40B4-BE49-F238E27FC236}">
-                <a16:creationId xmlns:a16="http://schemas.microsoft.com/office/drawing/2014/main" id="{5B06EFC0-96AD-00BA-8A6D-4551211F14F5}"/>
-              </a:ext>
-            </a:extLst>
-          </p:cNvPr>
-          <p:cNvSpPr>
-            <a:spLocks noGrp="1"/>
-          </p:cNvSpPr>
-          <p:nvPr>
-            <p:ph type="title"/>
-          </p:nvPr>
-        </p:nvSpPr>
-        <p:spPr/>
-        <p:txBody>
-          <a:bodyPr/>
-          <a:lstStyle/>
-          <a:p>
-            <a:r>
-              <a:rPr lang="en-US" dirty="0"/>
-              <a:t>Test Case 2- Indian Pines with Conv1d</a:t>
-            </a:r>
-          </a:p>
-        </p:txBody>
-      </p:sp>
-      <p:sp>
-        <p:nvSpPr>
-          <p:cNvPr id="3" name="Text Placeholder 2">
-            <a:extLst>
-              <a:ext uri="{FF2B5EF4-FFF2-40B4-BE49-F238E27FC236}">
-                <a16:creationId xmlns:a16="http://schemas.microsoft.com/office/drawing/2014/main" id="{17C08D47-C0A0-E21B-BF31-A119CD6194CC}"/>
-              </a:ext>
-            </a:extLst>
-          </p:cNvPr>
-          <p:cNvSpPr>
-            <a:spLocks noGrp="1"/>
-          </p:cNvSpPr>
-          <p:nvPr>
-            <p:ph type="body" idx="1"/>
-          </p:nvPr>
-        </p:nvSpPr>
-        <p:spPr>
-          <a:xfrm>
-            <a:off x="839789" y="1681163"/>
-            <a:ext cx="3564045" cy="823912"/>
-          </a:xfrm>
-        </p:spPr>
-        <p:txBody>
-          <a:bodyPr/>
-          <a:lstStyle/>
-          <a:p>
-            <a:r>
-              <a:rPr lang="en-US" dirty="0" err="1"/>
-              <a:t>PLS_Toolbox</a:t>
-            </a:r>
-            <a:endParaRPr lang="en-US" dirty="0"/>
-          </a:p>
-        </p:txBody>
-      </p:sp>
-      <p:sp>
-        <p:nvSpPr>
-          <p:cNvPr id="4" name="Content Placeholder 3">
-            <a:extLst>
-              <a:ext uri="{FF2B5EF4-FFF2-40B4-BE49-F238E27FC236}">
-                <a16:creationId xmlns:a16="http://schemas.microsoft.com/office/drawing/2014/main" id="{8CDCC277-6FF6-5D99-C1DF-ECB6C96C879B}"/>
-              </a:ext>
-            </a:extLst>
-          </p:cNvPr>
-          <p:cNvSpPr>
-            <a:spLocks noGrp="1"/>
-          </p:cNvSpPr>
-          <p:nvPr>
-            <p:ph sz="half" idx="2"/>
-          </p:nvPr>
-        </p:nvSpPr>
-        <p:spPr>
-          <a:xfrm>
-            <a:off x="839789" y="2505075"/>
-            <a:ext cx="3238225" cy="3684588"/>
-          </a:xfrm>
-        </p:spPr>
-        <p:txBody>
-          <a:bodyPr/>
-          <a:lstStyle/>
-          <a:p>
-            <a:r>
-              <a:rPr lang="en-US" dirty="0"/>
-              <a:t>21025x220</a:t>
-            </a:r>
-          </a:p>
-          <a:p>
-            <a:r>
-              <a:rPr lang="en-US" dirty="0"/>
-              <a:t>145x145</a:t>
-            </a:r>
-          </a:p>
-        </p:txBody>
-      </p:sp>
-      <p:sp>
-        <p:nvSpPr>
-          <p:cNvPr id="5" name="Text Placeholder 4">
-            <a:extLst>
-              <a:ext uri="{FF2B5EF4-FFF2-40B4-BE49-F238E27FC236}">
-                <a16:creationId xmlns:a16="http://schemas.microsoft.com/office/drawing/2014/main" id="{275D45C5-8840-D610-3AA2-7CCF6E96581C}"/>
-              </a:ext>
-            </a:extLst>
-          </p:cNvPr>
-          <p:cNvSpPr>
-            <a:spLocks noGrp="1"/>
-          </p:cNvSpPr>
-          <p:nvPr>
-            <p:ph type="body" sz="quarter" idx="3"/>
-          </p:nvPr>
-        </p:nvSpPr>
-        <p:spPr>
-          <a:xfrm>
-            <a:off x="7002162" y="1681163"/>
-            <a:ext cx="4353226" cy="823912"/>
-          </a:xfrm>
-        </p:spPr>
-        <p:txBody>
-          <a:bodyPr/>
-          <a:lstStyle/>
-          <a:p>
-            <a:r>
-              <a:rPr lang="en-US" dirty="0"/>
-              <a:t>Python</a:t>
-            </a:r>
-          </a:p>
-        </p:txBody>
-      </p:sp>
-      <p:sp>
-        <p:nvSpPr>
-          <p:cNvPr id="6" name="Content Placeholder 5">
-            <a:extLst>
-              <a:ext uri="{FF2B5EF4-FFF2-40B4-BE49-F238E27FC236}">
-                <a16:creationId xmlns:a16="http://schemas.microsoft.com/office/drawing/2014/main" id="{34862CB2-9631-B9C9-C8C0-600D33783036}"/>
-              </a:ext>
-            </a:extLst>
-          </p:cNvPr>
-          <p:cNvSpPr>
-            <a:spLocks noGrp="1"/>
-          </p:cNvSpPr>
-          <p:nvPr>
-            <p:ph sz="quarter" idx="4"/>
-          </p:nvPr>
-        </p:nvSpPr>
-        <p:spPr>
-          <a:xfrm>
-            <a:off x="7002162" y="2505075"/>
-            <a:ext cx="4353225" cy="3684588"/>
-          </a:xfrm>
-        </p:spPr>
-        <p:txBody>
-          <a:bodyPr/>
-          <a:lstStyle/>
-          <a:p>
-            <a:r>
-              <a:rPr lang="en-US" dirty="0"/>
-              <a:t>21025x200x1</a:t>
-            </a:r>
-          </a:p>
-          <a:p>
-            <a:r>
-              <a:rPr lang="en-US" dirty="0"/>
-              <a:t>145x145</a:t>
-            </a:r>
-          </a:p>
-          <a:p>
-            <a:r>
-              <a:rPr lang="en-US" dirty="0"/>
-              <a:t>200x1</a:t>
-            </a:r>
-          </a:p>
-        </p:txBody>
-      </p:sp>
-      <p:sp>
-        <p:nvSpPr>
-          <p:cNvPr id="9" name="TextBox 8">
-            <a:extLst>
-              <a:ext uri="{FF2B5EF4-FFF2-40B4-BE49-F238E27FC236}">
-                <a16:creationId xmlns:a16="http://schemas.microsoft.com/office/drawing/2014/main" id="{5B602002-EFAC-E41B-D80D-DD26B8844CB4}"/>
-              </a:ext>
-            </a:extLst>
-          </p:cNvPr>
-          <p:cNvSpPr txBox="1"/>
-          <p:nvPr/>
-        </p:nvSpPr>
-        <p:spPr>
-          <a:xfrm>
-            <a:off x="4151587" y="2505075"/>
-            <a:ext cx="2615460" cy="1477328"/>
-          </a:xfrm>
-          <a:prstGeom prst="rect">
-            <a:avLst/>
-          </a:prstGeom>
-          <a:noFill/>
-        </p:spPr>
-        <p:txBody>
-          <a:bodyPr wrap="none" rtlCol="0">
-            <a:spAutoFit/>
-          </a:bodyPr>
-          <a:lstStyle/>
-          <a:p>
-            <a:r>
-              <a:rPr lang="en-US" dirty="0"/>
-              <a:t>Image Size before training</a:t>
-            </a:r>
-          </a:p>
-          <a:p>
-            <a:endParaRPr lang="en-US" dirty="0"/>
-          </a:p>
-          <a:p>
-            <a:r>
-              <a:rPr lang="en-US" dirty="0"/>
-              <a:t>Pixel size</a:t>
-            </a:r>
-          </a:p>
-          <a:p>
-            <a:endParaRPr lang="en-US" dirty="0"/>
-          </a:p>
-          <a:p>
-            <a:r>
-              <a:rPr lang="en-US" dirty="0"/>
-              <a:t>Input Shape</a:t>
-            </a:r>
-          </a:p>
-        </p:txBody>
-      </p:sp>
-    </p:spTree>
-    <p:extLst>
-      <p:ext uri="{BB962C8B-B14F-4D97-AF65-F5344CB8AC3E}">
-        <p14:creationId xmlns:p14="http://schemas.microsoft.com/office/powerpoint/2010/main" val="2981351130"/>
-      </p:ext>
-    </p:extLst>
-  </p:cSld>
-  <p:clrMapOvr>
-    <a:masterClrMapping/>
-  </p:clrMapOvr>
-</p:sld>
-</file>
-
-<file path=ppt/slides/slide6.xml><?xml version="1.0" encoding="utf-8"?>
-<p:sld xmlns:a="http://schemas.openxmlformats.org/drawingml/2006/main" xmlns:r="http://schemas.openxmlformats.org/officeDocument/2006/relationships" xmlns:p="http://schemas.openxmlformats.org/presentationml/2006/main">
-  <p:cSld>
-    <p:spTree>
-      <p:nvGrpSpPr>
-        <p:cNvPr id="1" name=""/>
-        <p:cNvGrpSpPr/>
-        <p:nvPr/>
-      </p:nvGrpSpPr>
-      <p:grpSpPr>
-        <a:xfrm>
-          <a:off x="0" y="0"/>
-          <a:ext cx="0" cy="0"/>
-          <a:chOff x="0" y="0"/>
-          <a:chExt cx="0" cy="0"/>
-        </a:xfrm>
-      </p:grpSpPr>
-      <p:sp>
-        <p:nvSpPr>
-          <p:cNvPr id="2" name="Title 1">
-            <a:extLst>
-              <a:ext uri="{FF2B5EF4-FFF2-40B4-BE49-F238E27FC236}">
-                <a16:creationId xmlns:a16="http://schemas.microsoft.com/office/drawing/2014/main" id="{5B06EFC0-96AD-00BA-8A6D-4551211F14F5}"/>
-              </a:ext>
-            </a:extLst>
-          </p:cNvPr>
-          <p:cNvSpPr>
-            <a:spLocks noGrp="1"/>
-          </p:cNvSpPr>
-          <p:nvPr>
-            <p:ph type="title"/>
-          </p:nvPr>
-        </p:nvSpPr>
-        <p:spPr/>
-        <p:txBody>
-          <a:bodyPr/>
-          <a:lstStyle/>
-          <a:p>
-            <a:r>
-              <a:rPr lang="en-US" dirty="0"/>
-              <a:t>Test Case 3- Indian Pines with Conv2d</a:t>
-            </a:r>
-          </a:p>
-        </p:txBody>
-      </p:sp>
-      <p:sp>
-        <p:nvSpPr>
-          <p:cNvPr id="3" name="Text Placeholder 2">
-            <a:extLst>
-              <a:ext uri="{FF2B5EF4-FFF2-40B4-BE49-F238E27FC236}">
-                <a16:creationId xmlns:a16="http://schemas.microsoft.com/office/drawing/2014/main" id="{17C08D47-C0A0-E21B-BF31-A119CD6194CC}"/>
-              </a:ext>
-            </a:extLst>
-          </p:cNvPr>
-          <p:cNvSpPr>
-            <a:spLocks noGrp="1"/>
-          </p:cNvSpPr>
-          <p:nvPr>
-            <p:ph type="body" idx="1"/>
-          </p:nvPr>
-        </p:nvSpPr>
-        <p:spPr>
-          <a:xfrm>
-            <a:off x="839789" y="1681163"/>
-            <a:ext cx="3564045" cy="823912"/>
-          </a:xfrm>
-        </p:spPr>
-        <p:txBody>
-          <a:bodyPr/>
-          <a:lstStyle/>
-          <a:p>
-            <a:r>
-              <a:rPr lang="en-US" dirty="0" err="1"/>
-              <a:t>PLS_Toolbox</a:t>
-            </a:r>
-            <a:endParaRPr lang="en-US" dirty="0"/>
-          </a:p>
-        </p:txBody>
-      </p:sp>
-      <p:sp>
-        <p:nvSpPr>
-          <p:cNvPr id="4" name="Content Placeholder 3">
-            <a:extLst>
-              <a:ext uri="{FF2B5EF4-FFF2-40B4-BE49-F238E27FC236}">
-                <a16:creationId xmlns:a16="http://schemas.microsoft.com/office/drawing/2014/main" id="{8CDCC277-6FF6-5D99-C1DF-ECB6C96C879B}"/>
-              </a:ext>
-            </a:extLst>
-          </p:cNvPr>
-          <p:cNvSpPr>
-            <a:spLocks noGrp="1"/>
-          </p:cNvSpPr>
-          <p:nvPr>
-            <p:ph sz="half" idx="2"/>
-          </p:nvPr>
-        </p:nvSpPr>
-        <p:spPr>
-          <a:xfrm>
-            <a:off x="839789" y="2505075"/>
-            <a:ext cx="3238225" cy="3684588"/>
-          </a:xfrm>
-        </p:spPr>
-        <p:txBody>
-          <a:bodyPr>
-            <a:normAutofit/>
-          </a:bodyPr>
-          <a:lstStyle/>
-          <a:p>
-            <a:r>
-              <a:rPr lang="en-US" dirty="0"/>
-              <a:t>21025x220</a:t>
-            </a:r>
-          </a:p>
-          <a:p>
-            <a:r>
-              <a:rPr lang="en-US" dirty="0"/>
-              <a:t>145x145</a:t>
-            </a:r>
-          </a:p>
-        </p:txBody>
-      </p:sp>
-      <p:sp>
-        <p:nvSpPr>
-          <p:cNvPr id="5" name="Text Placeholder 4">
-            <a:extLst>
-              <a:ext uri="{FF2B5EF4-FFF2-40B4-BE49-F238E27FC236}">
-                <a16:creationId xmlns:a16="http://schemas.microsoft.com/office/drawing/2014/main" id="{275D45C5-8840-D610-3AA2-7CCF6E96581C}"/>
-              </a:ext>
-            </a:extLst>
-          </p:cNvPr>
-          <p:cNvSpPr>
-            <a:spLocks noGrp="1"/>
-          </p:cNvSpPr>
-          <p:nvPr>
-            <p:ph type="body" sz="quarter" idx="3"/>
-          </p:nvPr>
-        </p:nvSpPr>
-        <p:spPr>
-          <a:xfrm>
-            <a:off x="7002162" y="1681163"/>
-            <a:ext cx="4353226" cy="823912"/>
-          </a:xfrm>
-        </p:spPr>
-        <p:txBody>
-          <a:bodyPr/>
-          <a:lstStyle/>
-          <a:p>
-            <a:r>
-              <a:rPr lang="en-US" dirty="0"/>
-              <a:t>Python</a:t>
-            </a:r>
-          </a:p>
-        </p:txBody>
-      </p:sp>
-      <p:sp>
-        <p:nvSpPr>
-          <p:cNvPr id="6" name="Content Placeholder 5">
-            <a:extLst>
-              <a:ext uri="{FF2B5EF4-FFF2-40B4-BE49-F238E27FC236}">
-                <a16:creationId xmlns:a16="http://schemas.microsoft.com/office/drawing/2014/main" id="{34862CB2-9631-B9C9-C8C0-600D33783036}"/>
-              </a:ext>
-            </a:extLst>
-          </p:cNvPr>
-          <p:cNvSpPr>
-            <a:spLocks noGrp="1"/>
-          </p:cNvSpPr>
-          <p:nvPr>
-            <p:ph sz="quarter" idx="4"/>
-          </p:nvPr>
-        </p:nvSpPr>
-        <p:spPr>
-          <a:xfrm>
-            <a:off x="7002162" y="2505075"/>
-            <a:ext cx="4353225" cy="3684588"/>
-          </a:xfrm>
-        </p:spPr>
-        <p:txBody>
-          <a:bodyPr>
-            <a:normAutofit/>
-          </a:bodyPr>
-          <a:lstStyle/>
-          <a:p>
-            <a:r>
-              <a:rPr lang="en-US" dirty="0"/>
-              <a:t>21025x200</a:t>
-            </a:r>
-          </a:p>
-          <a:p>
-            <a:r>
-              <a:rPr lang="en-US" dirty="0"/>
-              <a:t>145x145</a:t>
-            </a:r>
-          </a:p>
-          <a:p>
-            <a:r>
-              <a:rPr lang="en-US" dirty="0"/>
-              <a:t>19x19x200</a:t>
-            </a:r>
-          </a:p>
-          <a:p>
-            <a:endParaRPr lang="en-US" dirty="0"/>
-          </a:p>
-          <a:p>
-            <a:pPr marL="0" indent="0">
-              <a:buNone/>
-            </a:pPr>
-            <a:r>
-              <a:rPr lang="en-US" dirty="0">
-                <a:solidFill>
-                  <a:srgbClr val="FF0000"/>
-                </a:solidFill>
-              </a:rPr>
-              <a:t>Creates image cubes with a window size of 19 and pads with 0’s</a:t>
-            </a:r>
-          </a:p>
-        </p:txBody>
-      </p:sp>
-      <p:sp>
-        <p:nvSpPr>
-          <p:cNvPr id="9" name="TextBox 8">
-            <a:extLst>
-              <a:ext uri="{FF2B5EF4-FFF2-40B4-BE49-F238E27FC236}">
-                <a16:creationId xmlns:a16="http://schemas.microsoft.com/office/drawing/2014/main" id="{5B602002-EFAC-E41B-D80D-DD26B8844CB4}"/>
-              </a:ext>
-            </a:extLst>
-          </p:cNvPr>
-          <p:cNvSpPr txBox="1"/>
-          <p:nvPr/>
-        </p:nvSpPr>
-        <p:spPr>
-          <a:xfrm>
-            <a:off x="4151587" y="2505075"/>
-            <a:ext cx="2615460" cy="1477328"/>
-          </a:xfrm>
-          <a:prstGeom prst="rect">
-            <a:avLst/>
-          </a:prstGeom>
-          <a:noFill/>
-        </p:spPr>
-        <p:txBody>
-          <a:bodyPr wrap="none" rtlCol="0">
-            <a:spAutoFit/>
-          </a:bodyPr>
-          <a:lstStyle/>
-          <a:p>
-            <a:r>
-              <a:rPr lang="en-US" dirty="0"/>
-              <a:t>Image Size before training</a:t>
-            </a:r>
-          </a:p>
-          <a:p>
-            <a:endParaRPr lang="en-US" dirty="0"/>
-          </a:p>
-          <a:p>
-            <a:r>
-              <a:rPr lang="en-US" dirty="0"/>
-              <a:t>Pixel size</a:t>
-            </a:r>
-          </a:p>
-          <a:p>
-            <a:endParaRPr lang="en-US" dirty="0"/>
-          </a:p>
-          <a:p>
-            <a:r>
-              <a:rPr lang="en-US" dirty="0"/>
-              <a:t>Input Shape</a:t>
-            </a:r>
-          </a:p>
-        </p:txBody>
-      </p:sp>
-    </p:spTree>
-    <p:extLst>
-      <p:ext uri="{BB962C8B-B14F-4D97-AF65-F5344CB8AC3E}">
-        <p14:creationId xmlns:p14="http://schemas.microsoft.com/office/powerpoint/2010/main" val="225991118"/>
-      </p:ext>
-    </p:extLst>
-  </p:cSld>
-  <p:clrMapOvr>
-    <a:masterClrMapping/>
-  </p:clrMapOvr>
-</p:sld>
-</file>
-
-<file path=ppt/slides/slide7.xml><?xml version="1.0" encoding="utf-8"?>
+<file path=ppt/slides/slide10.xml><?xml version="1.0" encoding="utf-8"?>
 <p:sld xmlns:a="http://schemas.openxmlformats.org/drawingml/2006/main" xmlns:r="http://schemas.openxmlformats.org/officeDocument/2006/relationships" xmlns:p="http://schemas.openxmlformats.org/presentationml/2006/main">
   <p:cSld>
     <p:spTree>
@@ -5001,7 +3849,7 @@
 </p:sld>
 </file>
 
-<file path=ppt/slides/slide8.xml><?xml version="1.0" encoding="utf-8"?>
+<file path=ppt/slides/slide11.xml><?xml version="1.0" encoding="utf-8"?>
 <p:sld xmlns:a="http://schemas.openxmlformats.org/drawingml/2006/main" xmlns:r="http://schemas.openxmlformats.org/officeDocument/2006/relationships" xmlns:p="http://schemas.openxmlformats.org/presentationml/2006/main">
   <p:cSld>
     <p:spTree>
@@ -5582,7 +4430,7 @@
 </p:sld>
 </file>
 
-<file path=ppt/slides/slide9.xml><?xml version="1.0" encoding="utf-8"?>
+<file path=ppt/slides/slide12.xml><?xml version="1.0" encoding="utf-8"?>
 <p:sld xmlns:a="http://schemas.openxmlformats.org/drawingml/2006/main" xmlns:r="http://schemas.openxmlformats.org/officeDocument/2006/relationships" xmlns:p="http://schemas.openxmlformats.org/presentationml/2006/main">
   <p:cSld>
     <p:spTree>
@@ -5633,6 +4481,5584 @@
     <p:extLst>
       <p:ext uri="{BB962C8B-B14F-4D97-AF65-F5344CB8AC3E}">
         <p14:creationId xmlns:p14="http://schemas.microsoft.com/office/powerpoint/2010/main" val="1595760777"/>
+      </p:ext>
+    </p:extLst>
+  </p:cSld>
+  <p:clrMapOvr>
+    <a:masterClrMapping/>
+  </p:clrMapOvr>
+</p:sld>
+</file>
+
+<file path=ppt/slides/slide2.xml><?xml version="1.0" encoding="utf-8"?>
+<p:sld xmlns:a="http://schemas.openxmlformats.org/drawingml/2006/main" xmlns:r="http://schemas.openxmlformats.org/officeDocument/2006/relationships" xmlns:p="http://schemas.openxmlformats.org/presentationml/2006/main">
+  <p:cSld>
+    <p:spTree>
+      <p:nvGrpSpPr>
+        <p:cNvPr id="1" name=""/>
+        <p:cNvGrpSpPr/>
+        <p:nvPr/>
+      </p:nvGrpSpPr>
+      <p:grpSpPr>
+        <a:xfrm>
+          <a:off x="0" y="0"/>
+          <a:ext cx="0" cy="0"/>
+          <a:chOff x="0" y="0"/>
+          <a:chExt cx="0" cy="0"/>
+        </a:xfrm>
+      </p:grpSpPr>
+      <p:sp>
+        <p:nvSpPr>
+          <p:cNvPr id="2" name="Title 1">
+            <a:extLst>
+              <a:ext uri="{FF2B5EF4-FFF2-40B4-BE49-F238E27FC236}">
+                <a16:creationId xmlns:a16="http://schemas.microsoft.com/office/drawing/2014/main" id="{7AF08717-5D5C-7D3F-A6BB-B367C935DFAA}"/>
+              </a:ext>
+            </a:extLst>
+          </p:cNvPr>
+          <p:cNvSpPr>
+            <a:spLocks noGrp="1"/>
+          </p:cNvSpPr>
+          <p:nvPr>
+            <p:ph type="title"/>
+          </p:nvPr>
+        </p:nvSpPr>
+        <p:spPr/>
+        <p:txBody>
+          <a:bodyPr/>
+          <a:lstStyle/>
+          <a:p>
+            <a:r>
+              <a:rPr lang="en-US" dirty="0" err="1"/>
+              <a:t>Github</a:t>
+            </a:r>
+            <a:r>
+              <a:rPr lang="en-US" dirty="0"/>
+              <a:t> + paper</a:t>
+            </a:r>
+          </a:p>
+        </p:txBody>
+      </p:sp>
+      <p:pic>
+        <p:nvPicPr>
+          <p:cNvPr id="5" name="Content Placeholder 4" descr="A screenshot of a computer&#10;&#10;Description automatically generated">
+            <a:extLst>
+              <a:ext uri="{FF2B5EF4-FFF2-40B4-BE49-F238E27FC236}">
+                <a16:creationId xmlns:a16="http://schemas.microsoft.com/office/drawing/2014/main" id="{B935DA35-CFCC-5D70-A7FE-25A5736C2446}"/>
+              </a:ext>
+            </a:extLst>
+          </p:cNvPr>
+          <p:cNvPicPr>
+            <a:picLocks noGrp="1" noChangeAspect="1"/>
+          </p:cNvPicPr>
+          <p:nvPr>
+            <p:ph idx="1"/>
+          </p:nvPr>
+        </p:nvPicPr>
+        <p:blipFill>
+          <a:blip r:embed="rId2"/>
+          <a:stretch>
+            <a:fillRect/>
+          </a:stretch>
+        </p:blipFill>
+        <p:spPr>
+          <a:xfrm>
+            <a:off x="4335230" y="1355109"/>
+            <a:ext cx="7856770" cy="4351338"/>
+          </a:xfrm>
+        </p:spPr>
+      </p:pic>
+      <p:pic>
+        <p:nvPicPr>
+          <p:cNvPr id="7" name="Picture 6" descr="A diagram of a machine&#10;&#10;Description automatically generated">
+            <a:extLst>
+              <a:ext uri="{FF2B5EF4-FFF2-40B4-BE49-F238E27FC236}">
+                <a16:creationId xmlns:a16="http://schemas.microsoft.com/office/drawing/2014/main" id="{1B386012-B1A4-1D95-9B9B-94DFCEBCCE1B}"/>
+              </a:ext>
+            </a:extLst>
+          </p:cNvPr>
+          <p:cNvPicPr>
+            <a:picLocks noChangeAspect="1"/>
+          </p:cNvPicPr>
+          <p:nvPr/>
+        </p:nvPicPr>
+        <p:blipFill>
+          <a:blip r:embed="rId3"/>
+          <a:stretch>
+            <a:fillRect/>
+          </a:stretch>
+        </p:blipFill>
+        <p:spPr>
+          <a:xfrm>
+            <a:off x="94044" y="1902940"/>
+            <a:ext cx="4079540" cy="3255677"/>
+          </a:xfrm>
+          <a:prstGeom prst="rect">
+            <a:avLst/>
+          </a:prstGeom>
+        </p:spPr>
+      </p:pic>
+    </p:spTree>
+    <p:extLst>
+      <p:ext uri="{BB962C8B-B14F-4D97-AF65-F5344CB8AC3E}">
+        <p14:creationId xmlns:p14="http://schemas.microsoft.com/office/powerpoint/2010/main" val="729373110"/>
+      </p:ext>
+    </p:extLst>
+  </p:cSld>
+  <p:clrMapOvr>
+    <a:masterClrMapping/>
+  </p:clrMapOvr>
+</p:sld>
+</file>
+
+<file path=ppt/slides/slide3.xml><?xml version="1.0" encoding="utf-8"?>
+<p:sld xmlns:a="http://schemas.openxmlformats.org/drawingml/2006/main" xmlns:r="http://schemas.openxmlformats.org/officeDocument/2006/relationships" xmlns:p="http://schemas.openxmlformats.org/presentationml/2006/main">
+  <p:cSld>
+    <p:spTree>
+      <p:nvGrpSpPr>
+        <p:cNvPr id="1" name=""/>
+        <p:cNvGrpSpPr/>
+        <p:nvPr/>
+      </p:nvGrpSpPr>
+      <p:grpSpPr>
+        <a:xfrm>
+          <a:off x="0" y="0"/>
+          <a:ext cx="0" cy="0"/>
+          <a:chOff x="0" y="0"/>
+          <a:chExt cx="0" cy="0"/>
+        </a:xfrm>
+      </p:grpSpPr>
+      <p:sp>
+        <p:nvSpPr>
+          <p:cNvPr id="2" name="Title 1">
+            <a:extLst>
+              <a:ext uri="{FF2B5EF4-FFF2-40B4-BE49-F238E27FC236}">
+                <a16:creationId xmlns:a16="http://schemas.microsoft.com/office/drawing/2014/main" id="{7AF08717-5D5C-7D3F-A6BB-B367C935DFAA}"/>
+              </a:ext>
+            </a:extLst>
+          </p:cNvPr>
+          <p:cNvSpPr>
+            <a:spLocks noGrp="1"/>
+          </p:cNvSpPr>
+          <p:nvPr>
+            <p:ph type="title"/>
+          </p:nvPr>
+        </p:nvSpPr>
+        <p:spPr/>
+        <p:txBody>
+          <a:bodyPr/>
+          <a:lstStyle/>
+          <a:p>
+            <a:r>
+              <a:rPr lang="en-US" dirty="0"/>
+              <a:t>Important Notes</a:t>
+            </a:r>
+          </a:p>
+        </p:txBody>
+      </p:sp>
+      <p:sp>
+        <p:nvSpPr>
+          <p:cNvPr id="3" name="Content Placeholder 2">
+            <a:extLst>
+              <a:ext uri="{FF2B5EF4-FFF2-40B4-BE49-F238E27FC236}">
+                <a16:creationId xmlns:a16="http://schemas.microsoft.com/office/drawing/2014/main" id="{1EC0D938-9CF8-35BE-5963-D85AB9321A4E}"/>
+              </a:ext>
+            </a:extLst>
+          </p:cNvPr>
+          <p:cNvSpPr>
+            <a:spLocks noGrp="1"/>
+          </p:cNvSpPr>
+          <p:nvPr>
+            <p:ph idx="1"/>
+          </p:nvPr>
+        </p:nvSpPr>
+        <p:spPr/>
+        <p:txBody>
+          <a:bodyPr/>
+          <a:lstStyle/>
+          <a:p>
+            <a:r>
+              <a:rPr lang="en-US" dirty="0"/>
+              <a:t>They do preprocessing </a:t>
+            </a:r>
+            <a:r>
+              <a:rPr lang="en-US"/>
+              <a:t>then reshaping next</a:t>
+            </a:r>
+          </a:p>
+        </p:txBody>
+      </p:sp>
+    </p:spTree>
+    <p:extLst>
+      <p:ext uri="{BB962C8B-B14F-4D97-AF65-F5344CB8AC3E}">
+        <p14:creationId xmlns:p14="http://schemas.microsoft.com/office/powerpoint/2010/main" val="1598806236"/>
+      </p:ext>
+    </p:extLst>
+  </p:cSld>
+  <p:clrMapOvr>
+    <a:masterClrMapping/>
+  </p:clrMapOvr>
+</p:sld>
+</file>
+
+<file path=ppt/slides/slide4.xml><?xml version="1.0" encoding="utf-8"?>
+<p:sld xmlns:a="http://schemas.openxmlformats.org/drawingml/2006/main" xmlns:r="http://schemas.openxmlformats.org/officeDocument/2006/relationships" xmlns:p="http://schemas.openxmlformats.org/presentationml/2006/main">
+  <p:cSld>
+    <p:spTree>
+      <p:nvGrpSpPr>
+        <p:cNvPr id="1" name=""/>
+        <p:cNvGrpSpPr/>
+        <p:nvPr/>
+      </p:nvGrpSpPr>
+      <p:grpSpPr>
+        <a:xfrm>
+          <a:off x="0" y="0"/>
+          <a:ext cx="0" cy="0"/>
+          <a:chOff x="0" y="0"/>
+          <a:chExt cx="0" cy="0"/>
+        </a:xfrm>
+      </p:grpSpPr>
+      <p:sp>
+        <p:nvSpPr>
+          <p:cNvPr id="2" name="Title 1">
+            <a:extLst>
+              <a:ext uri="{FF2B5EF4-FFF2-40B4-BE49-F238E27FC236}">
+                <a16:creationId xmlns:a16="http://schemas.microsoft.com/office/drawing/2014/main" id="{5B06EFC0-96AD-00BA-8A6D-4551211F14F5}"/>
+              </a:ext>
+            </a:extLst>
+          </p:cNvPr>
+          <p:cNvSpPr>
+            <a:spLocks noGrp="1"/>
+          </p:cNvSpPr>
+          <p:nvPr>
+            <p:ph type="title"/>
+          </p:nvPr>
+        </p:nvSpPr>
+        <p:spPr/>
+        <p:txBody>
+          <a:bodyPr/>
+          <a:lstStyle/>
+          <a:p>
+            <a:r>
+              <a:rPr lang="en-US" dirty="0"/>
+              <a:t>Test Case 1- Indian Pines with SVM</a:t>
+            </a:r>
+          </a:p>
+        </p:txBody>
+      </p:sp>
+      <p:sp>
+        <p:nvSpPr>
+          <p:cNvPr id="3" name="Text Placeholder 2">
+            <a:extLst>
+              <a:ext uri="{FF2B5EF4-FFF2-40B4-BE49-F238E27FC236}">
+                <a16:creationId xmlns:a16="http://schemas.microsoft.com/office/drawing/2014/main" id="{17C08D47-C0A0-E21B-BF31-A119CD6194CC}"/>
+              </a:ext>
+            </a:extLst>
+          </p:cNvPr>
+          <p:cNvSpPr>
+            <a:spLocks noGrp="1"/>
+          </p:cNvSpPr>
+          <p:nvPr>
+            <p:ph type="body" idx="1"/>
+          </p:nvPr>
+        </p:nvSpPr>
+        <p:spPr>
+          <a:xfrm>
+            <a:off x="839789" y="1681163"/>
+            <a:ext cx="3564045" cy="823912"/>
+          </a:xfrm>
+        </p:spPr>
+        <p:txBody>
+          <a:bodyPr/>
+          <a:lstStyle/>
+          <a:p>
+            <a:r>
+              <a:rPr lang="en-US" dirty="0" err="1"/>
+              <a:t>PLS_Toolbox</a:t>
+            </a:r>
+            <a:endParaRPr lang="en-US" dirty="0"/>
+          </a:p>
+        </p:txBody>
+      </p:sp>
+      <p:sp>
+        <p:nvSpPr>
+          <p:cNvPr id="4" name="Content Placeholder 3">
+            <a:extLst>
+              <a:ext uri="{FF2B5EF4-FFF2-40B4-BE49-F238E27FC236}">
+                <a16:creationId xmlns:a16="http://schemas.microsoft.com/office/drawing/2014/main" id="{8CDCC277-6FF6-5D99-C1DF-ECB6C96C879B}"/>
+              </a:ext>
+            </a:extLst>
+          </p:cNvPr>
+          <p:cNvSpPr>
+            <a:spLocks noGrp="1"/>
+          </p:cNvSpPr>
+          <p:nvPr>
+            <p:ph sz="half" idx="2"/>
+          </p:nvPr>
+        </p:nvSpPr>
+        <p:spPr>
+          <a:xfrm>
+            <a:off x="839789" y="2505075"/>
+            <a:ext cx="3238225" cy="3684588"/>
+          </a:xfrm>
+        </p:spPr>
+        <p:txBody>
+          <a:bodyPr/>
+          <a:lstStyle/>
+          <a:p>
+            <a:r>
+              <a:rPr lang="en-US" dirty="0"/>
+              <a:t>21025x</a:t>
+            </a:r>
+            <a:r>
+              <a:rPr lang="en-US" dirty="0">
+                <a:highlight>
+                  <a:srgbClr val="FFFF00"/>
+                </a:highlight>
+              </a:rPr>
+              <a:t>220</a:t>
+            </a:r>
+          </a:p>
+          <a:p>
+            <a:r>
+              <a:rPr lang="en-US" dirty="0"/>
+              <a:t>145x145</a:t>
+            </a:r>
+          </a:p>
+        </p:txBody>
+      </p:sp>
+      <p:sp>
+        <p:nvSpPr>
+          <p:cNvPr id="5" name="Text Placeholder 4">
+            <a:extLst>
+              <a:ext uri="{FF2B5EF4-FFF2-40B4-BE49-F238E27FC236}">
+                <a16:creationId xmlns:a16="http://schemas.microsoft.com/office/drawing/2014/main" id="{275D45C5-8840-D610-3AA2-7CCF6E96581C}"/>
+              </a:ext>
+            </a:extLst>
+          </p:cNvPr>
+          <p:cNvSpPr>
+            <a:spLocks noGrp="1"/>
+          </p:cNvSpPr>
+          <p:nvPr>
+            <p:ph type="body" sz="quarter" idx="3"/>
+          </p:nvPr>
+        </p:nvSpPr>
+        <p:spPr>
+          <a:xfrm>
+            <a:off x="7002162" y="1681163"/>
+            <a:ext cx="4353226" cy="823912"/>
+          </a:xfrm>
+        </p:spPr>
+        <p:txBody>
+          <a:bodyPr/>
+          <a:lstStyle/>
+          <a:p>
+            <a:r>
+              <a:rPr lang="en-US" dirty="0"/>
+              <a:t>Python</a:t>
+            </a:r>
+          </a:p>
+        </p:txBody>
+      </p:sp>
+      <p:sp>
+        <p:nvSpPr>
+          <p:cNvPr id="6" name="Content Placeholder 5">
+            <a:extLst>
+              <a:ext uri="{FF2B5EF4-FFF2-40B4-BE49-F238E27FC236}">
+                <a16:creationId xmlns:a16="http://schemas.microsoft.com/office/drawing/2014/main" id="{34862CB2-9631-B9C9-C8C0-600D33783036}"/>
+              </a:ext>
+            </a:extLst>
+          </p:cNvPr>
+          <p:cNvSpPr>
+            <a:spLocks noGrp="1"/>
+          </p:cNvSpPr>
+          <p:nvPr>
+            <p:ph sz="quarter" idx="4"/>
+          </p:nvPr>
+        </p:nvSpPr>
+        <p:spPr>
+          <a:xfrm>
+            <a:off x="7002162" y="2505075"/>
+            <a:ext cx="4353225" cy="3684588"/>
+          </a:xfrm>
+        </p:spPr>
+        <p:txBody>
+          <a:bodyPr/>
+          <a:lstStyle/>
+          <a:p>
+            <a:r>
+              <a:rPr lang="en-US" dirty="0"/>
+              <a:t>21025x</a:t>
+            </a:r>
+            <a:r>
+              <a:rPr lang="en-US" dirty="0">
+                <a:highlight>
+                  <a:srgbClr val="FFFF00"/>
+                </a:highlight>
+              </a:rPr>
+              <a:t>200</a:t>
+            </a:r>
+          </a:p>
+          <a:p>
+            <a:r>
+              <a:rPr lang="en-US" dirty="0"/>
+              <a:t>145x145</a:t>
+            </a:r>
+          </a:p>
+        </p:txBody>
+      </p:sp>
+      <p:sp>
+        <p:nvSpPr>
+          <p:cNvPr id="9" name="TextBox 8">
+            <a:extLst>
+              <a:ext uri="{FF2B5EF4-FFF2-40B4-BE49-F238E27FC236}">
+                <a16:creationId xmlns:a16="http://schemas.microsoft.com/office/drawing/2014/main" id="{5B602002-EFAC-E41B-D80D-DD26B8844CB4}"/>
+              </a:ext>
+            </a:extLst>
+          </p:cNvPr>
+          <p:cNvSpPr txBox="1"/>
+          <p:nvPr/>
+        </p:nvSpPr>
+        <p:spPr>
+          <a:xfrm>
+            <a:off x="4151587" y="2505075"/>
+            <a:ext cx="2615460" cy="1200329"/>
+          </a:xfrm>
+          <a:prstGeom prst="rect">
+            <a:avLst/>
+          </a:prstGeom>
+          <a:noFill/>
+        </p:spPr>
+        <p:txBody>
+          <a:bodyPr wrap="none" rtlCol="0">
+            <a:spAutoFit/>
+          </a:bodyPr>
+          <a:lstStyle/>
+          <a:p>
+            <a:r>
+              <a:rPr lang="en-US" dirty="0"/>
+              <a:t>Image Size before training</a:t>
+            </a:r>
+          </a:p>
+          <a:p>
+            <a:endParaRPr lang="en-US" dirty="0"/>
+          </a:p>
+          <a:p>
+            <a:r>
+              <a:rPr lang="en-US" dirty="0"/>
+              <a:t>Pixel size</a:t>
+            </a:r>
+          </a:p>
+          <a:p>
+            <a:endParaRPr lang="en-US" dirty="0"/>
+          </a:p>
+        </p:txBody>
+      </p:sp>
+      <p:sp>
+        <p:nvSpPr>
+          <p:cNvPr id="10" name="TextBox 9">
+            <a:extLst>
+              <a:ext uri="{FF2B5EF4-FFF2-40B4-BE49-F238E27FC236}">
+                <a16:creationId xmlns:a16="http://schemas.microsoft.com/office/drawing/2014/main" id="{CC917ED3-ABEB-0130-489B-DF9D0BE91732}"/>
+              </a:ext>
+            </a:extLst>
+          </p:cNvPr>
+          <p:cNvSpPr txBox="1"/>
+          <p:nvPr/>
+        </p:nvSpPr>
+        <p:spPr>
+          <a:xfrm>
+            <a:off x="840827" y="4849050"/>
+            <a:ext cx="7126014" cy="646331"/>
+          </a:xfrm>
+          <a:prstGeom prst="rect">
+            <a:avLst/>
+          </a:prstGeom>
+          <a:noFill/>
+        </p:spPr>
+        <p:txBody>
+          <a:bodyPr wrap="square" rtlCol="0">
+            <a:spAutoFit/>
+          </a:bodyPr>
+          <a:lstStyle/>
+          <a:p>
+            <a:r>
+              <a:rPr lang="en-US" dirty="0">
+                <a:solidFill>
+                  <a:srgbClr val="FF0000"/>
+                </a:solidFill>
+              </a:rPr>
+              <a:t>Size of pixels are folded into the sample mode (145x145 = 21025).</a:t>
+            </a:r>
+          </a:p>
+          <a:p>
+            <a:r>
+              <a:rPr lang="en-US" dirty="0">
+                <a:solidFill>
+                  <a:srgbClr val="FF0000"/>
+                </a:solidFill>
+              </a:rPr>
+              <a:t>So each “sample” SVM sees is a pixel.</a:t>
+            </a:r>
+          </a:p>
+        </p:txBody>
+      </p:sp>
+      <p:pic>
+        <p:nvPicPr>
+          <p:cNvPr id="12" name="Picture 11" descr="A close up of a text&#10;&#10;Description automatically generated">
+            <a:extLst>
+              <a:ext uri="{FF2B5EF4-FFF2-40B4-BE49-F238E27FC236}">
+                <a16:creationId xmlns:a16="http://schemas.microsoft.com/office/drawing/2014/main" id="{6CBD0E6F-0C13-64FC-828E-576F0E9F8C34}"/>
+              </a:ext>
+            </a:extLst>
+          </p:cNvPr>
+          <p:cNvPicPr>
+            <a:picLocks noChangeAspect="1"/>
+          </p:cNvPicPr>
+          <p:nvPr/>
+        </p:nvPicPr>
+        <p:blipFill>
+          <a:blip r:embed="rId2"/>
+          <a:stretch>
+            <a:fillRect/>
+          </a:stretch>
+        </p:blipFill>
+        <p:spPr>
+          <a:xfrm>
+            <a:off x="7841974" y="4055377"/>
+            <a:ext cx="3945006" cy="2034894"/>
+          </a:xfrm>
+          <a:prstGeom prst="rect">
+            <a:avLst/>
+          </a:prstGeom>
+        </p:spPr>
+      </p:pic>
+      <p:sp>
+        <p:nvSpPr>
+          <p:cNvPr id="14" name="Frame 13">
+            <a:extLst>
+              <a:ext uri="{FF2B5EF4-FFF2-40B4-BE49-F238E27FC236}">
+                <a16:creationId xmlns:a16="http://schemas.microsoft.com/office/drawing/2014/main" id="{1B23DC28-9059-2052-0853-94E0CD511D8A}"/>
+              </a:ext>
+            </a:extLst>
+          </p:cNvPr>
+          <p:cNvSpPr/>
+          <p:nvPr/>
+        </p:nvSpPr>
+        <p:spPr>
+          <a:xfrm>
+            <a:off x="7841974" y="4734893"/>
+            <a:ext cx="4035287" cy="874644"/>
+          </a:xfrm>
+          <a:prstGeom prst="frame">
+            <a:avLst>
+              <a:gd name="adj1" fmla="val 5682"/>
+            </a:avLst>
+          </a:prstGeom>
+          <a:solidFill>
+            <a:srgbClr val="FF0000"/>
+          </a:solidFill>
+          <a:ln>
+            <a:solidFill>
+              <a:srgbClr val="FF0000"/>
+            </a:solidFill>
+          </a:ln>
+        </p:spPr>
+        <p:style>
+          <a:lnRef idx="2">
+            <a:schemeClr val="accent1">
+              <a:shade val="15000"/>
+            </a:schemeClr>
+          </a:lnRef>
+          <a:fillRef idx="1">
+            <a:schemeClr val="accent1"/>
+          </a:fillRef>
+          <a:effectRef idx="0">
+            <a:schemeClr val="accent1"/>
+          </a:effectRef>
+          <a:fontRef idx="minor">
+            <a:schemeClr val="lt1"/>
+          </a:fontRef>
+        </p:style>
+        <p:txBody>
+          <a:bodyPr rtlCol="0" anchor="ctr"/>
+          <a:lstStyle/>
+          <a:p>
+            <a:pPr algn="ctr"/>
+            <a:endParaRPr lang="en-US">
+              <a:solidFill>
+                <a:schemeClr val="tx1"/>
+              </a:solidFill>
+            </a:endParaRPr>
+          </a:p>
+        </p:txBody>
+      </p:sp>
+    </p:spTree>
+    <p:extLst>
+      <p:ext uri="{BB962C8B-B14F-4D97-AF65-F5344CB8AC3E}">
+        <p14:creationId xmlns:p14="http://schemas.microsoft.com/office/powerpoint/2010/main" val="817080461"/>
+      </p:ext>
+    </p:extLst>
+  </p:cSld>
+  <p:clrMapOvr>
+    <a:masterClrMapping/>
+  </p:clrMapOvr>
+</p:sld>
+</file>
+
+<file path=ppt/slides/slide5.xml><?xml version="1.0" encoding="utf-8"?>
+<p:sld xmlns:a="http://schemas.openxmlformats.org/drawingml/2006/main" xmlns:r="http://schemas.openxmlformats.org/officeDocument/2006/relationships" xmlns:p="http://schemas.openxmlformats.org/presentationml/2006/main">
+  <p:cSld>
+    <p:spTree>
+      <p:nvGrpSpPr>
+        <p:cNvPr id="1" name=""/>
+        <p:cNvGrpSpPr/>
+        <p:nvPr/>
+      </p:nvGrpSpPr>
+      <p:grpSpPr>
+        <a:xfrm>
+          <a:off x="0" y="0"/>
+          <a:ext cx="0" cy="0"/>
+          <a:chOff x="0" y="0"/>
+          <a:chExt cx="0" cy="0"/>
+        </a:xfrm>
+      </p:grpSpPr>
+      <p:sp>
+        <p:nvSpPr>
+          <p:cNvPr id="2" name="Title 1">
+            <a:extLst>
+              <a:ext uri="{FF2B5EF4-FFF2-40B4-BE49-F238E27FC236}">
+                <a16:creationId xmlns:a16="http://schemas.microsoft.com/office/drawing/2014/main" id="{5B06EFC0-96AD-00BA-8A6D-4551211F14F5}"/>
+              </a:ext>
+            </a:extLst>
+          </p:cNvPr>
+          <p:cNvSpPr>
+            <a:spLocks noGrp="1"/>
+          </p:cNvSpPr>
+          <p:nvPr>
+            <p:ph type="title"/>
+          </p:nvPr>
+        </p:nvSpPr>
+        <p:spPr/>
+        <p:txBody>
+          <a:bodyPr/>
+          <a:lstStyle/>
+          <a:p>
+            <a:r>
+              <a:rPr lang="en-US" dirty="0"/>
+              <a:t>Test Case 2- Indian Pines with Conv1d</a:t>
+            </a:r>
+          </a:p>
+        </p:txBody>
+      </p:sp>
+      <p:sp>
+        <p:nvSpPr>
+          <p:cNvPr id="3" name="Text Placeholder 2">
+            <a:extLst>
+              <a:ext uri="{FF2B5EF4-FFF2-40B4-BE49-F238E27FC236}">
+                <a16:creationId xmlns:a16="http://schemas.microsoft.com/office/drawing/2014/main" id="{17C08D47-C0A0-E21B-BF31-A119CD6194CC}"/>
+              </a:ext>
+            </a:extLst>
+          </p:cNvPr>
+          <p:cNvSpPr>
+            <a:spLocks noGrp="1"/>
+          </p:cNvSpPr>
+          <p:nvPr>
+            <p:ph type="body" idx="1"/>
+          </p:nvPr>
+        </p:nvSpPr>
+        <p:spPr>
+          <a:xfrm>
+            <a:off x="839789" y="1681163"/>
+            <a:ext cx="3564045" cy="823912"/>
+          </a:xfrm>
+        </p:spPr>
+        <p:txBody>
+          <a:bodyPr/>
+          <a:lstStyle/>
+          <a:p>
+            <a:r>
+              <a:rPr lang="en-US" dirty="0" err="1"/>
+              <a:t>PLS_Toolbox</a:t>
+            </a:r>
+            <a:endParaRPr lang="en-US" dirty="0"/>
+          </a:p>
+        </p:txBody>
+      </p:sp>
+      <p:sp>
+        <p:nvSpPr>
+          <p:cNvPr id="4" name="Content Placeholder 3">
+            <a:extLst>
+              <a:ext uri="{FF2B5EF4-FFF2-40B4-BE49-F238E27FC236}">
+                <a16:creationId xmlns:a16="http://schemas.microsoft.com/office/drawing/2014/main" id="{8CDCC277-6FF6-5D99-C1DF-ECB6C96C879B}"/>
+              </a:ext>
+            </a:extLst>
+          </p:cNvPr>
+          <p:cNvSpPr>
+            <a:spLocks noGrp="1"/>
+          </p:cNvSpPr>
+          <p:nvPr>
+            <p:ph sz="half" idx="2"/>
+          </p:nvPr>
+        </p:nvSpPr>
+        <p:spPr>
+          <a:xfrm>
+            <a:off x="839789" y="2505075"/>
+            <a:ext cx="3238225" cy="3684588"/>
+          </a:xfrm>
+        </p:spPr>
+        <p:txBody>
+          <a:bodyPr/>
+          <a:lstStyle/>
+          <a:p>
+            <a:r>
+              <a:rPr lang="en-US" dirty="0"/>
+              <a:t>21025x220</a:t>
+            </a:r>
+          </a:p>
+          <a:p>
+            <a:r>
+              <a:rPr lang="en-US" dirty="0"/>
+              <a:t>145x145</a:t>
+            </a:r>
+          </a:p>
+        </p:txBody>
+      </p:sp>
+      <p:sp>
+        <p:nvSpPr>
+          <p:cNvPr id="5" name="Text Placeholder 4">
+            <a:extLst>
+              <a:ext uri="{FF2B5EF4-FFF2-40B4-BE49-F238E27FC236}">
+                <a16:creationId xmlns:a16="http://schemas.microsoft.com/office/drawing/2014/main" id="{275D45C5-8840-D610-3AA2-7CCF6E96581C}"/>
+              </a:ext>
+            </a:extLst>
+          </p:cNvPr>
+          <p:cNvSpPr>
+            <a:spLocks noGrp="1"/>
+          </p:cNvSpPr>
+          <p:nvPr>
+            <p:ph type="body" sz="quarter" idx="3"/>
+          </p:nvPr>
+        </p:nvSpPr>
+        <p:spPr>
+          <a:xfrm>
+            <a:off x="7002162" y="1681163"/>
+            <a:ext cx="4353226" cy="823912"/>
+          </a:xfrm>
+        </p:spPr>
+        <p:txBody>
+          <a:bodyPr/>
+          <a:lstStyle/>
+          <a:p>
+            <a:r>
+              <a:rPr lang="en-US" dirty="0"/>
+              <a:t>Python</a:t>
+            </a:r>
+          </a:p>
+        </p:txBody>
+      </p:sp>
+      <p:sp>
+        <p:nvSpPr>
+          <p:cNvPr id="6" name="Content Placeholder 5">
+            <a:extLst>
+              <a:ext uri="{FF2B5EF4-FFF2-40B4-BE49-F238E27FC236}">
+                <a16:creationId xmlns:a16="http://schemas.microsoft.com/office/drawing/2014/main" id="{34862CB2-9631-B9C9-C8C0-600D33783036}"/>
+              </a:ext>
+            </a:extLst>
+          </p:cNvPr>
+          <p:cNvSpPr>
+            <a:spLocks noGrp="1"/>
+          </p:cNvSpPr>
+          <p:nvPr>
+            <p:ph sz="quarter" idx="4"/>
+          </p:nvPr>
+        </p:nvSpPr>
+        <p:spPr>
+          <a:xfrm>
+            <a:off x="7002162" y="2505075"/>
+            <a:ext cx="4353225" cy="3684588"/>
+          </a:xfrm>
+        </p:spPr>
+        <p:txBody>
+          <a:bodyPr/>
+          <a:lstStyle/>
+          <a:p>
+            <a:r>
+              <a:rPr lang="en-US" dirty="0"/>
+              <a:t>21025x200x1</a:t>
+            </a:r>
+          </a:p>
+          <a:p>
+            <a:r>
+              <a:rPr lang="en-US" dirty="0"/>
+              <a:t>145x145</a:t>
+            </a:r>
+          </a:p>
+          <a:p>
+            <a:r>
+              <a:rPr lang="en-US" dirty="0"/>
+              <a:t>200x1</a:t>
+            </a:r>
+          </a:p>
+        </p:txBody>
+      </p:sp>
+      <p:sp>
+        <p:nvSpPr>
+          <p:cNvPr id="9" name="TextBox 8">
+            <a:extLst>
+              <a:ext uri="{FF2B5EF4-FFF2-40B4-BE49-F238E27FC236}">
+                <a16:creationId xmlns:a16="http://schemas.microsoft.com/office/drawing/2014/main" id="{5B602002-EFAC-E41B-D80D-DD26B8844CB4}"/>
+              </a:ext>
+            </a:extLst>
+          </p:cNvPr>
+          <p:cNvSpPr txBox="1"/>
+          <p:nvPr/>
+        </p:nvSpPr>
+        <p:spPr>
+          <a:xfrm>
+            <a:off x="4151587" y="2505075"/>
+            <a:ext cx="2615460" cy="1477328"/>
+          </a:xfrm>
+          <a:prstGeom prst="rect">
+            <a:avLst/>
+          </a:prstGeom>
+          <a:noFill/>
+        </p:spPr>
+        <p:txBody>
+          <a:bodyPr wrap="none" rtlCol="0">
+            <a:spAutoFit/>
+          </a:bodyPr>
+          <a:lstStyle/>
+          <a:p>
+            <a:r>
+              <a:rPr lang="en-US" dirty="0"/>
+              <a:t>Image Size before training</a:t>
+            </a:r>
+          </a:p>
+          <a:p>
+            <a:endParaRPr lang="en-US" dirty="0"/>
+          </a:p>
+          <a:p>
+            <a:r>
+              <a:rPr lang="en-US" dirty="0"/>
+              <a:t>Pixel size</a:t>
+            </a:r>
+          </a:p>
+          <a:p>
+            <a:endParaRPr lang="en-US" dirty="0"/>
+          </a:p>
+          <a:p>
+            <a:r>
+              <a:rPr lang="en-US" dirty="0"/>
+              <a:t>Input Shape</a:t>
+            </a:r>
+          </a:p>
+        </p:txBody>
+      </p:sp>
+    </p:spTree>
+    <p:extLst>
+      <p:ext uri="{BB962C8B-B14F-4D97-AF65-F5344CB8AC3E}">
+        <p14:creationId xmlns:p14="http://schemas.microsoft.com/office/powerpoint/2010/main" val="2981351130"/>
+      </p:ext>
+    </p:extLst>
+  </p:cSld>
+  <p:clrMapOvr>
+    <a:masterClrMapping/>
+  </p:clrMapOvr>
+</p:sld>
+</file>
+
+<file path=ppt/slides/slide6.xml><?xml version="1.0" encoding="utf-8"?>
+<p:sld xmlns:a="http://schemas.openxmlformats.org/drawingml/2006/main" xmlns:r="http://schemas.openxmlformats.org/officeDocument/2006/relationships" xmlns:p="http://schemas.openxmlformats.org/presentationml/2006/main">
+  <p:cSld>
+    <p:spTree>
+      <p:nvGrpSpPr>
+        <p:cNvPr id="1" name=""/>
+        <p:cNvGrpSpPr/>
+        <p:nvPr/>
+      </p:nvGrpSpPr>
+      <p:grpSpPr>
+        <a:xfrm>
+          <a:off x="0" y="0"/>
+          <a:ext cx="0" cy="0"/>
+          <a:chOff x="0" y="0"/>
+          <a:chExt cx="0" cy="0"/>
+        </a:xfrm>
+      </p:grpSpPr>
+      <p:sp>
+        <p:nvSpPr>
+          <p:cNvPr id="2" name="Title 1">
+            <a:extLst>
+              <a:ext uri="{FF2B5EF4-FFF2-40B4-BE49-F238E27FC236}">
+                <a16:creationId xmlns:a16="http://schemas.microsoft.com/office/drawing/2014/main" id="{1DC44569-141B-563A-919B-9BAE0FD8ADEF}"/>
+              </a:ext>
+            </a:extLst>
+          </p:cNvPr>
+          <p:cNvSpPr>
+            <a:spLocks noGrp="1"/>
+          </p:cNvSpPr>
+          <p:nvPr>
+            <p:ph type="title"/>
+          </p:nvPr>
+        </p:nvSpPr>
+        <p:spPr/>
+        <p:txBody>
+          <a:bodyPr/>
+          <a:lstStyle/>
+          <a:p>
+            <a:r>
+              <a:rPr lang="en-US" dirty="0"/>
+              <a:t>How to understand conv1d in this context</a:t>
+            </a:r>
+          </a:p>
+        </p:txBody>
+      </p:sp>
+      <p:sp>
+        <p:nvSpPr>
+          <p:cNvPr id="5" name="TextBox 4">
+            <a:extLst>
+              <a:ext uri="{FF2B5EF4-FFF2-40B4-BE49-F238E27FC236}">
+                <a16:creationId xmlns:a16="http://schemas.microsoft.com/office/drawing/2014/main" id="{B78BD4DB-B482-DDBD-C7FB-E1DACC361761}"/>
+              </a:ext>
+            </a:extLst>
+          </p:cNvPr>
+          <p:cNvSpPr txBox="1"/>
+          <p:nvPr/>
+        </p:nvSpPr>
+        <p:spPr>
+          <a:xfrm>
+            <a:off x="1550010" y="3258452"/>
+            <a:ext cx="535724" cy="369332"/>
+          </a:xfrm>
+          <a:prstGeom prst="rect">
+            <a:avLst/>
+          </a:prstGeom>
+          <a:noFill/>
+        </p:spPr>
+        <p:txBody>
+          <a:bodyPr wrap="none" rtlCol="0">
+            <a:spAutoFit/>
+          </a:bodyPr>
+          <a:lstStyle/>
+          <a:p>
+            <a:r>
+              <a:rPr lang="en-US" dirty="0"/>
+              <a:t>145</a:t>
+            </a:r>
+          </a:p>
+        </p:txBody>
+      </p:sp>
+      <p:sp>
+        <p:nvSpPr>
+          <p:cNvPr id="6" name="TextBox 5">
+            <a:extLst>
+              <a:ext uri="{FF2B5EF4-FFF2-40B4-BE49-F238E27FC236}">
+                <a16:creationId xmlns:a16="http://schemas.microsoft.com/office/drawing/2014/main" id="{B7EFC20A-DA1F-7501-9492-B54C9A526CB9}"/>
+              </a:ext>
+            </a:extLst>
+          </p:cNvPr>
+          <p:cNvSpPr txBox="1"/>
+          <p:nvPr/>
+        </p:nvSpPr>
+        <p:spPr>
+          <a:xfrm>
+            <a:off x="570338" y="2520362"/>
+            <a:ext cx="535724" cy="369332"/>
+          </a:xfrm>
+          <a:prstGeom prst="rect">
+            <a:avLst/>
+          </a:prstGeom>
+          <a:noFill/>
+        </p:spPr>
+        <p:txBody>
+          <a:bodyPr wrap="none" rtlCol="0">
+            <a:spAutoFit/>
+          </a:bodyPr>
+          <a:lstStyle/>
+          <a:p>
+            <a:r>
+              <a:rPr lang="en-US" dirty="0"/>
+              <a:t>145</a:t>
+            </a:r>
+          </a:p>
+        </p:txBody>
+      </p:sp>
+      <p:sp>
+        <p:nvSpPr>
+          <p:cNvPr id="7" name="Cube 6">
+            <a:extLst>
+              <a:ext uri="{FF2B5EF4-FFF2-40B4-BE49-F238E27FC236}">
+                <a16:creationId xmlns:a16="http://schemas.microsoft.com/office/drawing/2014/main" id="{F37FEEF5-EEB0-01E3-3ABD-F243CD108BC5}"/>
+              </a:ext>
+            </a:extLst>
+          </p:cNvPr>
+          <p:cNvSpPr/>
+          <p:nvPr/>
+        </p:nvSpPr>
+        <p:spPr>
+          <a:xfrm>
+            <a:off x="1210595" y="1597837"/>
+            <a:ext cx="1731388" cy="1632380"/>
+          </a:xfrm>
+          <a:prstGeom prst="cube">
+            <a:avLst>
+              <a:gd name="adj" fmla="val 42262"/>
+            </a:avLst>
+          </a:prstGeom>
+        </p:spPr>
+        <p:style>
+          <a:lnRef idx="2">
+            <a:schemeClr val="accent1">
+              <a:shade val="15000"/>
+            </a:schemeClr>
+          </a:lnRef>
+          <a:fillRef idx="1">
+            <a:schemeClr val="accent1"/>
+          </a:fillRef>
+          <a:effectRef idx="0">
+            <a:schemeClr val="accent1"/>
+          </a:effectRef>
+          <a:fontRef idx="minor">
+            <a:schemeClr val="lt1"/>
+          </a:fontRef>
+        </p:style>
+        <p:txBody>
+          <a:bodyPr rtlCol="0" anchor="ctr"/>
+          <a:lstStyle/>
+          <a:p>
+            <a:pPr algn="ctr"/>
+            <a:r>
+              <a:rPr lang="en-US" dirty="0"/>
+              <a:t>Original</a:t>
+            </a:r>
+          </a:p>
+        </p:txBody>
+      </p:sp>
+      <p:sp>
+        <p:nvSpPr>
+          <p:cNvPr id="8" name="TextBox 7">
+            <a:extLst>
+              <a:ext uri="{FF2B5EF4-FFF2-40B4-BE49-F238E27FC236}">
+                <a16:creationId xmlns:a16="http://schemas.microsoft.com/office/drawing/2014/main" id="{0E277CE0-64C8-0F5C-4055-611D45E14995}"/>
+              </a:ext>
+            </a:extLst>
+          </p:cNvPr>
+          <p:cNvSpPr txBox="1"/>
+          <p:nvPr/>
+        </p:nvSpPr>
+        <p:spPr>
+          <a:xfrm>
+            <a:off x="2892287" y="2852530"/>
+            <a:ext cx="535724" cy="369332"/>
+          </a:xfrm>
+          <a:prstGeom prst="rect">
+            <a:avLst/>
+          </a:prstGeom>
+          <a:noFill/>
+        </p:spPr>
+        <p:txBody>
+          <a:bodyPr wrap="none" rtlCol="0">
+            <a:spAutoFit/>
+          </a:bodyPr>
+          <a:lstStyle/>
+          <a:p>
+            <a:r>
+              <a:rPr lang="en-US" dirty="0"/>
+              <a:t>200</a:t>
+            </a:r>
+          </a:p>
+        </p:txBody>
+      </p:sp>
+      <p:cxnSp>
+        <p:nvCxnSpPr>
+          <p:cNvPr id="11" name="Straight Arrow Connector 10">
+            <a:extLst>
+              <a:ext uri="{FF2B5EF4-FFF2-40B4-BE49-F238E27FC236}">
+                <a16:creationId xmlns:a16="http://schemas.microsoft.com/office/drawing/2014/main" id="{1186EA40-E8B9-3D79-6E13-AAC13763A7C6}"/>
+              </a:ext>
+            </a:extLst>
+          </p:cNvPr>
+          <p:cNvCxnSpPr>
+            <a:cxnSpLocks/>
+          </p:cNvCxnSpPr>
+          <p:nvPr/>
+        </p:nvCxnSpPr>
+        <p:spPr>
+          <a:xfrm>
+            <a:off x="3498574" y="2226365"/>
+            <a:ext cx="1182756" cy="0"/>
+          </a:xfrm>
+          <a:prstGeom prst="straightConnector1">
+            <a:avLst/>
+          </a:prstGeom>
+          <a:ln>
+            <a:tailEnd type="triangle"/>
+          </a:ln>
+        </p:spPr>
+        <p:style>
+          <a:lnRef idx="1">
+            <a:schemeClr val="accent1"/>
+          </a:lnRef>
+          <a:fillRef idx="0">
+            <a:schemeClr val="accent1"/>
+          </a:fillRef>
+          <a:effectRef idx="0">
+            <a:schemeClr val="accent1"/>
+          </a:effectRef>
+          <a:fontRef idx="minor">
+            <a:schemeClr val="tx1"/>
+          </a:fontRef>
+        </p:style>
+      </p:cxnSp>
+      <p:sp>
+        <p:nvSpPr>
+          <p:cNvPr id="13" name="Rectangle 12">
+            <a:extLst>
+              <a:ext uri="{FF2B5EF4-FFF2-40B4-BE49-F238E27FC236}">
+                <a16:creationId xmlns:a16="http://schemas.microsoft.com/office/drawing/2014/main" id="{25C3E55F-CCEC-2178-5085-320EB43A808E}"/>
+              </a:ext>
+            </a:extLst>
+          </p:cNvPr>
+          <p:cNvSpPr/>
+          <p:nvPr/>
+        </p:nvSpPr>
+        <p:spPr>
+          <a:xfrm>
+            <a:off x="5088835" y="1279784"/>
+            <a:ext cx="1007165" cy="2675989"/>
+          </a:xfrm>
+          <a:prstGeom prst="rect">
+            <a:avLst/>
+          </a:prstGeom>
+        </p:spPr>
+        <p:style>
+          <a:lnRef idx="2">
+            <a:schemeClr val="accent1">
+              <a:shade val="15000"/>
+            </a:schemeClr>
+          </a:lnRef>
+          <a:fillRef idx="1">
+            <a:schemeClr val="accent1"/>
+          </a:fillRef>
+          <a:effectRef idx="0">
+            <a:schemeClr val="accent1"/>
+          </a:effectRef>
+          <a:fontRef idx="minor">
+            <a:schemeClr val="lt1"/>
+          </a:fontRef>
+        </p:style>
+        <p:txBody>
+          <a:bodyPr rtlCol="0" anchor="ctr"/>
+          <a:lstStyle/>
+          <a:p>
+            <a:pPr algn="ctr"/>
+            <a:r>
+              <a:rPr lang="en-US" dirty="0"/>
+              <a:t>Folded</a:t>
+            </a:r>
+          </a:p>
+        </p:txBody>
+      </p:sp>
+      <p:sp>
+        <p:nvSpPr>
+          <p:cNvPr id="14" name="TextBox 13">
+            <a:extLst>
+              <a:ext uri="{FF2B5EF4-FFF2-40B4-BE49-F238E27FC236}">
+                <a16:creationId xmlns:a16="http://schemas.microsoft.com/office/drawing/2014/main" id="{A8F3F5BB-6611-DB54-3CC7-D099804C334F}"/>
+              </a:ext>
+            </a:extLst>
+          </p:cNvPr>
+          <p:cNvSpPr txBox="1"/>
+          <p:nvPr/>
+        </p:nvSpPr>
+        <p:spPr>
+          <a:xfrm>
+            <a:off x="4319072" y="2721251"/>
+            <a:ext cx="769763" cy="369332"/>
+          </a:xfrm>
+          <a:prstGeom prst="rect">
+            <a:avLst/>
+          </a:prstGeom>
+          <a:noFill/>
+        </p:spPr>
+        <p:txBody>
+          <a:bodyPr wrap="none" rtlCol="0">
+            <a:spAutoFit/>
+          </a:bodyPr>
+          <a:lstStyle/>
+          <a:p>
+            <a:r>
+              <a:rPr lang="en-US" dirty="0"/>
+              <a:t>21025</a:t>
+            </a:r>
+          </a:p>
+        </p:txBody>
+      </p:sp>
+      <p:sp>
+        <p:nvSpPr>
+          <p:cNvPr id="15" name="TextBox 14">
+            <a:extLst>
+              <a:ext uri="{FF2B5EF4-FFF2-40B4-BE49-F238E27FC236}">
+                <a16:creationId xmlns:a16="http://schemas.microsoft.com/office/drawing/2014/main" id="{44035C00-6397-0211-DDB2-FB367EDC6CF8}"/>
+              </a:ext>
+            </a:extLst>
+          </p:cNvPr>
+          <p:cNvSpPr txBox="1"/>
+          <p:nvPr/>
+        </p:nvSpPr>
+        <p:spPr>
+          <a:xfrm>
+            <a:off x="5324555" y="4075043"/>
+            <a:ext cx="535724" cy="369332"/>
+          </a:xfrm>
+          <a:prstGeom prst="rect">
+            <a:avLst/>
+          </a:prstGeom>
+          <a:noFill/>
+        </p:spPr>
+        <p:txBody>
+          <a:bodyPr wrap="none" rtlCol="0">
+            <a:spAutoFit/>
+          </a:bodyPr>
+          <a:lstStyle/>
+          <a:p>
+            <a:r>
+              <a:rPr lang="en-US" dirty="0"/>
+              <a:t>200</a:t>
+            </a:r>
+          </a:p>
+        </p:txBody>
+      </p:sp>
+      <p:cxnSp>
+        <p:nvCxnSpPr>
+          <p:cNvPr id="16" name="Straight Arrow Connector 15">
+            <a:extLst>
+              <a:ext uri="{FF2B5EF4-FFF2-40B4-BE49-F238E27FC236}">
+                <a16:creationId xmlns:a16="http://schemas.microsoft.com/office/drawing/2014/main" id="{F8205617-0FEE-E11F-9180-779473CA3216}"/>
+              </a:ext>
+            </a:extLst>
+          </p:cNvPr>
+          <p:cNvCxnSpPr>
+            <a:cxnSpLocks/>
+          </p:cNvCxnSpPr>
+          <p:nvPr/>
+        </p:nvCxnSpPr>
+        <p:spPr>
+          <a:xfrm>
+            <a:off x="6404113" y="2226365"/>
+            <a:ext cx="1182756" cy="0"/>
+          </a:xfrm>
+          <a:prstGeom prst="straightConnector1">
+            <a:avLst/>
+          </a:prstGeom>
+          <a:ln>
+            <a:tailEnd type="triangle"/>
+          </a:ln>
+        </p:spPr>
+        <p:style>
+          <a:lnRef idx="1">
+            <a:schemeClr val="accent1"/>
+          </a:lnRef>
+          <a:fillRef idx="0">
+            <a:schemeClr val="accent1"/>
+          </a:fillRef>
+          <a:effectRef idx="0">
+            <a:schemeClr val="accent1"/>
+          </a:effectRef>
+          <a:fontRef idx="minor">
+            <a:schemeClr val="tx1"/>
+          </a:fontRef>
+        </p:style>
+      </p:cxnSp>
+      <p:sp>
+        <p:nvSpPr>
+          <p:cNvPr id="18" name="Cube 17">
+            <a:extLst>
+              <a:ext uri="{FF2B5EF4-FFF2-40B4-BE49-F238E27FC236}">
+                <a16:creationId xmlns:a16="http://schemas.microsoft.com/office/drawing/2014/main" id="{80F5BFF4-E804-B073-1971-690AD03C3E29}"/>
+              </a:ext>
+            </a:extLst>
+          </p:cNvPr>
+          <p:cNvSpPr/>
+          <p:nvPr/>
+        </p:nvSpPr>
+        <p:spPr>
+          <a:xfrm>
+            <a:off x="8358809" y="1597837"/>
+            <a:ext cx="1013791" cy="3033798"/>
+          </a:xfrm>
+          <a:prstGeom prst="cube">
+            <a:avLst>
+              <a:gd name="adj" fmla="val 6373"/>
+            </a:avLst>
+          </a:prstGeom>
+        </p:spPr>
+        <p:style>
+          <a:lnRef idx="2">
+            <a:schemeClr val="accent1">
+              <a:shade val="15000"/>
+            </a:schemeClr>
+          </a:lnRef>
+          <a:fillRef idx="1">
+            <a:schemeClr val="accent1"/>
+          </a:fillRef>
+          <a:effectRef idx="0">
+            <a:schemeClr val="accent1"/>
+          </a:effectRef>
+          <a:fontRef idx="minor">
+            <a:schemeClr val="lt1"/>
+          </a:fontRef>
+        </p:style>
+        <p:txBody>
+          <a:bodyPr rtlCol="0" anchor="ctr"/>
+          <a:lstStyle/>
+          <a:p>
+            <a:pPr algn="ctr"/>
+            <a:endParaRPr lang="en-US"/>
+          </a:p>
+        </p:txBody>
+      </p:sp>
+      <p:sp>
+        <p:nvSpPr>
+          <p:cNvPr id="19" name="TextBox 18">
+            <a:extLst>
+              <a:ext uri="{FF2B5EF4-FFF2-40B4-BE49-F238E27FC236}">
+                <a16:creationId xmlns:a16="http://schemas.microsoft.com/office/drawing/2014/main" id="{6BCF62BE-8109-D7BF-2284-AD3A3604C8FA}"/>
+              </a:ext>
+            </a:extLst>
+          </p:cNvPr>
+          <p:cNvSpPr txBox="1"/>
+          <p:nvPr/>
+        </p:nvSpPr>
+        <p:spPr>
+          <a:xfrm>
+            <a:off x="7682948" y="2971800"/>
+            <a:ext cx="769763" cy="369332"/>
+          </a:xfrm>
+          <a:prstGeom prst="rect">
+            <a:avLst/>
+          </a:prstGeom>
+          <a:noFill/>
+        </p:spPr>
+        <p:txBody>
+          <a:bodyPr wrap="none" rtlCol="0">
+            <a:spAutoFit/>
+          </a:bodyPr>
+          <a:lstStyle/>
+          <a:p>
+            <a:r>
+              <a:rPr lang="en-US" dirty="0"/>
+              <a:t>21025</a:t>
+            </a:r>
+          </a:p>
+        </p:txBody>
+      </p:sp>
+      <p:sp>
+        <p:nvSpPr>
+          <p:cNvPr id="20" name="TextBox 19">
+            <a:extLst>
+              <a:ext uri="{FF2B5EF4-FFF2-40B4-BE49-F238E27FC236}">
+                <a16:creationId xmlns:a16="http://schemas.microsoft.com/office/drawing/2014/main" id="{D7DE5E2B-EA13-0111-B6DF-DFDB3FB330F3}"/>
+              </a:ext>
+            </a:extLst>
+          </p:cNvPr>
+          <p:cNvSpPr txBox="1"/>
+          <p:nvPr/>
+        </p:nvSpPr>
+        <p:spPr>
+          <a:xfrm>
+            <a:off x="8597842" y="4601817"/>
+            <a:ext cx="535724" cy="369332"/>
+          </a:xfrm>
+          <a:prstGeom prst="rect">
+            <a:avLst/>
+          </a:prstGeom>
+          <a:noFill/>
+        </p:spPr>
+        <p:txBody>
+          <a:bodyPr wrap="none" rtlCol="0">
+            <a:spAutoFit/>
+          </a:bodyPr>
+          <a:lstStyle/>
+          <a:p>
+            <a:r>
+              <a:rPr lang="en-US" dirty="0"/>
+              <a:t>200</a:t>
+            </a:r>
+          </a:p>
+        </p:txBody>
+      </p:sp>
+      <p:sp>
+        <p:nvSpPr>
+          <p:cNvPr id="22" name="TextBox 21">
+            <a:extLst>
+              <a:ext uri="{FF2B5EF4-FFF2-40B4-BE49-F238E27FC236}">
+                <a16:creationId xmlns:a16="http://schemas.microsoft.com/office/drawing/2014/main" id="{C8D50D7C-2A54-DB7F-E5FA-75178D1DC37F}"/>
+              </a:ext>
+            </a:extLst>
+          </p:cNvPr>
+          <p:cNvSpPr txBox="1"/>
+          <p:nvPr/>
+        </p:nvSpPr>
+        <p:spPr>
+          <a:xfrm>
+            <a:off x="9309947" y="4601817"/>
+            <a:ext cx="301686" cy="369332"/>
+          </a:xfrm>
+          <a:prstGeom prst="rect">
+            <a:avLst/>
+          </a:prstGeom>
+          <a:noFill/>
+        </p:spPr>
+        <p:txBody>
+          <a:bodyPr wrap="none" rtlCol="0">
+            <a:spAutoFit/>
+          </a:bodyPr>
+          <a:lstStyle/>
+          <a:p>
+            <a:r>
+              <a:rPr lang="en-US" dirty="0"/>
+              <a:t>1</a:t>
+            </a:r>
+          </a:p>
+        </p:txBody>
+      </p:sp>
+    </p:spTree>
+    <p:extLst>
+      <p:ext uri="{BB962C8B-B14F-4D97-AF65-F5344CB8AC3E}">
+        <p14:creationId xmlns:p14="http://schemas.microsoft.com/office/powerpoint/2010/main" val="570337909"/>
+      </p:ext>
+    </p:extLst>
+  </p:cSld>
+  <p:clrMapOvr>
+    <a:masterClrMapping/>
+  </p:clrMapOvr>
+</p:sld>
+</file>
+
+<file path=ppt/slides/slide7.xml><?xml version="1.0" encoding="utf-8"?>
+<p:sld xmlns:a="http://schemas.openxmlformats.org/drawingml/2006/main" xmlns:r="http://schemas.openxmlformats.org/officeDocument/2006/relationships" xmlns:p="http://schemas.openxmlformats.org/presentationml/2006/main">
+  <p:cSld>
+    <p:spTree>
+      <p:nvGrpSpPr>
+        <p:cNvPr id="1" name=""/>
+        <p:cNvGrpSpPr/>
+        <p:nvPr/>
+      </p:nvGrpSpPr>
+      <p:grpSpPr>
+        <a:xfrm>
+          <a:off x="0" y="0"/>
+          <a:ext cx="0" cy="0"/>
+          <a:chOff x="0" y="0"/>
+          <a:chExt cx="0" cy="0"/>
+        </a:xfrm>
+      </p:grpSpPr>
+      <p:sp>
+        <p:nvSpPr>
+          <p:cNvPr id="2" name="Title 1">
+            <a:extLst>
+              <a:ext uri="{FF2B5EF4-FFF2-40B4-BE49-F238E27FC236}">
+                <a16:creationId xmlns:a16="http://schemas.microsoft.com/office/drawing/2014/main" id="{1DC44569-141B-563A-919B-9BAE0FD8ADEF}"/>
+              </a:ext>
+            </a:extLst>
+          </p:cNvPr>
+          <p:cNvSpPr>
+            <a:spLocks noGrp="1"/>
+          </p:cNvSpPr>
+          <p:nvPr>
+            <p:ph type="title"/>
+          </p:nvPr>
+        </p:nvSpPr>
+        <p:spPr/>
+        <p:txBody>
+          <a:bodyPr/>
+          <a:lstStyle/>
+          <a:p>
+            <a:r>
+              <a:rPr lang="en-US" dirty="0"/>
+              <a:t>How to understand conv1d in this context</a:t>
+            </a:r>
+          </a:p>
+        </p:txBody>
+      </p:sp>
+      <p:sp>
+        <p:nvSpPr>
+          <p:cNvPr id="18" name="Cube 17">
+            <a:extLst>
+              <a:ext uri="{FF2B5EF4-FFF2-40B4-BE49-F238E27FC236}">
+                <a16:creationId xmlns:a16="http://schemas.microsoft.com/office/drawing/2014/main" id="{80F5BFF4-E804-B073-1971-690AD03C3E29}"/>
+              </a:ext>
+            </a:extLst>
+          </p:cNvPr>
+          <p:cNvSpPr/>
+          <p:nvPr/>
+        </p:nvSpPr>
+        <p:spPr>
+          <a:xfrm>
+            <a:off x="1412393" y="1568019"/>
+            <a:ext cx="1013791" cy="3033798"/>
+          </a:xfrm>
+          <a:prstGeom prst="cube">
+            <a:avLst>
+              <a:gd name="adj" fmla="val 6373"/>
+            </a:avLst>
+          </a:prstGeom>
+        </p:spPr>
+        <p:style>
+          <a:lnRef idx="2">
+            <a:schemeClr val="accent1">
+              <a:shade val="15000"/>
+            </a:schemeClr>
+          </a:lnRef>
+          <a:fillRef idx="1">
+            <a:schemeClr val="accent1"/>
+          </a:fillRef>
+          <a:effectRef idx="0">
+            <a:schemeClr val="accent1"/>
+          </a:effectRef>
+          <a:fontRef idx="minor">
+            <a:schemeClr val="lt1"/>
+          </a:fontRef>
+        </p:style>
+        <p:txBody>
+          <a:bodyPr rtlCol="0" anchor="ctr"/>
+          <a:lstStyle/>
+          <a:p>
+            <a:pPr algn="ctr"/>
+            <a:endParaRPr lang="en-US"/>
+          </a:p>
+        </p:txBody>
+      </p:sp>
+      <p:sp>
+        <p:nvSpPr>
+          <p:cNvPr id="19" name="TextBox 18">
+            <a:extLst>
+              <a:ext uri="{FF2B5EF4-FFF2-40B4-BE49-F238E27FC236}">
+                <a16:creationId xmlns:a16="http://schemas.microsoft.com/office/drawing/2014/main" id="{6BCF62BE-8109-D7BF-2284-AD3A3604C8FA}"/>
+              </a:ext>
+            </a:extLst>
+          </p:cNvPr>
+          <p:cNvSpPr txBox="1"/>
+          <p:nvPr/>
+        </p:nvSpPr>
+        <p:spPr>
+          <a:xfrm>
+            <a:off x="453318" y="2791829"/>
+            <a:ext cx="769763" cy="369332"/>
+          </a:xfrm>
+          <a:prstGeom prst="rect">
+            <a:avLst/>
+          </a:prstGeom>
+          <a:noFill/>
+        </p:spPr>
+        <p:txBody>
+          <a:bodyPr wrap="none" rtlCol="0">
+            <a:spAutoFit/>
+          </a:bodyPr>
+          <a:lstStyle/>
+          <a:p>
+            <a:r>
+              <a:rPr lang="en-US" dirty="0"/>
+              <a:t>21025</a:t>
+            </a:r>
+          </a:p>
+        </p:txBody>
+      </p:sp>
+      <p:sp>
+        <p:nvSpPr>
+          <p:cNvPr id="20" name="TextBox 19">
+            <a:extLst>
+              <a:ext uri="{FF2B5EF4-FFF2-40B4-BE49-F238E27FC236}">
+                <a16:creationId xmlns:a16="http://schemas.microsoft.com/office/drawing/2014/main" id="{D7DE5E2B-EA13-0111-B6DF-DFDB3FB330F3}"/>
+              </a:ext>
+            </a:extLst>
+          </p:cNvPr>
+          <p:cNvSpPr txBox="1"/>
+          <p:nvPr/>
+        </p:nvSpPr>
+        <p:spPr>
+          <a:xfrm>
+            <a:off x="1651426" y="4651512"/>
+            <a:ext cx="535724" cy="369332"/>
+          </a:xfrm>
+          <a:prstGeom prst="rect">
+            <a:avLst/>
+          </a:prstGeom>
+          <a:noFill/>
+        </p:spPr>
+        <p:txBody>
+          <a:bodyPr wrap="none" rtlCol="0">
+            <a:spAutoFit/>
+          </a:bodyPr>
+          <a:lstStyle/>
+          <a:p>
+            <a:r>
+              <a:rPr lang="en-US" dirty="0"/>
+              <a:t>200</a:t>
+            </a:r>
+          </a:p>
+        </p:txBody>
+      </p:sp>
+      <p:sp>
+        <p:nvSpPr>
+          <p:cNvPr id="22" name="TextBox 21">
+            <a:extLst>
+              <a:ext uri="{FF2B5EF4-FFF2-40B4-BE49-F238E27FC236}">
+                <a16:creationId xmlns:a16="http://schemas.microsoft.com/office/drawing/2014/main" id="{C8D50D7C-2A54-DB7F-E5FA-75178D1DC37F}"/>
+              </a:ext>
+            </a:extLst>
+          </p:cNvPr>
+          <p:cNvSpPr txBox="1"/>
+          <p:nvPr/>
+        </p:nvSpPr>
+        <p:spPr>
+          <a:xfrm>
+            <a:off x="2313810" y="4552120"/>
+            <a:ext cx="301686" cy="369332"/>
+          </a:xfrm>
+          <a:prstGeom prst="rect">
+            <a:avLst/>
+          </a:prstGeom>
+          <a:noFill/>
+        </p:spPr>
+        <p:txBody>
+          <a:bodyPr wrap="none" rtlCol="0">
+            <a:spAutoFit/>
+          </a:bodyPr>
+          <a:lstStyle/>
+          <a:p>
+            <a:r>
+              <a:rPr lang="en-US" dirty="0"/>
+              <a:t>1</a:t>
+            </a:r>
+          </a:p>
+        </p:txBody>
+      </p:sp>
+      <p:sp>
+        <p:nvSpPr>
+          <p:cNvPr id="4" name="Cube 3">
+            <a:extLst>
+              <a:ext uri="{FF2B5EF4-FFF2-40B4-BE49-F238E27FC236}">
+                <a16:creationId xmlns:a16="http://schemas.microsoft.com/office/drawing/2014/main" id="{5F72FC80-FF45-C3E8-81CF-64BBA8086329}"/>
+              </a:ext>
+            </a:extLst>
+          </p:cNvPr>
+          <p:cNvSpPr/>
+          <p:nvPr/>
+        </p:nvSpPr>
+        <p:spPr>
+          <a:xfrm>
+            <a:off x="2971800" y="2097157"/>
+            <a:ext cx="626165" cy="238539"/>
+          </a:xfrm>
+          <a:prstGeom prst="cube">
+            <a:avLst/>
+          </a:prstGeom>
+          <a:solidFill>
+            <a:srgbClr val="FFFF00"/>
+          </a:solidFill>
+          <a:ln>
+            <a:solidFill>
+              <a:schemeClr val="tx1"/>
+            </a:solidFill>
+          </a:ln>
+        </p:spPr>
+        <p:style>
+          <a:lnRef idx="2">
+            <a:schemeClr val="accent1">
+              <a:shade val="15000"/>
+            </a:schemeClr>
+          </a:lnRef>
+          <a:fillRef idx="1">
+            <a:schemeClr val="accent1"/>
+          </a:fillRef>
+          <a:effectRef idx="0">
+            <a:schemeClr val="accent1"/>
+          </a:effectRef>
+          <a:fontRef idx="minor">
+            <a:schemeClr val="lt1"/>
+          </a:fontRef>
+        </p:style>
+        <p:txBody>
+          <a:bodyPr rtlCol="0" anchor="ctr"/>
+          <a:lstStyle/>
+          <a:p>
+            <a:pPr algn="ctr"/>
+            <a:endParaRPr lang="en-US" dirty="0">
+              <a:highlight>
+                <a:srgbClr val="FFFF00"/>
+              </a:highlight>
+            </a:endParaRPr>
+          </a:p>
+        </p:txBody>
+      </p:sp>
+      <p:sp>
+        <p:nvSpPr>
+          <p:cNvPr id="9" name="TextBox 8">
+            <a:extLst>
+              <a:ext uri="{FF2B5EF4-FFF2-40B4-BE49-F238E27FC236}">
+                <a16:creationId xmlns:a16="http://schemas.microsoft.com/office/drawing/2014/main" id="{6D8749B4-C029-9F7C-00BF-B9741221FC8C}"/>
+              </a:ext>
+            </a:extLst>
+          </p:cNvPr>
+          <p:cNvSpPr txBox="1"/>
+          <p:nvPr/>
+        </p:nvSpPr>
+        <p:spPr>
+          <a:xfrm>
+            <a:off x="3075530" y="2372833"/>
+            <a:ext cx="418704" cy="369332"/>
+          </a:xfrm>
+          <a:prstGeom prst="rect">
+            <a:avLst/>
+          </a:prstGeom>
+          <a:noFill/>
+        </p:spPr>
+        <p:txBody>
+          <a:bodyPr wrap="none" rtlCol="0">
+            <a:spAutoFit/>
+          </a:bodyPr>
+          <a:lstStyle/>
+          <a:p>
+            <a:r>
+              <a:rPr lang="en-US" dirty="0"/>
+              <a:t>24</a:t>
+            </a:r>
+          </a:p>
+        </p:txBody>
+      </p:sp>
+      <p:sp>
+        <p:nvSpPr>
+          <p:cNvPr id="10" name="TextBox 9">
+            <a:extLst>
+              <a:ext uri="{FF2B5EF4-FFF2-40B4-BE49-F238E27FC236}">
+                <a16:creationId xmlns:a16="http://schemas.microsoft.com/office/drawing/2014/main" id="{A80F18D0-33A6-03C3-5DF2-7CB3E78A7E99}"/>
+              </a:ext>
+            </a:extLst>
+          </p:cNvPr>
+          <p:cNvSpPr txBox="1"/>
+          <p:nvPr/>
+        </p:nvSpPr>
+        <p:spPr>
+          <a:xfrm>
+            <a:off x="3521791" y="2216426"/>
+            <a:ext cx="510694" cy="369332"/>
+          </a:xfrm>
+          <a:prstGeom prst="rect">
+            <a:avLst/>
+          </a:prstGeom>
+          <a:noFill/>
+        </p:spPr>
+        <p:txBody>
+          <a:bodyPr wrap="square" rtlCol="0">
+            <a:spAutoFit/>
+          </a:bodyPr>
+          <a:lstStyle/>
+          <a:p>
+            <a:r>
+              <a:rPr lang="en-US" dirty="0"/>
+              <a:t>1</a:t>
+            </a:r>
+          </a:p>
+        </p:txBody>
+      </p:sp>
+      <p:pic>
+        <p:nvPicPr>
+          <p:cNvPr id="23" name="Picture 22" descr="A green board with text and numbers&#10;&#10;Description automatically generated">
+            <a:extLst>
+              <a:ext uri="{FF2B5EF4-FFF2-40B4-BE49-F238E27FC236}">
+                <a16:creationId xmlns:a16="http://schemas.microsoft.com/office/drawing/2014/main" id="{4EA56DFD-98D9-C83C-3B05-46B6F6C7D82F}"/>
+              </a:ext>
+            </a:extLst>
+          </p:cNvPr>
+          <p:cNvPicPr>
+            <a:picLocks noChangeAspect="1"/>
+          </p:cNvPicPr>
+          <p:nvPr/>
+        </p:nvPicPr>
+        <p:blipFill>
+          <a:blip r:embed="rId2"/>
+          <a:stretch>
+            <a:fillRect/>
+          </a:stretch>
+        </p:blipFill>
+        <p:spPr>
+          <a:xfrm>
+            <a:off x="6201714" y="1521325"/>
+            <a:ext cx="5801432" cy="2441680"/>
+          </a:xfrm>
+          <a:prstGeom prst="rect">
+            <a:avLst/>
+          </a:prstGeom>
+        </p:spPr>
+      </p:pic>
+      <p:sp>
+        <p:nvSpPr>
+          <p:cNvPr id="24" name="TextBox 23">
+            <a:extLst>
+              <a:ext uri="{FF2B5EF4-FFF2-40B4-BE49-F238E27FC236}">
+                <a16:creationId xmlns:a16="http://schemas.microsoft.com/office/drawing/2014/main" id="{B1F73B1D-E4C0-EA24-0FFA-D88E24FD3264}"/>
+              </a:ext>
+            </a:extLst>
+          </p:cNvPr>
+          <p:cNvSpPr txBox="1"/>
+          <p:nvPr/>
+        </p:nvSpPr>
+        <p:spPr>
+          <a:xfrm>
+            <a:off x="2584498" y="1707107"/>
+            <a:ext cx="1819472" cy="369332"/>
+          </a:xfrm>
+          <a:prstGeom prst="rect">
+            <a:avLst/>
+          </a:prstGeom>
+          <a:noFill/>
+        </p:spPr>
+        <p:txBody>
+          <a:bodyPr wrap="none" rtlCol="0">
+            <a:spAutoFit/>
+          </a:bodyPr>
+          <a:lstStyle/>
+          <a:p>
+            <a:r>
+              <a:rPr lang="en-US" dirty="0"/>
+              <a:t>This is just 1 filter</a:t>
+            </a:r>
+          </a:p>
+        </p:txBody>
+      </p:sp>
+      <p:sp>
+        <p:nvSpPr>
+          <p:cNvPr id="26" name="Cube 25">
+            <a:extLst>
+              <a:ext uri="{FF2B5EF4-FFF2-40B4-BE49-F238E27FC236}">
+                <a16:creationId xmlns:a16="http://schemas.microsoft.com/office/drawing/2014/main" id="{97C66362-6F46-8834-8D31-F9E781FA6833}"/>
+              </a:ext>
+            </a:extLst>
+          </p:cNvPr>
+          <p:cNvSpPr/>
+          <p:nvPr/>
+        </p:nvSpPr>
+        <p:spPr>
+          <a:xfrm>
+            <a:off x="1412393" y="1571130"/>
+            <a:ext cx="626165" cy="238539"/>
+          </a:xfrm>
+          <a:prstGeom prst="cube">
+            <a:avLst/>
+          </a:prstGeom>
+          <a:solidFill>
+            <a:srgbClr val="FFFF00">
+              <a:alpha val="0"/>
+            </a:srgbClr>
+          </a:solidFill>
+          <a:ln>
+            <a:solidFill>
+              <a:srgbClr val="FFFF00"/>
+            </a:solidFill>
+          </a:ln>
+        </p:spPr>
+        <p:style>
+          <a:lnRef idx="2">
+            <a:schemeClr val="accent1">
+              <a:shade val="15000"/>
+            </a:schemeClr>
+          </a:lnRef>
+          <a:fillRef idx="1">
+            <a:schemeClr val="accent1"/>
+          </a:fillRef>
+          <a:effectRef idx="0">
+            <a:schemeClr val="accent1"/>
+          </a:effectRef>
+          <a:fontRef idx="minor">
+            <a:schemeClr val="lt1"/>
+          </a:fontRef>
+        </p:style>
+        <p:txBody>
+          <a:bodyPr rtlCol="0" anchor="ctr"/>
+          <a:lstStyle/>
+          <a:p>
+            <a:pPr algn="ctr"/>
+            <a:endParaRPr lang="en-US" dirty="0">
+              <a:highlight>
+                <a:srgbClr val="FFFF00"/>
+              </a:highlight>
+            </a:endParaRPr>
+          </a:p>
+        </p:txBody>
+      </p:sp>
+      <p:sp>
+        <p:nvSpPr>
+          <p:cNvPr id="27" name="Cube 26">
+            <a:extLst>
+              <a:ext uri="{FF2B5EF4-FFF2-40B4-BE49-F238E27FC236}">
+                <a16:creationId xmlns:a16="http://schemas.microsoft.com/office/drawing/2014/main" id="{A0DFA52C-0F30-AE9C-4768-CB437EC91A8B}"/>
+              </a:ext>
+            </a:extLst>
+          </p:cNvPr>
+          <p:cNvSpPr/>
+          <p:nvPr/>
+        </p:nvSpPr>
+        <p:spPr>
+          <a:xfrm>
+            <a:off x="1408116" y="1799735"/>
+            <a:ext cx="626165" cy="238539"/>
+          </a:xfrm>
+          <a:prstGeom prst="cube">
+            <a:avLst/>
+          </a:prstGeom>
+          <a:solidFill>
+            <a:srgbClr val="FFFF00">
+              <a:alpha val="0"/>
+            </a:srgbClr>
+          </a:solidFill>
+          <a:ln>
+            <a:solidFill>
+              <a:srgbClr val="FFFF00"/>
+            </a:solidFill>
+          </a:ln>
+        </p:spPr>
+        <p:style>
+          <a:lnRef idx="2">
+            <a:schemeClr val="accent1">
+              <a:shade val="15000"/>
+            </a:schemeClr>
+          </a:lnRef>
+          <a:fillRef idx="1">
+            <a:schemeClr val="accent1"/>
+          </a:fillRef>
+          <a:effectRef idx="0">
+            <a:schemeClr val="accent1"/>
+          </a:effectRef>
+          <a:fontRef idx="minor">
+            <a:schemeClr val="lt1"/>
+          </a:fontRef>
+        </p:style>
+        <p:txBody>
+          <a:bodyPr rtlCol="0" anchor="ctr"/>
+          <a:lstStyle/>
+          <a:p>
+            <a:pPr algn="ctr"/>
+            <a:endParaRPr lang="en-US" dirty="0">
+              <a:highlight>
+                <a:srgbClr val="FFFF00"/>
+              </a:highlight>
+            </a:endParaRPr>
+          </a:p>
+        </p:txBody>
+      </p:sp>
+      <p:sp>
+        <p:nvSpPr>
+          <p:cNvPr id="28" name="Cube 27">
+            <a:extLst>
+              <a:ext uri="{FF2B5EF4-FFF2-40B4-BE49-F238E27FC236}">
+                <a16:creationId xmlns:a16="http://schemas.microsoft.com/office/drawing/2014/main" id="{E979EA81-5011-3523-4FA5-29BC91C79F6C}"/>
+              </a:ext>
+            </a:extLst>
+          </p:cNvPr>
+          <p:cNvSpPr/>
+          <p:nvPr/>
+        </p:nvSpPr>
+        <p:spPr>
+          <a:xfrm>
+            <a:off x="1389132" y="3171334"/>
+            <a:ext cx="626165" cy="238539"/>
+          </a:xfrm>
+          <a:prstGeom prst="cube">
+            <a:avLst/>
+          </a:prstGeom>
+          <a:solidFill>
+            <a:srgbClr val="FFFF00">
+              <a:alpha val="0"/>
+            </a:srgbClr>
+          </a:solidFill>
+          <a:ln>
+            <a:solidFill>
+              <a:srgbClr val="FFFF00"/>
+            </a:solidFill>
+          </a:ln>
+        </p:spPr>
+        <p:style>
+          <a:lnRef idx="2">
+            <a:schemeClr val="accent1">
+              <a:shade val="15000"/>
+            </a:schemeClr>
+          </a:lnRef>
+          <a:fillRef idx="1">
+            <a:schemeClr val="accent1"/>
+          </a:fillRef>
+          <a:effectRef idx="0">
+            <a:schemeClr val="accent1"/>
+          </a:effectRef>
+          <a:fontRef idx="minor">
+            <a:schemeClr val="lt1"/>
+          </a:fontRef>
+        </p:style>
+        <p:txBody>
+          <a:bodyPr rtlCol="0" anchor="ctr"/>
+          <a:lstStyle/>
+          <a:p>
+            <a:pPr algn="ctr"/>
+            <a:endParaRPr lang="en-US" dirty="0">
+              <a:highlight>
+                <a:srgbClr val="FFFF00"/>
+              </a:highlight>
+            </a:endParaRPr>
+          </a:p>
+        </p:txBody>
+      </p:sp>
+      <p:sp>
+        <p:nvSpPr>
+          <p:cNvPr id="29" name="TextBox 28">
+            <a:extLst>
+              <a:ext uri="{FF2B5EF4-FFF2-40B4-BE49-F238E27FC236}">
+                <a16:creationId xmlns:a16="http://schemas.microsoft.com/office/drawing/2014/main" id="{CC2A8A63-2FF8-7359-47E3-F6EC8399A506}"/>
+              </a:ext>
+            </a:extLst>
+          </p:cNvPr>
+          <p:cNvSpPr txBox="1"/>
+          <p:nvPr/>
+        </p:nvSpPr>
+        <p:spPr>
+          <a:xfrm>
+            <a:off x="1575314" y="2154173"/>
+            <a:ext cx="253596" cy="1015663"/>
+          </a:xfrm>
+          <a:prstGeom prst="rect">
+            <a:avLst/>
+          </a:prstGeom>
+          <a:noFill/>
+        </p:spPr>
+        <p:txBody>
+          <a:bodyPr wrap="none" rtlCol="0">
+            <a:spAutoFit/>
+          </a:bodyPr>
+          <a:lstStyle/>
+          <a:p>
+            <a:r>
+              <a:rPr lang="en-US" sz="2000" b="1" dirty="0"/>
+              <a:t>.</a:t>
+            </a:r>
+          </a:p>
+          <a:p>
+            <a:r>
+              <a:rPr lang="en-US" sz="2000" b="1" dirty="0"/>
+              <a:t>.</a:t>
+            </a:r>
+          </a:p>
+          <a:p>
+            <a:r>
+              <a:rPr lang="en-US" sz="2000" b="1" dirty="0"/>
+              <a:t>.</a:t>
+            </a:r>
+          </a:p>
+        </p:txBody>
+      </p:sp>
+      <mc:AlternateContent xmlns:mc="http://schemas.openxmlformats.org/markup-compatibility/2006">
+        <mc:Choice xmlns:a14="http://schemas.microsoft.com/office/drawing/2010/main" Requires="a14">
+          <p:sp>
+            <p:nvSpPr>
+              <p:cNvPr id="31" name="TextBox 30">
+                <a:extLst>
+                  <a:ext uri="{FF2B5EF4-FFF2-40B4-BE49-F238E27FC236}">
+                    <a16:creationId xmlns:a16="http://schemas.microsoft.com/office/drawing/2014/main" id="{6E1F1EFD-3881-CDC0-D71E-694FCCA973B8}"/>
+                  </a:ext>
+                </a:extLst>
+              </p:cNvPr>
+              <p:cNvSpPr txBox="1"/>
+              <p:nvPr/>
+            </p:nvSpPr>
+            <p:spPr>
+              <a:xfrm>
+                <a:off x="2656777" y="3169836"/>
+                <a:ext cx="3521676" cy="770980"/>
+              </a:xfrm>
+              <a:prstGeom prst="rect">
+                <a:avLst/>
+              </a:prstGeom>
+              <a:noFill/>
+            </p:spPr>
+            <p:txBody>
+              <a:bodyPr wrap="square" rtlCol="0">
+                <a:spAutoFit/>
+              </a:bodyPr>
+              <a:lstStyle/>
+              <a:p>
+                <a14:m>
+                  <m:oMath xmlns:m="http://schemas.openxmlformats.org/officeDocument/2006/math">
+                    <m:r>
+                      <a:rPr lang="en-US" b="0" i="1" smtClean="0">
+                        <a:latin typeface="Cambria Math" panose="02040503050406030204" pitchFamily="18" charset="0"/>
+                      </a:rPr>
+                      <m:t>𝑓𝑙𝑜𝑜𝑟</m:t>
+                    </m:r>
+                    <m:r>
+                      <a:rPr lang="en-US" b="0" i="1" smtClean="0">
+                        <a:latin typeface="Cambria Math" panose="02040503050406030204" pitchFamily="18" charset="0"/>
+                      </a:rPr>
+                      <m:t>(</m:t>
+                    </m:r>
+                    <m:f>
+                      <m:fPr>
+                        <m:ctrlPr>
+                          <a:rPr lang="en-US" b="0" i="1" smtClean="0">
+                            <a:latin typeface="Cambria Math" panose="02040503050406030204" pitchFamily="18" charset="0"/>
+                          </a:rPr>
+                        </m:ctrlPr>
+                      </m:fPr>
+                      <m:num>
+                        <m:r>
+                          <a:rPr lang="en-US" i="1">
+                            <a:latin typeface="Cambria Math" panose="02040503050406030204" pitchFamily="18" charset="0"/>
+                          </a:rPr>
+                          <m:t>𝑁</m:t>
+                        </m:r>
+                        <m:r>
+                          <a:rPr lang="en-US" i="1">
+                            <a:latin typeface="Cambria Math" panose="02040503050406030204" pitchFamily="18" charset="0"/>
+                          </a:rPr>
+                          <m:t>+2</m:t>
+                        </m:r>
+                        <m:r>
+                          <a:rPr lang="en-US" i="1">
+                            <a:latin typeface="Cambria Math" panose="02040503050406030204" pitchFamily="18" charset="0"/>
+                          </a:rPr>
+                          <m:t>𝑝</m:t>
+                        </m:r>
+                        <m:r>
+                          <a:rPr lang="en-US" i="1">
+                            <a:latin typeface="Cambria Math" panose="02040503050406030204" pitchFamily="18" charset="0"/>
+                          </a:rPr>
+                          <m:t> −</m:t>
+                        </m:r>
+                        <m:r>
+                          <a:rPr lang="en-US" i="1">
+                            <a:latin typeface="Cambria Math" panose="02040503050406030204" pitchFamily="18" charset="0"/>
+                          </a:rPr>
+                          <m:t>𝑓</m:t>
+                        </m:r>
+                      </m:num>
+                      <m:den>
+                        <m:r>
+                          <a:rPr lang="en-US" b="0" i="1" smtClean="0">
+                            <a:latin typeface="Cambria Math" panose="02040503050406030204" pitchFamily="18" charset="0"/>
+                          </a:rPr>
+                          <m:t>𝑠</m:t>
+                        </m:r>
+                      </m:den>
+                    </m:f>
+                    <m:r>
+                      <a:rPr lang="en-US" b="0" i="1" smtClean="0">
+                        <a:latin typeface="Cambria Math" panose="02040503050406030204" pitchFamily="18" charset="0"/>
+                      </a:rPr>
+                      <m:t>)</m:t>
+                    </m:r>
+                  </m:oMath>
+                </a14:m>
+                <a:r>
+                  <a:rPr lang="en-US" dirty="0"/>
+                  <a:t> + 1= </a:t>
+                </a:r>
+                <a14:m>
+                  <m:oMath xmlns:m="http://schemas.openxmlformats.org/officeDocument/2006/math">
+                    <m:f>
+                      <m:fPr>
+                        <m:ctrlPr>
+                          <a:rPr lang="en-US" i="1" smtClean="0">
+                            <a:latin typeface="Cambria Math" panose="02040503050406030204" pitchFamily="18" charset="0"/>
+                          </a:rPr>
+                        </m:ctrlPr>
+                      </m:fPr>
+                      <m:num>
+                        <m:r>
+                          <a:rPr lang="en-US" b="0" i="1" smtClean="0">
+                            <a:latin typeface="Cambria Math" panose="02040503050406030204" pitchFamily="18" charset="0"/>
+                          </a:rPr>
+                          <m:t>200+0 −24</m:t>
+                        </m:r>
+                      </m:num>
+                      <m:den>
+                        <m:r>
+                          <a:rPr lang="en-US" b="0" i="1" smtClean="0">
+                            <a:latin typeface="Cambria Math" panose="02040503050406030204" pitchFamily="18" charset="0"/>
+                          </a:rPr>
+                          <m:t>1</m:t>
+                        </m:r>
+                      </m:den>
+                    </m:f>
+                    <m:r>
+                      <a:rPr lang="en-US" b="0" i="1" smtClean="0">
+                        <a:latin typeface="Cambria Math" panose="02040503050406030204" pitchFamily="18" charset="0"/>
+                      </a:rPr>
+                      <m:t>+1</m:t>
+                    </m:r>
+                  </m:oMath>
+                </a14:m>
+                <a:r>
+                  <a:rPr lang="en-US" dirty="0"/>
+                  <a:t> = 177</a:t>
+                </a:r>
+              </a:p>
+            </p:txBody>
+          </p:sp>
+        </mc:Choice>
+        <mc:Fallback>
+          <p:sp>
+            <p:nvSpPr>
+              <p:cNvPr id="31" name="TextBox 30">
+                <a:extLst>
+                  <a:ext uri="{FF2B5EF4-FFF2-40B4-BE49-F238E27FC236}">
+                    <a16:creationId xmlns:a16="http://schemas.microsoft.com/office/drawing/2014/main" id="{6E1F1EFD-3881-CDC0-D71E-694FCCA973B8}"/>
+                  </a:ext>
+                </a:extLst>
+              </p:cNvPr>
+              <p:cNvSpPr txBox="1">
+                <a:spLocks noRot="1" noChangeAspect="1" noMove="1" noResize="1" noEditPoints="1" noAdjustHandles="1" noChangeArrowheads="1" noChangeShapeType="1" noTextEdit="1"/>
+              </p:cNvSpPr>
+              <p:nvPr/>
+            </p:nvSpPr>
+            <p:spPr>
+              <a:xfrm>
+                <a:off x="2656777" y="3169836"/>
+                <a:ext cx="3521676" cy="770980"/>
+              </a:xfrm>
+              <a:prstGeom prst="rect">
+                <a:avLst/>
+              </a:prstGeom>
+              <a:blipFill>
+                <a:blip r:embed="rId3"/>
+                <a:stretch>
+                  <a:fillRect l="-1799" b="-11290"/>
+                </a:stretch>
+              </a:blipFill>
+            </p:spPr>
+            <p:txBody>
+              <a:bodyPr/>
+              <a:lstStyle/>
+              <a:p>
+                <a:r>
+                  <a:rPr lang="en-US">
+                    <a:noFill/>
+                  </a:rPr>
+                  <a:t> </a:t>
+                </a:r>
+              </a:p>
+            </p:txBody>
+          </p:sp>
+        </mc:Fallback>
+      </mc:AlternateContent>
+      <p:cxnSp>
+        <p:nvCxnSpPr>
+          <p:cNvPr id="33" name="Straight Arrow Connector 32">
+            <a:extLst>
+              <a:ext uri="{FF2B5EF4-FFF2-40B4-BE49-F238E27FC236}">
+                <a16:creationId xmlns:a16="http://schemas.microsoft.com/office/drawing/2014/main" id="{37BD0971-F8CF-0AF0-BD23-7C62DD0BE9B6}"/>
+              </a:ext>
+            </a:extLst>
+          </p:cNvPr>
+          <p:cNvCxnSpPr>
+            <a:cxnSpLocks/>
+          </p:cNvCxnSpPr>
+          <p:nvPr/>
+        </p:nvCxnSpPr>
+        <p:spPr>
+          <a:xfrm flipV="1">
+            <a:off x="5842584" y="2118359"/>
+            <a:ext cx="3377616" cy="1052372"/>
+          </a:xfrm>
+          <a:prstGeom prst="straightConnector1">
+            <a:avLst/>
+          </a:prstGeom>
+          <a:ln w="63500">
+            <a:solidFill>
+              <a:srgbClr val="FF0000"/>
+            </a:solidFill>
+            <a:tailEnd type="triangle"/>
+          </a:ln>
+        </p:spPr>
+        <p:style>
+          <a:lnRef idx="1">
+            <a:schemeClr val="accent1"/>
+          </a:lnRef>
+          <a:fillRef idx="0">
+            <a:schemeClr val="accent1"/>
+          </a:fillRef>
+          <a:effectRef idx="0">
+            <a:schemeClr val="accent1"/>
+          </a:effectRef>
+          <a:fontRef idx="minor">
+            <a:schemeClr val="tx1"/>
+          </a:fontRef>
+        </p:style>
+      </p:cxnSp>
+      <p:sp>
+        <p:nvSpPr>
+          <p:cNvPr id="35" name="Cube 34">
+            <a:extLst>
+              <a:ext uri="{FF2B5EF4-FFF2-40B4-BE49-F238E27FC236}">
+                <a16:creationId xmlns:a16="http://schemas.microsoft.com/office/drawing/2014/main" id="{47D3DA5F-38EA-F732-43E1-E286EA7BBDC9}"/>
+              </a:ext>
+            </a:extLst>
+          </p:cNvPr>
+          <p:cNvSpPr/>
+          <p:nvPr/>
+        </p:nvSpPr>
+        <p:spPr>
+          <a:xfrm>
+            <a:off x="3075530" y="6019899"/>
+            <a:ext cx="2611305" cy="329632"/>
+          </a:xfrm>
+          <a:prstGeom prst="cube">
+            <a:avLst/>
+          </a:prstGeom>
+        </p:spPr>
+        <p:style>
+          <a:lnRef idx="2">
+            <a:schemeClr val="accent1">
+              <a:shade val="15000"/>
+            </a:schemeClr>
+          </a:lnRef>
+          <a:fillRef idx="1">
+            <a:schemeClr val="accent1"/>
+          </a:fillRef>
+          <a:effectRef idx="0">
+            <a:schemeClr val="accent1"/>
+          </a:effectRef>
+          <a:fontRef idx="minor">
+            <a:schemeClr val="lt1"/>
+          </a:fontRef>
+        </p:style>
+        <p:txBody>
+          <a:bodyPr rtlCol="0" anchor="ctr"/>
+          <a:lstStyle/>
+          <a:p>
+            <a:pPr algn="ctr"/>
+            <a:endParaRPr lang="en-US"/>
+          </a:p>
+        </p:txBody>
+      </p:sp>
+      <p:sp>
+        <p:nvSpPr>
+          <p:cNvPr id="36" name="TextBox 35">
+            <a:extLst>
+              <a:ext uri="{FF2B5EF4-FFF2-40B4-BE49-F238E27FC236}">
+                <a16:creationId xmlns:a16="http://schemas.microsoft.com/office/drawing/2014/main" id="{E20517E6-3503-BD69-B51F-BD53A4098AFC}"/>
+              </a:ext>
+            </a:extLst>
+          </p:cNvPr>
+          <p:cNvSpPr txBox="1"/>
+          <p:nvPr/>
+        </p:nvSpPr>
+        <p:spPr>
+          <a:xfrm>
+            <a:off x="3994004" y="6349531"/>
+            <a:ext cx="535724" cy="369332"/>
+          </a:xfrm>
+          <a:prstGeom prst="rect">
+            <a:avLst/>
+          </a:prstGeom>
+          <a:noFill/>
+        </p:spPr>
+        <p:txBody>
+          <a:bodyPr wrap="none" rtlCol="0">
+            <a:spAutoFit/>
+          </a:bodyPr>
+          <a:lstStyle/>
+          <a:p>
+            <a:r>
+              <a:rPr lang="en-US" dirty="0"/>
+              <a:t>177</a:t>
+            </a:r>
+          </a:p>
+        </p:txBody>
+      </p:sp>
+      <p:sp>
+        <p:nvSpPr>
+          <p:cNvPr id="37" name="TextBox 36">
+            <a:extLst>
+              <a:ext uri="{FF2B5EF4-FFF2-40B4-BE49-F238E27FC236}">
+                <a16:creationId xmlns:a16="http://schemas.microsoft.com/office/drawing/2014/main" id="{D5FD7F77-8501-2642-B7CB-093FE167C37C}"/>
+              </a:ext>
+            </a:extLst>
+          </p:cNvPr>
+          <p:cNvSpPr txBox="1"/>
+          <p:nvPr/>
+        </p:nvSpPr>
+        <p:spPr>
+          <a:xfrm>
+            <a:off x="5686835" y="6019899"/>
+            <a:ext cx="654908" cy="369332"/>
+          </a:xfrm>
+          <a:prstGeom prst="rect">
+            <a:avLst/>
+          </a:prstGeom>
+          <a:noFill/>
+        </p:spPr>
+        <p:txBody>
+          <a:bodyPr wrap="square" rtlCol="0">
+            <a:spAutoFit/>
+          </a:bodyPr>
+          <a:lstStyle/>
+          <a:p>
+            <a:r>
+              <a:rPr lang="en-US" dirty="0"/>
+              <a:t>1</a:t>
+            </a:r>
+          </a:p>
+        </p:txBody>
+      </p:sp>
+      <p:sp>
+        <p:nvSpPr>
+          <p:cNvPr id="38" name="Cube 37">
+            <a:extLst>
+              <a:ext uri="{FF2B5EF4-FFF2-40B4-BE49-F238E27FC236}">
+                <a16:creationId xmlns:a16="http://schemas.microsoft.com/office/drawing/2014/main" id="{C931491B-93EB-52BA-E849-85AEA36BB879}"/>
+              </a:ext>
+            </a:extLst>
+          </p:cNvPr>
+          <p:cNvSpPr/>
+          <p:nvPr/>
+        </p:nvSpPr>
+        <p:spPr>
+          <a:xfrm>
+            <a:off x="3442216" y="5433259"/>
+            <a:ext cx="2611305" cy="329632"/>
+          </a:xfrm>
+          <a:prstGeom prst="cube">
+            <a:avLst/>
+          </a:prstGeom>
+        </p:spPr>
+        <p:style>
+          <a:lnRef idx="2">
+            <a:schemeClr val="accent1">
+              <a:shade val="15000"/>
+            </a:schemeClr>
+          </a:lnRef>
+          <a:fillRef idx="1">
+            <a:schemeClr val="accent1"/>
+          </a:fillRef>
+          <a:effectRef idx="0">
+            <a:schemeClr val="accent1"/>
+          </a:effectRef>
+          <a:fontRef idx="minor">
+            <a:schemeClr val="lt1"/>
+          </a:fontRef>
+        </p:style>
+        <p:txBody>
+          <a:bodyPr rtlCol="0" anchor="ctr"/>
+          <a:lstStyle/>
+          <a:p>
+            <a:pPr algn="ctr"/>
+            <a:endParaRPr lang="en-US"/>
+          </a:p>
+        </p:txBody>
+      </p:sp>
+      <p:sp>
+        <p:nvSpPr>
+          <p:cNvPr id="39" name="TextBox 38">
+            <a:extLst>
+              <a:ext uri="{FF2B5EF4-FFF2-40B4-BE49-F238E27FC236}">
+                <a16:creationId xmlns:a16="http://schemas.microsoft.com/office/drawing/2014/main" id="{CD9A3750-C675-9118-D501-30D3A2BFFDBB}"/>
+              </a:ext>
+            </a:extLst>
+          </p:cNvPr>
+          <p:cNvSpPr txBox="1"/>
+          <p:nvPr/>
+        </p:nvSpPr>
+        <p:spPr>
+          <a:xfrm>
+            <a:off x="4360690" y="5750534"/>
+            <a:ext cx="535724" cy="369332"/>
+          </a:xfrm>
+          <a:prstGeom prst="rect">
+            <a:avLst/>
+          </a:prstGeom>
+          <a:noFill/>
+        </p:spPr>
+        <p:txBody>
+          <a:bodyPr wrap="none" rtlCol="0">
+            <a:spAutoFit/>
+          </a:bodyPr>
+          <a:lstStyle/>
+          <a:p>
+            <a:r>
+              <a:rPr lang="en-US" dirty="0"/>
+              <a:t>177</a:t>
+            </a:r>
+          </a:p>
+        </p:txBody>
+      </p:sp>
+      <p:sp>
+        <p:nvSpPr>
+          <p:cNvPr id="40" name="TextBox 39">
+            <a:extLst>
+              <a:ext uri="{FF2B5EF4-FFF2-40B4-BE49-F238E27FC236}">
+                <a16:creationId xmlns:a16="http://schemas.microsoft.com/office/drawing/2014/main" id="{6620DDCC-2F37-3D25-8490-6C2EB081E4D3}"/>
+              </a:ext>
+            </a:extLst>
+          </p:cNvPr>
+          <p:cNvSpPr txBox="1"/>
+          <p:nvPr/>
+        </p:nvSpPr>
+        <p:spPr>
+          <a:xfrm>
+            <a:off x="6053521" y="5433259"/>
+            <a:ext cx="654908" cy="369332"/>
+          </a:xfrm>
+          <a:prstGeom prst="rect">
+            <a:avLst/>
+          </a:prstGeom>
+          <a:noFill/>
+        </p:spPr>
+        <p:txBody>
+          <a:bodyPr wrap="square" rtlCol="0">
+            <a:spAutoFit/>
+          </a:bodyPr>
+          <a:lstStyle/>
+          <a:p>
+            <a:r>
+              <a:rPr lang="en-US" dirty="0"/>
+              <a:t>1</a:t>
+            </a:r>
+          </a:p>
+        </p:txBody>
+      </p:sp>
+      <p:sp>
+        <p:nvSpPr>
+          <p:cNvPr id="41" name="TextBox 40">
+            <a:extLst>
+              <a:ext uri="{FF2B5EF4-FFF2-40B4-BE49-F238E27FC236}">
+                <a16:creationId xmlns:a16="http://schemas.microsoft.com/office/drawing/2014/main" id="{1F0ABD78-C6E9-0604-0742-41517AEE207B}"/>
+              </a:ext>
+            </a:extLst>
+          </p:cNvPr>
+          <p:cNvSpPr txBox="1"/>
+          <p:nvPr/>
+        </p:nvSpPr>
+        <p:spPr>
+          <a:xfrm>
+            <a:off x="4789321" y="5011870"/>
+            <a:ext cx="654907" cy="369332"/>
+          </a:xfrm>
+          <a:prstGeom prst="rect">
+            <a:avLst/>
+          </a:prstGeom>
+          <a:noFill/>
+        </p:spPr>
+        <p:txBody>
+          <a:bodyPr wrap="square" rtlCol="0">
+            <a:spAutoFit/>
+          </a:bodyPr>
+          <a:lstStyle/>
+          <a:p>
+            <a:r>
+              <a:rPr lang="en-US" dirty="0"/>
+              <a:t>…</a:t>
+            </a:r>
+          </a:p>
+        </p:txBody>
+      </p:sp>
+      <p:sp>
+        <p:nvSpPr>
+          <p:cNvPr id="42" name="Cube 41">
+            <a:extLst>
+              <a:ext uri="{FF2B5EF4-FFF2-40B4-BE49-F238E27FC236}">
+                <a16:creationId xmlns:a16="http://schemas.microsoft.com/office/drawing/2014/main" id="{42C7885B-8C94-959A-0429-47836A7329B7}"/>
+              </a:ext>
+            </a:extLst>
+          </p:cNvPr>
+          <p:cNvSpPr/>
+          <p:nvPr/>
+        </p:nvSpPr>
+        <p:spPr>
+          <a:xfrm>
+            <a:off x="4360690" y="4590046"/>
+            <a:ext cx="2611305" cy="329632"/>
+          </a:xfrm>
+          <a:prstGeom prst="cube">
+            <a:avLst/>
+          </a:prstGeom>
+        </p:spPr>
+        <p:style>
+          <a:lnRef idx="2">
+            <a:schemeClr val="accent1">
+              <a:shade val="15000"/>
+            </a:schemeClr>
+          </a:lnRef>
+          <a:fillRef idx="1">
+            <a:schemeClr val="accent1"/>
+          </a:fillRef>
+          <a:effectRef idx="0">
+            <a:schemeClr val="accent1"/>
+          </a:effectRef>
+          <a:fontRef idx="minor">
+            <a:schemeClr val="lt1"/>
+          </a:fontRef>
+        </p:style>
+        <p:txBody>
+          <a:bodyPr rtlCol="0" anchor="ctr"/>
+          <a:lstStyle/>
+          <a:p>
+            <a:pPr algn="ctr"/>
+            <a:endParaRPr lang="en-US"/>
+          </a:p>
+        </p:txBody>
+      </p:sp>
+      <p:sp>
+        <p:nvSpPr>
+          <p:cNvPr id="43" name="TextBox 42">
+            <a:extLst>
+              <a:ext uri="{FF2B5EF4-FFF2-40B4-BE49-F238E27FC236}">
+                <a16:creationId xmlns:a16="http://schemas.microsoft.com/office/drawing/2014/main" id="{9B51F90C-6E9A-509A-D851-DD8FA6D077B5}"/>
+              </a:ext>
+            </a:extLst>
+          </p:cNvPr>
+          <p:cNvSpPr txBox="1"/>
+          <p:nvPr/>
+        </p:nvSpPr>
+        <p:spPr>
+          <a:xfrm>
+            <a:off x="6971995" y="4590046"/>
+            <a:ext cx="654908" cy="369332"/>
+          </a:xfrm>
+          <a:prstGeom prst="rect">
+            <a:avLst/>
+          </a:prstGeom>
+          <a:noFill/>
+        </p:spPr>
+        <p:txBody>
+          <a:bodyPr wrap="square" rtlCol="0">
+            <a:spAutoFit/>
+          </a:bodyPr>
+          <a:lstStyle/>
+          <a:p>
+            <a:r>
+              <a:rPr lang="en-US" dirty="0"/>
+              <a:t>1</a:t>
+            </a:r>
+          </a:p>
+        </p:txBody>
+      </p:sp>
+      <p:sp>
+        <p:nvSpPr>
+          <p:cNvPr id="44" name="TextBox 43">
+            <a:extLst>
+              <a:ext uri="{FF2B5EF4-FFF2-40B4-BE49-F238E27FC236}">
+                <a16:creationId xmlns:a16="http://schemas.microsoft.com/office/drawing/2014/main" id="{B38EE530-6476-4384-A568-D2B7D53851E5}"/>
+              </a:ext>
+            </a:extLst>
+          </p:cNvPr>
+          <p:cNvSpPr txBox="1"/>
+          <p:nvPr/>
+        </p:nvSpPr>
+        <p:spPr>
+          <a:xfrm>
+            <a:off x="5398480" y="4898466"/>
+            <a:ext cx="535724" cy="369332"/>
+          </a:xfrm>
+          <a:prstGeom prst="rect">
+            <a:avLst/>
+          </a:prstGeom>
+          <a:noFill/>
+        </p:spPr>
+        <p:txBody>
+          <a:bodyPr wrap="none" rtlCol="0">
+            <a:spAutoFit/>
+          </a:bodyPr>
+          <a:lstStyle/>
+          <a:p>
+            <a:r>
+              <a:rPr lang="en-US" dirty="0"/>
+              <a:t>177</a:t>
+            </a:r>
+          </a:p>
+        </p:txBody>
+      </p:sp>
+      <p:sp>
+        <p:nvSpPr>
+          <p:cNvPr id="45" name="Right Brace 44">
+            <a:extLst>
+              <a:ext uri="{FF2B5EF4-FFF2-40B4-BE49-F238E27FC236}">
+                <a16:creationId xmlns:a16="http://schemas.microsoft.com/office/drawing/2014/main" id="{15BF7324-6658-F468-66AA-7A7D9E9AC120}"/>
+              </a:ext>
+            </a:extLst>
+          </p:cNvPr>
+          <p:cNvSpPr/>
+          <p:nvPr/>
+        </p:nvSpPr>
+        <p:spPr>
+          <a:xfrm>
+            <a:off x="7400341" y="4550346"/>
+            <a:ext cx="465195" cy="1942529"/>
+          </a:xfrm>
+          <a:prstGeom prst="rightBrace">
+            <a:avLst/>
+          </a:prstGeom>
+        </p:spPr>
+        <p:style>
+          <a:lnRef idx="1">
+            <a:schemeClr val="accent1"/>
+          </a:lnRef>
+          <a:fillRef idx="0">
+            <a:schemeClr val="accent1"/>
+          </a:fillRef>
+          <a:effectRef idx="0">
+            <a:schemeClr val="accent1"/>
+          </a:effectRef>
+          <a:fontRef idx="minor">
+            <a:schemeClr val="tx1"/>
+          </a:fontRef>
+        </p:style>
+        <p:txBody>
+          <a:bodyPr rtlCol="0" anchor="ctr"/>
+          <a:lstStyle/>
+          <a:p>
+            <a:pPr algn="ctr"/>
+            <a:endParaRPr lang="en-US"/>
+          </a:p>
+        </p:txBody>
+      </p:sp>
+      <p:sp>
+        <p:nvSpPr>
+          <p:cNvPr id="46" name="TextBox 45">
+            <a:extLst>
+              <a:ext uri="{FF2B5EF4-FFF2-40B4-BE49-F238E27FC236}">
+                <a16:creationId xmlns:a16="http://schemas.microsoft.com/office/drawing/2014/main" id="{9A71E6B7-B919-7C6D-13B5-93749223C31C}"/>
+              </a:ext>
+            </a:extLst>
+          </p:cNvPr>
+          <p:cNvSpPr txBox="1"/>
+          <p:nvPr/>
+        </p:nvSpPr>
+        <p:spPr>
+          <a:xfrm>
+            <a:off x="8229600" y="5523470"/>
+            <a:ext cx="418704" cy="369332"/>
+          </a:xfrm>
+          <a:prstGeom prst="rect">
+            <a:avLst/>
+          </a:prstGeom>
+          <a:noFill/>
+        </p:spPr>
+        <p:txBody>
+          <a:bodyPr wrap="none" rtlCol="0">
+            <a:spAutoFit/>
+          </a:bodyPr>
+          <a:lstStyle/>
+          <a:p>
+            <a:r>
+              <a:rPr lang="en-US" dirty="0"/>
+              <a:t>20</a:t>
+            </a:r>
+          </a:p>
+        </p:txBody>
+      </p:sp>
+      <p:cxnSp>
+        <p:nvCxnSpPr>
+          <p:cNvPr id="47" name="Straight Arrow Connector 46">
+            <a:extLst>
+              <a:ext uri="{FF2B5EF4-FFF2-40B4-BE49-F238E27FC236}">
+                <a16:creationId xmlns:a16="http://schemas.microsoft.com/office/drawing/2014/main" id="{FF6FFEFE-7E41-1DA9-095A-FD60D20D8F49}"/>
+              </a:ext>
+            </a:extLst>
+          </p:cNvPr>
+          <p:cNvCxnSpPr>
+            <a:cxnSpLocks/>
+          </p:cNvCxnSpPr>
+          <p:nvPr/>
+        </p:nvCxnSpPr>
+        <p:spPr>
+          <a:xfrm flipV="1">
+            <a:off x="8516379" y="2097157"/>
+            <a:ext cx="1238600" cy="3312624"/>
+          </a:xfrm>
+          <a:prstGeom prst="straightConnector1">
+            <a:avLst/>
+          </a:prstGeom>
+          <a:ln w="63500">
+            <a:solidFill>
+              <a:schemeClr val="accent4"/>
+            </a:solidFill>
+            <a:tailEnd type="triangle"/>
+          </a:ln>
+        </p:spPr>
+        <p:style>
+          <a:lnRef idx="1">
+            <a:schemeClr val="accent1"/>
+          </a:lnRef>
+          <a:fillRef idx="0">
+            <a:schemeClr val="accent1"/>
+          </a:fillRef>
+          <a:effectRef idx="0">
+            <a:schemeClr val="accent1"/>
+          </a:effectRef>
+          <a:fontRef idx="minor">
+            <a:schemeClr val="tx1"/>
+          </a:fontRef>
+        </p:style>
+      </p:cxnSp>
+      <p:sp>
+        <p:nvSpPr>
+          <p:cNvPr id="49" name="TextBox 48">
+            <a:extLst>
+              <a:ext uri="{FF2B5EF4-FFF2-40B4-BE49-F238E27FC236}">
+                <a16:creationId xmlns:a16="http://schemas.microsoft.com/office/drawing/2014/main" id="{E9572DD8-A613-C657-45A6-CABD53EDBFD9}"/>
+              </a:ext>
+            </a:extLst>
+          </p:cNvPr>
+          <p:cNvSpPr txBox="1"/>
+          <p:nvPr/>
+        </p:nvSpPr>
+        <p:spPr>
+          <a:xfrm>
+            <a:off x="1272233" y="5565868"/>
+            <a:ext cx="856325" cy="369332"/>
+          </a:xfrm>
+          <a:prstGeom prst="rect">
+            <a:avLst/>
+          </a:prstGeom>
+          <a:noFill/>
+        </p:spPr>
+        <p:txBody>
+          <a:bodyPr wrap="none" rtlCol="0">
+            <a:spAutoFit/>
+          </a:bodyPr>
+          <a:lstStyle/>
+          <a:p>
+            <a:r>
+              <a:rPr lang="en-US" dirty="0"/>
+              <a:t>Output</a:t>
+            </a:r>
+          </a:p>
+        </p:txBody>
+      </p:sp>
+      <p:cxnSp>
+        <p:nvCxnSpPr>
+          <p:cNvPr id="50" name="Straight Arrow Connector 49">
+            <a:extLst>
+              <a:ext uri="{FF2B5EF4-FFF2-40B4-BE49-F238E27FC236}">
+                <a16:creationId xmlns:a16="http://schemas.microsoft.com/office/drawing/2014/main" id="{CEE4EFB6-A71F-28B1-E07D-CDAC73731152}"/>
+              </a:ext>
+            </a:extLst>
+          </p:cNvPr>
+          <p:cNvCxnSpPr>
+            <a:cxnSpLocks/>
+          </p:cNvCxnSpPr>
+          <p:nvPr/>
+        </p:nvCxnSpPr>
+        <p:spPr>
+          <a:xfrm>
+            <a:off x="2102911" y="5794660"/>
+            <a:ext cx="878776" cy="0"/>
+          </a:xfrm>
+          <a:prstGeom prst="straightConnector1">
+            <a:avLst/>
+          </a:prstGeom>
+          <a:ln w="38100">
+            <a:solidFill>
+              <a:schemeClr val="tx1"/>
+            </a:solidFill>
+            <a:tailEnd type="triangle"/>
+          </a:ln>
+        </p:spPr>
+        <p:style>
+          <a:lnRef idx="1">
+            <a:schemeClr val="accent1"/>
+          </a:lnRef>
+          <a:fillRef idx="0">
+            <a:schemeClr val="accent1"/>
+          </a:fillRef>
+          <a:effectRef idx="0">
+            <a:schemeClr val="accent1"/>
+          </a:effectRef>
+          <a:fontRef idx="minor">
+            <a:schemeClr val="tx1"/>
+          </a:fontRef>
+        </p:style>
+      </p:cxnSp>
+      <p:sp>
+        <p:nvSpPr>
+          <p:cNvPr id="52" name="Frame 51">
+            <a:extLst>
+              <a:ext uri="{FF2B5EF4-FFF2-40B4-BE49-F238E27FC236}">
+                <a16:creationId xmlns:a16="http://schemas.microsoft.com/office/drawing/2014/main" id="{AC2B55BB-EDCA-F9FD-0F28-3F0666B0F796}"/>
+              </a:ext>
+            </a:extLst>
+          </p:cNvPr>
+          <p:cNvSpPr/>
+          <p:nvPr/>
+        </p:nvSpPr>
+        <p:spPr>
+          <a:xfrm>
+            <a:off x="9247757" y="1840614"/>
+            <a:ext cx="387302" cy="287488"/>
+          </a:xfrm>
+          <a:prstGeom prst="frame">
+            <a:avLst>
+              <a:gd name="adj1" fmla="val 3490"/>
+            </a:avLst>
+          </a:prstGeom>
+          <a:solidFill>
+            <a:srgbClr val="7030A0"/>
+          </a:solidFill>
+          <a:ln>
+            <a:solidFill>
+              <a:schemeClr val="tx1"/>
+            </a:solidFill>
+          </a:ln>
+        </p:spPr>
+        <p:style>
+          <a:lnRef idx="2">
+            <a:schemeClr val="accent1">
+              <a:shade val="15000"/>
+            </a:schemeClr>
+          </a:lnRef>
+          <a:fillRef idx="1">
+            <a:schemeClr val="accent1"/>
+          </a:fillRef>
+          <a:effectRef idx="0">
+            <a:schemeClr val="accent1"/>
+          </a:effectRef>
+          <a:fontRef idx="minor">
+            <a:schemeClr val="lt1"/>
+          </a:fontRef>
+        </p:style>
+        <p:txBody>
+          <a:bodyPr rtlCol="0" anchor="ctr"/>
+          <a:lstStyle/>
+          <a:p>
+            <a:pPr algn="ctr"/>
+            <a:endParaRPr lang="en-US">
+              <a:solidFill>
+                <a:schemeClr val="tx1"/>
+              </a:solidFill>
+            </a:endParaRPr>
+          </a:p>
+        </p:txBody>
+      </p:sp>
+      <p:sp>
+        <p:nvSpPr>
+          <p:cNvPr id="54" name="Frame 53">
+            <a:extLst>
+              <a:ext uri="{FF2B5EF4-FFF2-40B4-BE49-F238E27FC236}">
+                <a16:creationId xmlns:a16="http://schemas.microsoft.com/office/drawing/2014/main" id="{F4907347-5E14-1A32-F973-802846EA5E24}"/>
+              </a:ext>
+            </a:extLst>
+          </p:cNvPr>
+          <p:cNvSpPr/>
+          <p:nvPr/>
+        </p:nvSpPr>
+        <p:spPr>
+          <a:xfrm>
+            <a:off x="9621288" y="1830997"/>
+            <a:ext cx="387302" cy="287488"/>
+          </a:xfrm>
+          <a:prstGeom prst="frame">
+            <a:avLst>
+              <a:gd name="adj1" fmla="val 3490"/>
+            </a:avLst>
+          </a:prstGeom>
+          <a:solidFill>
+            <a:srgbClr val="7030A0"/>
+          </a:solidFill>
+          <a:ln>
+            <a:solidFill>
+              <a:schemeClr val="tx1"/>
+            </a:solidFill>
+          </a:ln>
+        </p:spPr>
+        <p:style>
+          <a:lnRef idx="2">
+            <a:schemeClr val="accent1">
+              <a:shade val="15000"/>
+            </a:schemeClr>
+          </a:lnRef>
+          <a:fillRef idx="1">
+            <a:schemeClr val="accent1"/>
+          </a:fillRef>
+          <a:effectRef idx="0">
+            <a:schemeClr val="accent1"/>
+          </a:effectRef>
+          <a:fontRef idx="minor">
+            <a:schemeClr val="lt1"/>
+          </a:fontRef>
+        </p:style>
+        <p:txBody>
+          <a:bodyPr rtlCol="0" anchor="ctr"/>
+          <a:lstStyle/>
+          <a:p>
+            <a:pPr algn="ctr"/>
+            <a:endParaRPr lang="en-US">
+              <a:solidFill>
+                <a:schemeClr val="tx1"/>
+              </a:solidFill>
+            </a:endParaRPr>
+          </a:p>
+        </p:txBody>
+      </p:sp>
+      <p:sp>
+        <p:nvSpPr>
+          <p:cNvPr id="55" name="TextBox 54">
+            <a:extLst>
+              <a:ext uri="{FF2B5EF4-FFF2-40B4-BE49-F238E27FC236}">
+                <a16:creationId xmlns:a16="http://schemas.microsoft.com/office/drawing/2014/main" id="{3CFEC4AB-F3BB-3388-8C68-B9C4E32AD4A6}"/>
+              </a:ext>
+            </a:extLst>
+          </p:cNvPr>
+          <p:cNvSpPr txBox="1"/>
+          <p:nvPr/>
+        </p:nvSpPr>
+        <p:spPr>
+          <a:xfrm>
+            <a:off x="49579" y="1544749"/>
+            <a:ext cx="1399999" cy="369332"/>
+          </a:xfrm>
+          <a:prstGeom prst="rect">
+            <a:avLst/>
+          </a:prstGeom>
+          <a:noFill/>
+        </p:spPr>
+        <p:txBody>
+          <a:bodyPr wrap="none" rtlCol="0">
+            <a:spAutoFit/>
+          </a:bodyPr>
+          <a:lstStyle/>
+          <a:p>
+            <a:r>
+              <a:rPr lang="en-US" dirty="0"/>
+              <a:t>Conv1d layer</a:t>
+            </a:r>
+          </a:p>
+        </p:txBody>
+      </p:sp>
+      <p:pic>
+        <p:nvPicPr>
+          <p:cNvPr id="56" name="Picture 55" descr="A graph of a temperature&#10;&#10;Description automatically generated with medium confidence">
+            <a:extLst>
+              <a:ext uri="{FF2B5EF4-FFF2-40B4-BE49-F238E27FC236}">
+                <a16:creationId xmlns:a16="http://schemas.microsoft.com/office/drawing/2014/main" id="{9FE4114F-19E7-35B6-E417-C1C348E92172}"/>
+              </a:ext>
+            </a:extLst>
+          </p:cNvPr>
+          <p:cNvPicPr>
+            <a:picLocks noChangeAspect="1"/>
+          </p:cNvPicPr>
+          <p:nvPr/>
+        </p:nvPicPr>
+        <p:blipFill>
+          <a:blip r:embed="rId4"/>
+          <a:stretch>
+            <a:fillRect/>
+          </a:stretch>
+        </p:blipFill>
+        <p:spPr>
+          <a:xfrm>
+            <a:off x="9912112" y="2712805"/>
+            <a:ext cx="1287377" cy="3821392"/>
+          </a:xfrm>
+          <a:prstGeom prst="rect">
+            <a:avLst/>
+          </a:prstGeom>
+        </p:spPr>
+      </p:pic>
+    </p:spTree>
+    <p:extLst>
+      <p:ext uri="{BB962C8B-B14F-4D97-AF65-F5344CB8AC3E}">
+        <p14:creationId xmlns:p14="http://schemas.microsoft.com/office/powerpoint/2010/main" val="1480236642"/>
+      </p:ext>
+    </p:extLst>
+  </p:cSld>
+  <p:clrMapOvr>
+    <a:masterClrMapping/>
+  </p:clrMapOvr>
+</p:sld>
+</file>
+
+<file path=ppt/slides/slide8.xml><?xml version="1.0" encoding="utf-8"?>
+<p:sld xmlns:a="http://schemas.openxmlformats.org/drawingml/2006/main" xmlns:r="http://schemas.openxmlformats.org/officeDocument/2006/relationships" xmlns:p="http://schemas.openxmlformats.org/presentationml/2006/main">
+  <p:cSld>
+    <p:spTree>
+      <p:nvGrpSpPr>
+        <p:cNvPr id="1" name=""/>
+        <p:cNvGrpSpPr/>
+        <p:nvPr/>
+      </p:nvGrpSpPr>
+      <p:grpSpPr>
+        <a:xfrm>
+          <a:off x="0" y="0"/>
+          <a:ext cx="0" cy="0"/>
+          <a:chOff x="0" y="0"/>
+          <a:chExt cx="0" cy="0"/>
+        </a:xfrm>
+      </p:grpSpPr>
+      <p:sp>
+        <p:nvSpPr>
+          <p:cNvPr id="2" name="Title 1">
+            <a:extLst>
+              <a:ext uri="{FF2B5EF4-FFF2-40B4-BE49-F238E27FC236}">
+                <a16:creationId xmlns:a16="http://schemas.microsoft.com/office/drawing/2014/main" id="{1DC44569-141B-563A-919B-9BAE0FD8ADEF}"/>
+              </a:ext>
+            </a:extLst>
+          </p:cNvPr>
+          <p:cNvSpPr>
+            <a:spLocks noGrp="1"/>
+          </p:cNvSpPr>
+          <p:nvPr>
+            <p:ph type="title"/>
+          </p:nvPr>
+        </p:nvSpPr>
+        <p:spPr/>
+        <p:txBody>
+          <a:bodyPr/>
+          <a:lstStyle/>
+          <a:p>
+            <a:r>
+              <a:rPr lang="en-US" dirty="0"/>
+              <a:t>How to understand conv1d in this context</a:t>
+            </a:r>
+          </a:p>
+        </p:txBody>
+      </p:sp>
+      <p:sp>
+        <p:nvSpPr>
+          <p:cNvPr id="9" name="TextBox 8">
+            <a:extLst>
+              <a:ext uri="{FF2B5EF4-FFF2-40B4-BE49-F238E27FC236}">
+                <a16:creationId xmlns:a16="http://schemas.microsoft.com/office/drawing/2014/main" id="{6D8749B4-C029-9F7C-00BF-B9741221FC8C}"/>
+              </a:ext>
+            </a:extLst>
+          </p:cNvPr>
+          <p:cNvSpPr txBox="1"/>
+          <p:nvPr/>
+        </p:nvSpPr>
+        <p:spPr>
+          <a:xfrm>
+            <a:off x="867212" y="5128831"/>
+            <a:ext cx="418703" cy="369332"/>
+          </a:xfrm>
+          <a:prstGeom prst="rect">
+            <a:avLst/>
+          </a:prstGeom>
+          <a:noFill/>
+        </p:spPr>
+        <p:txBody>
+          <a:bodyPr wrap="square" rtlCol="0">
+            <a:spAutoFit/>
+          </a:bodyPr>
+          <a:lstStyle/>
+          <a:p>
+            <a:r>
+              <a:rPr lang="en-US" dirty="0"/>
+              <a:t>5</a:t>
+            </a:r>
+          </a:p>
+        </p:txBody>
+      </p:sp>
+      <p:pic>
+        <p:nvPicPr>
+          <p:cNvPr id="23" name="Picture 22" descr="A green board with text and numbers&#10;&#10;Description automatically generated">
+            <a:extLst>
+              <a:ext uri="{FF2B5EF4-FFF2-40B4-BE49-F238E27FC236}">
+                <a16:creationId xmlns:a16="http://schemas.microsoft.com/office/drawing/2014/main" id="{4EA56DFD-98D9-C83C-3B05-46B6F6C7D82F}"/>
+              </a:ext>
+            </a:extLst>
+          </p:cNvPr>
+          <p:cNvPicPr>
+            <a:picLocks noChangeAspect="1"/>
+          </p:cNvPicPr>
+          <p:nvPr/>
+        </p:nvPicPr>
+        <p:blipFill>
+          <a:blip r:embed="rId2"/>
+          <a:stretch>
+            <a:fillRect/>
+          </a:stretch>
+        </p:blipFill>
+        <p:spPr>
+          <a:xfrm>
+            <a:off x="6201714" y="1521325"/>
+            <a:ext cx="5801432" cy="2441680"/>
+          </a:xfrm>
+          <a:prstGeom prst="rect">
+            <a:avLst/>
+          </a:prstGeom>
+        </p:spPr>
+      </p:pic>
+      <mc:AlternateContent xmlns:mc="http://schemas.openxmlformats.org/markup-compatibility/2006">
+        <mc:Choice xmlns:a14="http://schemas.microsoft.com/office/drawing/2010/main" Requires="a14">
+          <p:sp>
+            <p:nvSpPr>
+              <p:cNvPr id="31" name="TextBox 30">
+                <a:extLst>
+                  <a:ext uri="{FF2B5EF4-FFF2-40B4-BE49-F238E27FC236}">
+                    <a16:creationId xmlns:a16="http://schemas.microsoft.com/office/drawing/2014/main" id="{6E1F1EFD-3881-CDC0-D71E-694FCCA973B8}"/>
+                  </a:ext>
+                </a:extLst>
+              </p:cNvPr>
+              <p:cNvSpPr txBox="1"/>
+              <p:nvPr/>
+            </p:nvSpPr>
+            <p:spPr>
+              <a:xfrm>
+                <a:off x="4894643" y="4172827"/>
+                <a:ext cx="4085510" cy="493981"/>
+              </a:xfrm>
+              <a:prstGeom prst="rect">
+                <a:avLst/>
+              </a:prstGeom>
+              <a:noFill/>
+            </p:spPr>
+            <p:txBody>
+              <a:bodyPr wrap="square" rtlCol="0">
+                <a:spAutoFit/>
+              </a:bodyPr>
+              <a:lstStyle/>
+              <a:p>
+                <a14:m>
+                  <m:oMath xmlns:m="http://schemas.openxmlformats.org/officeDocument/2006/math">
+                    <m:r>
+                      <a:rPr lang="en-US" i="1" smtClean="0">
+                        <a:latin typeface="Cambria Math" panose="02040503050406030204" pitchFamily="18" charset="0"/>
+                      </a:rPr>
+                      <m:t>𝑓𝑙𝑜𝑜𝑟</m:t>
+                    </m:r>
+                    <m:r>
+                      <a:rPr lang="en-US" i="1" smtClean="0">
+                        <a:latin typeface="Cambria Math" panose="02040503050406030204" pitchFamily="18" charset="0"/>
+                      </a:rPr>
+                      <m:t>(</m:t>
+                    </m:r>
+                    <m:f>
+                      <m:fPr>
+                        <m:ctrlPr>
+                          <a:rPr lang="en-US" i="1">
+                            <a:latin typeface="Cambria Math" panose="02040503050406030204" pitchFamily="18" charset="0"/>
+                          </a:rPr>
+                        </m:ctrlPr>
+                      </m:fPr>
+                      <m:num>
+                        <m:r>
+                          <a:rPr lang="en-US" i="1">
+                            <a:latin typeface="Cambria Math" panose="02040503050406030204" pitchFamily="18" charset="0"/>
+                          </a:rPr>
+                          <m:t>𝑁</m:t>
+                        </m:r>
+                        <m:r>
+                          <a:rPr lang="en-US" i="1">
+                            <a:latin typeface="Cambria Math" panose="02040503050406030204" pitchFamily="18" charset="0"/>
+                          </a:rPr>
+                          <m:t>+2</m:t>
+                        </m:r>
+                        <m:r>
+                          <a:rPr lang="en-US" i="1">
+                            <a:latin typeface="Cambria Math" panose="02040503050406030204" pitchFamily="18" charset="0"/>
+                          </a:rPr>
+                          <m:t>𝑝</m:t>
+                        </m:r>
+                        <m:r>
+                          <a:rPr lang="en-US" i="1">
+                            <a:latin typeface="Cambria Math" panose="02040503050406030204" pitchFamily="18" charset="0"/>
+                          </a:rPr>
+                          <m:t> −</m:t>
+                        </m:r>
+                        <m:r>
+                          <a:rPr lang="en-US" i="1">
+                            <a:latin typeface="Cambria Math" panose="02040503050406030204" pitchFamily="18" charset="0"/>
+                          </a:rPr>
+                          <m:t>𝑓</m:t>
+                        </m:r>
+                      </m:num>
+                      <m:den>
+                        <m:r>
+                          <a:rPr lang="en-US" i="1">
+                            <a:latin typeface="Cambria Math" panose="02040503050406030204" pitchFamily="18" charset="0"/>
+                          </a:rPr>
+                          <m:t>𝑠</m:t>
+                        </m:r>
+                      </m:den>
+                    </m:f>
+                    <m:r>
+                      <a:rPr lang="en-US" i="1">
+                        <a:latin typeface="Cambria Math" panose="02040503050406030204" pitchFamily="18" charset="0"/>
+                      </a:rPr>
+                      <m:t>) </m:t>
+                    </m:r>
+                  </m:oMath>
+                </a14:m>
+                <a:r>
+                  <a:rPr lang="en-US" dirty="0"/>
+                  <a:t>+ 1= </a:t>
+                </a:r>
+                <a14:m>
+                  <m:oMath xmlns:m="http://schemas.openxmlformats.org/officeDocument/2006/math">
+                    <m:f>
+                      <m:fPr>
+                        <m:ctrlPr>
+                          <a:rPr lang="en-US" i="1" smtClean="0">
+                            <a:latin typeface="Cambria Math" panose="02040503050406030204" pitchFamily="18" charset="0"/>
+                          </a:rPr>
+                        </m:ctrlPr>
+                      </m:fPr>
+                      <m:num>
+                        <m:r>
+                          <a:rPr lang="en-US" b="0" i="1" smtClean="0">
+                            <a:latin typeface="Cambria Math" panose="02040503050406030204" pitchFamily="18" charset="0"/>
+                          </a:rPr>
+                          <m:t>177+0</m:t>
+                        </m:r>
+                        <m:r>
+                          <a:rPr lang="en-US" b="0" i="1" smtClean="0">
+                            <a:latin typeface="Cambria Math" panose="02040503050406030204" pitchFamily="18" charset="0"/>
+                          </a:rPr>
+                          <m:t>−</m:t>
+                        </m:r>
+                        <m:r>
+                          <a:rPr lang="en-US" b="0" i="1" smtClean="0">
+                            <a:latin typeface="Cambria Math" panose="02040503050406030204" pitchFamily="18" charset="0"/>
+                          </a:rPr>
+                          <m:t>5</m:t>
+                        </m:r>
+                      </m:num>
+                      <m:den>
+                        <m:r>
+                          <a:rPr lang="en-US" b="0" i="1" smtClean="0">
+                            <a:latin typeface="Cambria Math" panose="02040503050406030204" pitchFamily="18" charset="0"/>
+                          </a:rPr>
+                          <m:t>5</m:t>
+                        </m:r>
+                      </m:den>
+                    </m:f>
+                    <m:r>
+                      <a:rPr lang="en-US" b="0" i="1" smtClean="0">
+                        <a:latin typeface="Cambria Math" panose="02040503050406030204" pitchFamily="18" charset="0"/>
+                      </a:rPr>
+                      <m:t>+1</m:t>
+                    </m:r>
+                  </m:oMath>
+                </a14:m>
+                <a:r>
+                  <a:rPr lang="en-US" dirty="0"/>
+                  <a:t> = 35</a:t>
+                </a:r>
+              </a:p>
+            </p:txBody>
+          </p:sp>
+        </mc:Choice>
+        <mc:Fallback>
+          <p:sp>
+            <p:nvSpPr>
+              <p:cNvPr id="31" name="TextBox 30">
+                <a:extLst>
+                  <a:ext uri="{FF2B5EF4-FFF2-40B4-BE49-F238E27FC236}">
+                    <a16:creationId xmlns:a16="http://schemas.microsoft.com/office/drawing/2014/main" id="{6E1F1EFD-3881-CDC0-D71E-694FCCA973B8}"/>
+                  </a:ext>
+                </a:extLst>
+              </p:cNvPr>
+              <p:cNvSpPr txBox="1">
+                <a:spLocks noRot="1" noChangeAspect="1" noMove="1" noResize="1" noEditPoints="1" noAdjustHandles="1" noChangeArrowheads="1" noChangeShapeType="1" noTextEdit="1"/>
+              </p:cNvSpPr>
+              <p:nvPr/>
+            </p:nvSpPr>
+            <p:spPr>
+              <a:xfrm>
+                <a:off x="4894643" y="4172827"/>
+                <a:ext cx="4085510" cy="493981"/>
+              </a:xfrm>
+              <a:prstGeom prst="rect">
+                <a:avLst/>
+              </a:prstGeom>
+              <a:blipFill>
+                <a:blip r:embed="rId3"/>
+                <a:stretch>
+                  <a:fillRect l="-310" b="-7500"/>
+                </a:stretch>
+              </a:blipFill>
+            </p:spPr>
+            <p:txBody>
+              <a:bodyPr/>
+              <a:lstStyle/>
+              <a:p>
+                <a:r>
+                  <a:rPr lang="en-US">
+                    <a:noFill/>
+                  </a:rPr>
+                  <a:t> </a:t>
+                </a:r>
+              </a:p>
+            </p:txBody>
+          </p:sp>
+        </mc:Fallback>
+      </mc:AlternateContent>
+      <p:cxnSp>
+        <p:nvCxnSpPr>
+          <p:cNvPr id="33" name="Straight Arrow Connector 32">
+            <a:extLst>
+              <a:ext uri="{FF2B5EF4-FFF2-40B4-BE49-F238E27FC236}">
+                <a16:creationId xmlns:a16="http://schemas.microsoft.com/office/drawing/2014/main" id="{37BD0971-F8CF-0AF0-BD23-7C62DD0BE9B6}"/>
+              </a:ext>
+            </a:extLst>
+          </p:cNvPr>
+          <p:cNvCxnSpPr>
+            <a:cxnSpLocks/>
+          </p:cNvCxnSpPr>
+          <p:nvPr/>
+        </p:nvCxnSpPr>
+        <p:spPr>
+          <a:xfrm flipV="1">
+            <a:off x="8603273" y="2452147"/>
+            <a:ext cx="598335" cy="1760425"/>
+          </a:xfrm>
+          <a:prstGeom prst="straightConnector1">
+            <a:avLst/>
+          </a:prstGeom>
+          <a:ln w="63500">
+            <a:solidFill>
+              <a:srgbClr val="FF0000"/>
+            </a:solidFill>
+            <a:tailEnd type="triangle"/>
+          </a:ln>
+        </p:spPr>
+        <p:style>
+          <a:lnRef idx="1">
+            <a:schemeClr val="accent1"/>
+          </a:lnRef>
+          <a:fillRef idx="0">
+            <a:schemeClr val="accent1"/>
+          </a:fillRef>
+          <a:effectRef idx="0">
+            <a:schemeClr val="accent1"/>
+          </a:effectRef>
+          <a:fontRef idx="minor">
+            <a:schemeClr val="tx1"/>
+          </a:fontRef>
+        </p:style>
+      </p:cxnSp>
+      <p:cxnSp>
+        <p:nvCxnSpPr>
+          <p:cNvPr id="47" name="Straight Arrow Connector 46">
+            <a:extLst>
+              <a:ext uri="{FF2B5EF4-FFF2-40B4-BE49-F238E27FC236}">
+                <a16:creationId xmlns:a16="http://schemas.microsoft.com/office/drawing/2014/main" id="{FF6FFEFE-7E41-1DA9-095A-FD60D20D8F49}"/>
+              </a:ext>
+            </a:extLst>
+          </p:cNvPr>
+          <p:cNvCxnSpPr>
+            <a:cxnSpLocks/>
+          </p:cNvCxnSpPr>
+          <p:nvPr/>
+        </p:nvCxnSpPr>
+        <p:spPr>
+          <a:xfrm flipH="1" flipV="1">
+            <a:off x="9875594" y="2399900"/>
+            <a:ext cx="1210298" cy="2861322"/>
+          </a:xfrm>
+          <a:prstGeom prst="straightConnector1">
+            <a:avLst/>
+          </a:prstGeom>
+          <a:ln w="63500">
+            <a:solidFill>
+              <a:schemeClr val="accent4"/>
+            </a:solidFill>
+            <a:tailEnd type="triangle"/>
+          </a:ln>
+        </p:spPr>
+        <p:style>
+          <a:lnRef idx="1">
+            <a:schemeClr val="accent1"/>
+          </a:lnRef>
+          <a:fillRef idx="0">
+            <a:schemeClr val="accent1"/>
+          </a:fillRef>
+          <a:effectRef idx="0">
+            <a:schemeClr val="accent1"/>
+          </a:effectRef>
+          <a:fontRef idx="minor">
+            <a:schemeClr val="tx1"/>
+          </a:fontRef>
+        </p:style>
+      </p:cxnSp>
+      <p:sp>
+        <p:nvSpPr>
+          <p:cNvPr id="49" name="TextBox 48">
+            <a:extLst>
+              <a:ext uri="{FF2B5EF4-FFF2-40B4-BE49-F238E27FC236}">
+                <a16:creationId xmlns:a16="http://schemas.microsoft.com/office/drawing/2014/main" id="{E9572DD8-A613-C657-45A6-CABD53EDBFD9}"/>
+              </a:ext>
+            </a:extLst>
+          </p:cNvPr>
+          <p:cNvSpPr txBox="1"/>
+          <p:nvPr/>
+        </p:nvSpPr>
+        <p:spPr>
+          <a:xfrm>
+            <a:off x="2850828" y="5737519"/>
+            <a:ext cx="856325" cy="369332"/>
+          </a:xfrm>
+          <a:prstGeom prst="rect">
+            <a:avLst/>
+          </a:prstGeom>
+          <a:noFill/>
+        </p:spPr>
+        <p:txBody>
+          <a:bodyPr wrap="none" rtlCol="0">
+            <a:spAutoFit/>
+          </a:bodyPr>
+          <a:lstStyle/>
+          <a:p>
+            <a:r>
+              <a:rPr lang="en-US" dirty="0"/>
+              <a:t>Output</a:t>
+            </a:r>
+          </a:p>
+        </p:txBody>
+      </p:sp>
+      <p:cxnSp>
+        <p:nvCxnSpPr>
+          <p:cNvPr id="50" name="Straight Arrow Connector 49">
+            <a:extLst>
+              <a:ext uri="{FF2B5EF4-FFF2-40B4-BE49-F238E27FC236}">
+                <a16:creationId xmlns:a16="http://schemas.microsoft.com/office/drawing/2014/main" id="{CEE4EFB6-A71F-28B1-E07D-CDAC73731152}"/>
+              </a:ext>
+            </a:extLst>
+          </p:cNvPr>
+          <p:cNvCxnSpPr>
+            <a:cxnSpLocks/>
+          </p:cNvCxnSpPr>
+          <p:nvPr/>
+        </p:nvCxnSpPr>
+        <p:spPr>
+          <a:xfrm flipH="1" flipV="1">
+            <a:off x="336759" y="3843240"/>
+            <a:ext cx="1526789" cy="521567"/>
+          </a:xfrm>
+          <a:prstGeom prst="straightConnector1">
+            <a:avLst/>
+          </a:prstGeom>
+          <a:ln w="38100">
+            <a:solidFill>
+              <a:schemeClr val="tx1"/>
+            </a:solidFill>
+            <a:tailEnd type="triangle"/>
+          </a:ln>
+        </p:spPr>
+        <p:style>
+          <a:lnRef idx="1">
+            <a:schemeClr val="accent1"/>
+          </a:lnRef>
+          <a:fillRef idx="0">
+            <a:schemeClr val="accent1"/>
+          </a:fillRef>
+          <a:effectRef idx="0">
+            <a:schemeClr val="accent1"/>
+          </a:effectRef>
+          <a:fontRef idx="minor">
+            <a:schemeClr val="tx1"/>
+          </a:fontRef>
+        </p:style>
+      </p:cxnSp>
+      <p:sp>
+        <p:nvSpPr>
+          <p:cNvPr id="52" name="Frame 51">
+            <a:extLst>
+              <a:ext uri="{FF2B5EF4-FFF2-40B4-BE49-F238E27FC236}">
+                <a16:creationId xmlns:a16="http://schemas.microsoft.com/office/drawing/2014/main" id="{AC2B55BB-EDCA-F9FD-0F28-3F0666B0F796}"/>
+              </a:ext>
+            </a:extLst>
+          </p:cNvPr>
+          <p:cNvSpPr/>
+          <p:nvPr/>
+        </p:nvSpPr>
+        <p:spPr>
+          <a:xfrm>
+            <a:off x="9201608" y="2089014"/>
+            <a:ext cx="387302" cy="287488"/>
+          </a:xfrm>
+          <a:prstGeom prst="frame">
+            <a:avLst>
+              <a:gd name="adj1" fmla="val 3490"/>
+            </a:avLst>
+          </a:prstGeom>
+          <a:solidFill>
+            <a:srgbClr val="7030A0"/>
+          </a:solidFill>
+          <a:ln>
+            <a:solidFill>
+              <a:schemeClr val="tx1"/>
+            </a:solidFill>
+          </a:ln>
+        </p:spPr>
+        <p:style>
+          <a:lnRef idx="2">
+            <a:schemeClr val="accent1">
+              <a:shade val="15000"/>
+            </a:schemeClr>
+          </a:lnRef>
+          <a:fillRef idx="1">
+            <a:schemeClr val="accent1"/>
+          </a:fillRef>
+          <a:effectRef idx="0">
+            <a:schemeClr val="accent1"/>
+          </a:effectRef>
+          <a:fontRef idx="minor">
+            <a:schemeClr val="lt1"/>
+          </a:fontRef>
+        </p:style>
+        <p:txBody>
+          <a:bodyPr rtlCol="0" anchor="ctr"/>
+          <a:lstStyle/>
+          <a:p>
+            <a:pPr algn="ctr"/>
+            <a:endParaRPr lang="en-US">
+              <a:solidFill>
+                <a:schemeClr val="tx1"/>
+              </a:solidFill>
+            </a:endParaRPr>
+          </a:p>
+        </p:txBody>
+      </p:sp>
+      <p:sp>
+        <p:nvSpPr>
+          <p:cNvPr id="54" name="Frame 53">
+            <a:extLst>
+              <a:ext uri="{FF2B5EF4-FFF2-40B4-BE49-F238E27FC236}">
+                <a16:creationId xmlns:a16="http://schemas.microsoft.com/office/drawing/2014/main" id="{F4907347-5E14-1A32-F973-802846EA5E24}"/>
+              </a:ext>
+            </a:extLst>
+          </p:cNvPr>
+          <p:cNvSpPr/>
+          <p:nvPr/>
+        </p:nvSpPr>
+        <p:spPr>
+          <a:xfrm>
+            <a:off x="9548996" y="2128102"/>
+            <a:ext cx="326598" cy="209313"/>
+          </a:xfrm>
+          <a:prstGeom prst="frame">
+            <a:avLst>
+              <a:gd name="adj1" fmla="val 3490"/>
+            </a:avLst>
+          </a:prstGeom>
+          <a:solidFill>
+            <a:srgbClr val="7030A0"/>
+          </a:solidFill>
+          <a:ln>
+            <a:solidFill>
+              <a:schemeClr val="tx1"/>
+            </a:solidFill>
+          </a:ln>
+        </p:spPr>
+        <p:style>
+          <a:lnRef idx="2">
+            <a:schemeClr val="accent1">
+              <a:shade val="15000"/>
+            </a:schemeClr>
+          </a:lnRef>
+          <a:fillRef idx="1">
+            <a:schemeClr val="accent1"/>
+          </a:fillRef>
+          <a:effectRef idx="0">
+            <a:schemeClr val="accent1"/>
+          </a:effectRef>
+          <a:fontRef idx="minor">
+            <a:schemeClr val="lt1"/>
+          </a:fontRef>
+        </p:style>
+        <p:txBody>
+          <a:bodyPr rtlCol="0" anchor="ctr"/>
+          <a:lstStyle/>
+          <a:p>
+            <a:pPr algn="ctr"/>
+            <a:endParaRPr lang="en-US">
+              <a:solidFill>
+                <a:schemeClr val="tx1"/>
+              </a:solidFill>
+            </a:endParaRPr>
+          </a:p>
+        </p:txBody>
+      </p:sp>
+      <p:sp>
+        <p:nvSpPr>
+          <p:cNvPr id="55" name="TextBox 54">
+            <a:extLst>
+              <a:ext uri="{FF2B5EF4-FFF2-40B4-BE49-F238E27FC236}">
+                <a16:creationId xmlns:a16="http://schemas.microsoft.com/office/drawing/2014/main" id="{3CFEC4AB-F3BB-3388-8C68-B9C4E32AD4A6}"/>
+              </a:ext>
+            </a:extLst>
+          </p:cNvPr>
+          <p:cNvSpPr txBox="1"/>
+          <p:nvPr/>
+        </p:nvSpPr>
+        <p:spPr>
+          <a:xfrm>
+            <a:off x="-41085" y="4682967"/>
+            <a:ext cx="834132" cy="923330"/>
+          </a:xfrm>
+          <a:prstGeom prst="rect">
+            <a:avLst/>
+          </a:prstGeom>
+          <a:noFill/>
+        </p:spPr>
+        <p:txBody>
+          <a:bodyPr wrap="square" rtlCol="0">
+            <a:spAutoFit/>
+          </a:bodyPr>
+          <a:lstStyle/>
+          <a:p>
+            <a:r>
+              <a:rPr lang="en-US" dirty="0"/>
+              <a:t>Max Pool layer</a:t>
+            </a:r>
+          </a:p>
+        </p:txBody>
+      </p:sp>
+      <p:sp>
+        <p:nvSpPr>
+          <p:cNvPr id="5" name="Rectangle 4">
+            <a:extLst>
+              <a:ext uri="{FF2B5EF4-FFF2-40B4-BE49-F238E27FC236}">
+                <a16:creationId xmlns:a16="http://schemas.microsoft.com/office/drawing/2014/main" id="{CE3579DE-83B9-C64A-B35A-F5EF1ABD177B}"/>
+              </a:ext>
+            </a:extLst>
+          </p:cNvPr>
+          <p:cNvSpPr/>
+          <p:nvPr/>
+        </p:nvSpPr>
+        <p:spPr>
+          <a:xfrm>
+            <a:off x="701113" y="4594430"/>
+            <a:ext cx="557593" cy="530724"/>
+          </a:xfrm>
+          <a:prstGeom prst="rect">
+            <a:avLst/>
+          </a:prstGeom>
+          <a:solidFill>
+            <a:srgbClr val="FFFF00"/>
+          </a:solidFill>
+          <a:ln>
+            <a:solidFill>
+              <a:schemeClr val="tx1"/>
+            </a:solidFill>
+          </a:ln>
+        </p:spPr>
+        <p:style>
+          <a:lnRef idx="2">
+            <a:schemeClr val="accent1">
+              <a:shade val="15000"/>
+            </a:schemeClr>
+          </a:lnRef>
+          <a:fillRef idx="1">
+            <a:schemeClr val="accent1"/>
+          </a:fillRef>
+          <a:effectRef idx="0">
+            <a:schemeClr val="accent1"/>
+          </a:effectRef>
+          <a:fontRef idx="minor">
+            <a:schemeClr val="lt1"/>
+          </a:fontRef>
+        </p:style>
+        <p:txBody>
+          <a:bodyPr rtlCol="0" anchor="ctr"/>
+          <a:lstStyle/>
+          <a:p>
+            <a:pPr algn="ctr"/>
+            <a:endParaRPr lang="en-US"/>
+          </a:p>
+        </p:txBody>
+      </p:sp>
+      <p:sp>
+        <p:nvSpPr>
+          <p:cNvPr id="6" name="TextBox 5">
+            <a:extLst>
+              <a:ext uri="{FF2B5EF4-FFF2-40B4-BE49-F238E27FC236}">
+                <a16:creationId xmlns:a16="http://schemas.microsoft.com/office/drawing/2014/main" id="{60D70630-74AF-4F4D-24D1-C3EDA8FD0639}"/>
+              </a:ext>
+            </a:extLst>
+          </p:cNvPr>
+          <p:cNvSpPr txBox="1"/>
+          <p:nvPr/>
+        </p:nvSpPr>
+        <p:spPr>
+          <a:xfrm>
+            <a:off x="1304625" y="4685316"/>
+            <a:ext cx="443886" cy="369332"/>
+          </a:xfrm>
+          <a:prstGeom prst="rect">
+            <a:avLst/>
+          </a:prstGeom>
+          <a:noFill/>
+        </p:spPr>
+        <p:txBody>
+          <a:bodyPr wrap="square" rtlCol="0">
+            <a:spAutoFit/>
+          </a:bodyPr>
+          <a:lstStyle/>
+          <a:p>
+            <a:r>
+              <a:rPr lang="en-US" dirty="0"/>
+              <a:t>5</a:t>
+            </a:r>
+          </a:p>
+        </p:txBody>
+      </p:sp>
+      <p:sp>
+        <p:nvSpPr>
+          <p:cNvPr id="8" name="Cube 7">
+            <a:extLst>
+              <a:ext uri="{FF2B5EF4-FFF2-40B4-BE49-F238E27FC236}">
+                <a16:creationId xmlns:a16="http://schemas.microsoft.com/office/drawing/2014/main" id="{E33E6BEC-9D4F-9EAB-E1F6-0B9C3644F0A6}"/>
+              </a:ext>
+            </a:extLst>
+          </p:cNvPr>
+          <p:cNvSpPr/>
+          <p:nvPr/>
+        </p:nvSpPr>
+        <p:spPr>
+          <a:xfrm>
+            <a:off x="-26454" y="3513608"/>
+            <a:ext cx="2611305" cy="329632"/>
+          </a:xfrm>
+          <a:prstGeom prst="cube">
+            <a:avLst/>
+          </a:prstGeom>
+        </p:spPr>
+        <p:style>
+          <a:lnRef idx="2">
+            <a:schemeClr val="accent1">
+              <a:shade val="15000"/>
+            </a:schemeClr>
+          </a:lnRef>
+          <a:fillRef idx="1">
+            <a:schemeClr val="accent1"/>
+          </a:fillRef>
+          <a:effectRef idx="0">
+            <a:schemeClr val="accent1"/>
+          </a:effectRef>
+          <a:fontRef idx="minor">
+            <a:schemeClr val="lt1"/>
+          </a:fontRef>
+        </p:style>
+        <p:txBody>
+          <a:bodyPr rtlCol="0" anchor="ctr"/>
+          <a:lstStyle/>
+          <a:p>
+            <a:pPr algn="ctr"/>
+            <a:endParaRPr lang="en-US"/>
+          </a:p>
+        </p:txBody>
+      </p:sp>
+      <p:sp>
+        <p:nvSpPr>
+          <p:cNvPr id="11" name="TextBox 10">
+            <a:extLst>
+              <a:ext uri="{FF2B5EF4-FFF2-40B4-BE49-F238E27FC236}">
+                <a16:creationId xmlns:a16="http://schemas.microsoft.com/office/drawing/2014/main" id="{C9B5BE87-2CEA-C76E-CEC8-25563A209176}"/>
+              </a:ext>
+            </a:extLst>
+          </p:cNvPr>
+          <p:cNvSpPr txBox="1"/>
+          <p:nvPr/>
+        </p:nvSpPr>
+        <p:spPr>
+          <a:xfrm>
+            <a:off x="892020" y="3843240"/>
+            <a:ext cx="535724" cy="369332"/>
+          </a:xfrm>
+          <a:prstGeom prst="rect">
+            <a:avLst/>
+          </a:prstGeom>
+          <a:noFill/>
+        </p:spPr>
+        <p:txBody>
+          <a:bodyPr wrap="none" rtlCol="0">
+            <a:spAutoFit/>
+          </a:bodyPr>
+          <a:lstStyle/>
+          <a:p>
+            <a:r>
+              <a:rPr lang="en-US" dirty="0"/>
+              <a:t>177</a:t>
+            </a:r>
+          </a:p>
+        </p:txBody>
+      </p:sp>
+      <p:sp>
+        <p:nvSpPr>
+          <p:cNvPr id="12" name="TextBox 11">
+            <a:extLst>
+              <a:ext uri="{FF2B5EF4-FFF2-40B4-BE49-F238E27FC236}">
+                <a16:creationId xmlns:a16="http://schemas.microsoft.com/office/drawing/2014/main" id="{BF7B75BC-B181-E7D5-D48F-31CE033166D5}"/>
+              </a:ext>
+            </a:extLst>
+          </p:cNvPr>
+          <p:cNvSpPr txBox="1"/>
+          <p:nvPr/>
+        </p:nvSpPr>
+        <p:spPr>
+          <a:xfrm>
+            <a:off x="2584851" y="3513608"/>
+            <a:ext cx="654908" cy="369332"/>
+          </a:xfrm>
+          <a:prstGeom prst="rect">
+            <a:avLst/>
+          </a:prstGeom>
+          <a:noFill/>
+        </p:spPr>
+        <p:txBody>
+          <a:bodyPr wrap="square" rtlCol="0">
+            <a:spAutoFit/>
+          </a:bodyPr>
+          <a:lstStyle/>
+          <a:p>
+            <a:r>
+              <a:rPr lang="en-US" dirty="0"/>
+              <a:t>1</a:t>
+            </a:r>
+          </a:p>
+        </p:txBody>
+      </p:sp>
+      <p:sp>
+        <p:nvSpPr>
+          <p:cNvPr id="13" name="Cube 12">
+            <a:extLst>
+              <a:ext uri="{FF2B5EF4-FFF2-40B4-BE49-F238E27FC236}">
+                <a16:creationId xmlns:a16="http://schemas.microsoft.com/office/drawing/2014/main" id="{D96EE858-57F2-185C-D654-746C10BC9FB2}"/>
+              </a:ext>
+            </a:extLst>
+          </p:cNvPr>
+          <p:cNvSpPr/>
+          <p:nvPr/>
+        </p:nvSpPr>
+        <p:spPr>
+          <a:xfrm>
+            <a:off x="340232" y="2926968"/>
+            <a:ext cx="2611305" cy="329632"/>
+          </a:xfrm>
+          <a:prstGeom prst="cube">
+            <a:avLst/>
+          </a:prstGeom>
+        </p:spPr>
+        <p:style>
+          <a:lnRef idx="2">
+            <a:schemeClr val="accent1">
+              <a:shade val="15000"/>
+            </a:schemeClr>
+          </a:lnRef>
+          <a:fillRef idx="1">
+            <a:schemeClr val="accent1"/>
+          </a:fillRef>
+          <a:effectRef idx="0">
+            <a:schemeClr val="accent1"/>
+          </a:effectRef>
+          <a:fontRef idx="minor">
+            <a:schemeClr val="lt1"/>
+          </a:fontRef>
+        </p:style>
+        <p:txBody>
+          <a:bodyPr rtlCol="0" anchor="ctr"/>
+          <a:lstStyle/>
+          <a:p>
+            <a:pPr algn="ctr"/>
+            <a:endParaRPr lang="en-US"/>
+          </a:p>
+        </p:txBody>
+      </p:sp>
+      <p:sp>
+        <p:nvSpPr>
+          <p:cNvPr id="14" name="TextBox 13">
+            <a:extLst>
+              <a:ext uri="{FF2B5EF4-FFF2-40B4-BE49-F238E27FC236}">
+                <a16:creationId xmlns:a16="http://schemas.microsoft.com/office/drawing/2014/main" id="{9BFC2A04-5B52-8C78-8468-3E9DE171E164}"/>
+              </a:ext>
+            </a:extLst>
+          </p:cNvPr>
+          <p:cNvSpPr txBox="1"/>
+          <p:nvPr/>
+        </p:nvSpPr>
+        <p:spPr>
+          <a:xfrm>
+            <a:off x="1258706" y="3244243"/>
+            <a:ext cx="535724" cy="369332"/>
+          </a:xfrm>
+          <a:prstGeom prst="rect">
+            <a:avLst/>
+          </a:prstGeom>
+          <a:noFill/>
+        </p:spPr>
+        <p:txBody>
+          <a:bodyPr wrap="none" rtlCol="0">
+            <a:spAutoFit/>
+          </a:bodyPr>
+          <a:lstStyle/>
+          <a:p>
+            <a:r>
+              <a:rPr lang="en-US" dirty="0"/>
+              <a:t>177</a:t>
+            </a:r>
+          </a:p>
+        </p:txBody>
+      </p:sp>
+      <p:sp>
+        <p:nvSpPr>
+          <p:cNvPr id="15" name="TextBox 14">
+            <a:extLst>
+              <a:ext uri="{FF2B5EF4-FFF2-40B4-BE49-F238E27FC236}">
+                <a16:creationId xmlns:a16="http://schemas.microsoft.com/office/drawing/2014/main" id="{7A4F357B-84E8-0764-2DFF-61CA0F9E00C2}"/>
+              </a:ext>
+            </a:extLst>
+          </p:cNvPr>
+          <p:cNvSpPr txBox="1"/>
+          <p:nvPr/>
+        </p:nvSpPr>
+        <p:spPr>
+          <a:xfrm>
+            <a:off x="2951537" y="2926968"/>
+            <a:ext cx="654908" cy="369332"/>
+          </a:xfrm>
+          <a:prstGeom prst="rect">
+            <a:avLst/>
+          </a:prstGeom>
+          <a:noFill/>
+        </p:spPr>
+        <p:txBody>
+          <a:bodyPr wrap="square" rtlCol="0">
+            <a:spAutoFit/>
+          </a:bodyPr>
+          <a:lstStyle/>
+          <a:p>
+            <a:r>
+              <a:rPr lang="en-US" dirty="0"/>
+              <a:t>1</a:t>
+            </a:r>
+          </a:p>
+        </p:txBody>
+      </p:sp>
+      <p:sp>
+        <p:nvSpPr>
+          <p:cNvPr id="16" name="TextBox 15">
+            <a:extLst>
+              <a:ext uri="{FF2B5EF4-FFF2-40B4-BE49-F238E27FC236}">
+                <a16:creationId xmlns:a16="http://schemas.microsoft.com/office/drawing/2014/main" id="{CCE40117-77C6-D769-6C41-697F36E6AD22}"/>
+              </a:ext>
+            </a:extLst>
+          </p:cNvPr>
+          <p:cNvSpPr txBox="1"/>
+          <p:nvPr/>
+        </p:nvSpPr>
+        <p:spPr>
+          <a:xfrm>
+            <a:off x="1687337" y="2505579"/>
+            <a:ext cx="654907" cy="369332"/>
+          </a:xfrm>
+          <a:prstGeom prst="rect">
+            <a:avLst/>
+          </a:prstGeom>
+          <a:noFill/>
+        </p:spPr>
+        <p:txBody>
+          <a:bodyPr wrap="square" rtlCol="0">
+            <a:spAutoFit/>
+          </a:bodyPr>
+          <a:lstStyle/>
+          <a:p>
+            <a:r>
+              <a:rPr lang="en-US" dirty="0"/>
+              <a:t>…</a:t>
+            </a:r>
+          </a:p>
+        </p:txBody>
+      </p:sp>
+      <p:sp>
+        <p:nvSpPr>
+          <p:cNvPr id="17" name="Cube 16">
+            <a:extLst>
+              <a:ext uri="{FF2B5EF4-FFF2-40B4-BE49-F238E27FC236}">
+                <a16:creationId xmlns:a16="http://schemas.microsoft.com/office/drawing/2014/main" id="{F3CB330E-FD3F-3092-035F-A33E092FDF22}"/>
+              </a:ext>
+            </a:extLst>
+          </p:cNvPr>
+          <p:cNvSpPr/>
+          <p:nvPr/>
+        </p:nvSpPr>
+        <p:spPr>
+          <a:xfrm>
+            <a:off x="1258706" y="2083755"/>
+            <a:ext cx="2611305" cy="329632"/>
+          </a:xfrm>
+          <a:prstGeom prst="cube">
+            <a:avLst/>
+          </a:prstGeom>
+        </p:spPr>
+        <p:style>
+          <a:lnRef idx="2">
+            <a:schemeClr val="accent1">
+              <a:shade val="15000"/>
+            </a:schemeClr>
+          </a:lnRef>
+          <a:fillRef idx="1">
+            <a:schemeClr val="accent1"/>
+          </a:fillRef>
+          <a:effectRef idx="0">
+            <a:schemeClr val="accent1"/>
+          </a:effectRef>
+          <a:fontRef idx="minor">
+            <a:schemeClr val="lt1"/>
+          </a:fontRef>
+        </p:style>
+        <p:txBody>
+          <a:bodyPr rtlCol="0" anchor="ctr"/>
+          <a:lstStyle/>
+          <a:p>
+            <a:pPr algn="ctr"/>
+            <a:endParaRPr lang="en-US"/>
+          </a:p>
+        </p:txBody>
+      </p:sp>
+      <p:sp>
+        <p:nvSpPr>
+          <p:cNvPr id="21" name="TextBox 20">
+            <a:extLst>
+              <a:ext uri="{FF2B5EF4-FFF2-40B4-BE49-F238E27FC236}">
+                <a16:creationId xmlns:a16="http://schemas.microsoft.com/office/drawing/2014/main" id="{ABA8372E-828E-60D9-367D-6118FA8CB939}"/>
+              </a:ext>
+            </a:extLst>
+          </p:cNvPr>
+          <p:cNvSpPr txBox="1"/>
+          <p:nvPr/>
+        </p:nvSpPr>
+        <p:spPr>
+          <a:xfrm>
+            <a:off x="3870011" y="2083755"/>
+            <a:ext cx="654908" cy="369332"/>
+          </a:xfrm>
+          <a:prstGeom prst="rect">
+            <a:avLst/>
+          </a:prstGeom>
+          <a:noFill/>
+        </p:spPr>
+        <p:txBody>
+          <a:bodyPr wrap="square" rtlCol="0">
+            <a:spAutoFit/>
+          </a:bodyPr>
+          <a:lstStyle/>
+          <a:p>
+            <a:r>
+              <a:rPr lang="en-US" dirty="0"/>
+              <a:t>1</a:t>
+            </a:r>
+          </a:p>
+        </p:txBody>
+      </p:sp>
+      <p:sp>
+        <p:nvSpPr>
+          <p:cNvPr id="25" name="TextBox 24">
+            <a:extLst>
+              <a:ext uri="{FF2B5EF4-FFF2-40B4-BE49-F238E27FC236}">
+                <a16:creationId xmlns:a16="http://schemas.microsoft.com/office/drawing/2014/main" id="{936FD2BD-5E2D-4E4D-EE44-40769E8CE42F}"/>
+              </a:ext>
+            </a:extLst>
+          </p:cNvPr>
+          <p:cNvSpPr txBox="1"/>
+          <p:nvPr/>
+        </p:nvSpPr>
+        <p:spPr>
+          <a:xfrm>
+            <a:off x="2296496" y="2392175"/>
+            <a:ext cx="535724" cy="369332"/>
+          </a:xfrm>
+          <a:prstGeom prst="rect">
+            <a:avLst/>
+          </a:prstGeom>
+          <a:noFill/>
+        </p:spPr>
+        <p:txBody>
+          <a:bodyPr wrap="none" rtlCol="0">
+            <a:spAutoFit/>
+          </a:bodyPr>
+          <a:lstStyle/>
+          <a:p>
+            <a:r>
+              <a:rPr lang="en-US" dirty="0"/>
+              <a:t>177</a:t>
+            </a:r>
+          </a:p>
+        </p:txBody>
+      </p:sp>
+      <p:sp>
+        <p:nvSpPr>
+          <p:cNvPr id="30" name="Right Brace 29">
+            <a:extLst>
+              <a:ext uri="{FF2B5EF4-FFF2-40B4-BE49-F238E27FC236}">
+                <a16:creationId xmlns:a16="http://schemas.microsoft.com/office/drawing/2014/main" id="{505E767D-5394-6010-904F-58222F94CD73}"/>
+              </a:ext>
+            </a:extLst>
+          </p:cNvPr>
+          <p:cNvSpPr/>
+          <p:nvPr/>
+        </p:nvSpPr>
+        <p:spPr>
+          <a:xfrm>
+            <a:off x="4161705" y="2058279"/>
+            <a:ext cx="465195" cy="1942529"/>
+          </a:xfrm>
+          <a:prstGeom prst="rightBrace">
+            <a:avLst/>
+          </a:prstGeom>
+        </p:spPr>
+        <p:style>
+          <a:lnRef idx="1">
+            <a:schemeClr val="accent1"/>
+          </a:lnRef>
+          <a:fillRef idx="0">
+            <a:schemeClr val="accent1"/>
+          </a:fillRef>
+          <a:effectRef idx="0">
+            <a:schemeClr val="accent1"/>
+          </a:effectRef>
+          <a:fontRef idx="minor">
+            <a:schemeClr val="tx1"/>
+          </a:fontRef>
+        </p:style>
+        <p:txBody>
+          <a:bodyPr rtlCol="0" anchor="ctr"/>
+          <a:lstStyle/>
+          <a:p>
+            <a:pPr algn="ctr"/>
+            <a:endParaRPr lang="en-US"/>
+          </a:p>
+        </p:txBody>
+      </p:sp>
+      <p:sp>
+        <p:nvSpPr>
+          <p:cNvPr id="32" name="TextBox 31">
+            <a:extLst>
+              <a:ext uri="{FF2B5EF4-FFF2-40B4-BE49-F238E27FC236}">
+                <a16:creationId xmlns:a16="http://schemas.microsoft.com/office/drawing/2014/main" id="{566DF048-DB22-B742-5CE7-9AA36602DBE0}"/>
+              </a:ext>
+            </a:extLst>
+          </p:cNvPr>
+          <p:cNvSpPr txBox="1"/>
+          <p:nvPr/>
+        </p:nvSpPr>
+        <p:spPr>
+          <a:xfrm>
+            <a:off x="5127616" y="3017179"/>
+            <a:ext cx="418704" cy="369332"/>
+          </a:xfrm>
+          <a:prstGeom prst="rect">
+            <a:avLst/>
+          </a:prstGeom>
+          <a:noFill/>
+        </p:spPr>
+        <p:txBody>
+          <a:bodyPr wrap="none" rtlCol="0">
+            <a:spAutoFit/>
+          </a:bodyPr>
+          <a:lstStyle/>
+          <a:p>
+            <a:r>
+              <a:rPr lang="en-US" dirty="0"/>
+              <a:t>20</a:t>
+            </a:r>
+          </a:p>
+        </p:txBody>
+      </p:sp>
+      <p:sp>
+        <p:nvSpPr>
+          <p:cNvPr id="26" name="Cube 25">
+            <a:extLst>
+              <a:ext uri="{FF2B5EF4-FFF2-40B4-BE49-F238E27FC236}">
+                <a16:creationId xmlns:a16="http://schemas.microsoft.com/office/drawing/2014/main" id="{97C66362-6F46-8834-8D31-F9E781FA6833}"/>
+              </a:ext>
+            </a:extLst>
+          </p:cNvPr>
+          <p:cNvSpPr/>
+          <p:nvPr/>
+        </p:nvSpPr>
+        <p:spPr>
+          <a:xfrm>
+            <a:off x="-3622" y="3513608"/>
+            <a:ext cx="340381" cy="369332"/>
+          </a:xfrm>
+          <a:prstGeom prst="cube">
+            <a:avLst/>
+          </a:prstGeom>
+          <a:solidFill>
+            <a:srgbClr val="FFFF00">
+              <a:alpha val="0"/>
+            </a:srgbClr>
+          </a:solidFill>
+          <a:ln>
+            <a:solidFill>
+              <a:srgbClr val="FFFF00"/>
+            </a:solidFill>
+          </a:ln>
+        </p:spPr>
+        <p:style>
+          <a:lnRef idx="2">
+            <a:schemeClr val="accent1">
+              <a:shade val="15000"/>
+            </a:schemeClr>
+          </a:lnRef>
+          <a:fillRef idx="1">
+            <a:schemeClr val="accent1"/>
+          </a:fillRef>
+          <a:effectRef idx="0">
+            <a:schemeClr val="accent1"/>
+          </a:effectRef>
+          <a:fontRef idx="minor">
+            <a:schemeClr val="lt1"/>
+          </a:fontRef>
+        </p:style>
+        <p:txBody>
+          <a:bodyPr rtlCol="0" anchor="ctr"/>
+          <a:lstStyle/>
+          <a:p>
+            <a:pPr algn="ctr"/>
+            <a:endParaRPr lang="en-US" dirty="0">
+              <a:highlight>
+                <a:srgbClr val="FFFF00"/>
+              </a:highlight>
+            </a:endParaRPr>
+          </a:p>
+        </p:txBody>
+      </p:sp>
+      <p:sp>
+        <p:nvSpPr>
+          <p:cNvPr id="48" name="Cube 47">
+            <a:extLst>
+              <a:ext uri="{FF2B5EF4-FFF2-40B4-BE49-F238E27FC236}">
+                <a16:creationId xmlns:a16="http://schemas.microsoft.com/office/drawing/2014/main" id="{46C9DC29-AE24-A697-724A-729051857C36}"/>
+              </a:ext>
+            </a:extLst>
+          </p:cNvPr>
+          <p:cNvSpPr/>
+          <p:nvPr/>
+        </p:nvSpPr>
+        <p:spPr>
+          <a:xfrm>
+            <a:off x="333247" y="2926968"/>
+            <a:ext cx="340381" cy="369332"/>
+          </a:xfrm>
+          <a:prstGeom prst="cube">
+            <a:avLst/>
+          </a:prstGeom>
+          <a:solidFill>
+            <a:srgbClr val="FFFF00">
+              <a:alpha val="0"/>
+            </a:srgbClr>
+          </a:solidFill>
+          <a:ln>
+            <a:solidFill>
+              <a:srgbClr val="FFFF00"/>
+            </a:solidFill>
+          </a:ln>
+        </p:spPr>
+        <p:style>
+          <a:lnRef idx="2">
+            <a:schemeClr val="accent1">
+              <a:shade val="15000"/>
+            </a:schemeClr>
+          </a:lnRef>
+          <a:fillRef idx="1">
+            <a:schemeClr val="accent1"/>
+          </a:fillRef>
+          <a:effectRef idx="0">
+            <a:schemeClr val="accent1"/>
+          </a:effectRef>
+          <a:fontRef idx="minor">
+            <a:schemeClr val="lt1"/>
+          </a:fontRef>
+        </p:style>
+        <p:txBody>
+          <a:bodyPr rtlCol="0" anchor="ctr"/>
+          <a:lstStyle/>
+          <a:p>
+            <a:pPr algn="ctr"/>
+            <a:endParaRPr lang="en-US" dirty="0">
+              <a:highlight>
+                <a:srgbClr val="FFFF00"/>
+              </a:highlight>
+            </a:endParaRPr>
+          </a:p>
+        </p:txBody>
+      </p:sp>
+      <p:sp>
+        <p:nvSpPr>
+          <p:cNvPr id="51" name="Cube 50">
+            <a:extLst>
+              <a:ext uri="{FF2B5EF4-FFF2-40B4-BE49-F238E27FC236}">
+                <a16:creationId xmlns:a16="http://schemas.microsoft.com/office/drawing/2014/main" id="{369DB28A-9B7E-3710-6BBE-3489B37F5EA8}"/>
+              </a:ext>
+            </a:extLst>
+          </p:cNvPr>
+          <p:cNvSpPr/>
+          <p:nvPr/>
+        </p:nvSpPr>
+        <p:spPr>
+          <a:xfrm>
+            <a:off x="1253287" y="2090811"/>
+            <a:ext cx="340381" cy="369332"/>
+          </a:xfrm>
+          <a:prstGeom prst="cube">
+            <a:avLst/>
+          </a:prstGeom>
+          <a:solidFill>
+            <a:srgbClr val="FFFF00">
+              <a:alpha val="0"/>
+            </a:srgbClr>
+          </a:solidFill>
+          <a:ln>
+            <a:solidFill>
+              <a:srgbClr val="FFFF00"/>
+            </a:solidFill>
+          </a:ln>
+        </p:spPr>
+        <p:style>
+          <a:lnRef idx="2">
+            <a:schemeClr val="accent1">
+              <a:shade val="15000"/>
+            </a:schemeClr>
+          </a:lnRef>
+          <a:fillRef idx="1">
+            <a:schemeClr val="accent1"/>
+          </a:fillRef>
+          <a:effectRef idx="0">
+            <a:schemeClr val="accent1"/>
+          </a:effectRef>
+          <a:fontRef idx="minor">
+            <a:schemeClr val="lt1"/>
+          </a:fontRef>
+        </p:style>
+        <p:txBody>
+          <a:bodyPr rtlCol="0" anchor="ctr"/>
+          <a:lstStyle/>
+          <a:p>
+            <a:pPr algn="ctr"/>
+            <a:endParaRPr lang="en-US" dirty="0">
+              <a:highlight>
+                <a:srgbClr val="FFFF00"/>
+              </a:highlight>
+            </a:endParaRPr>
+          </a:p>
+        </p:txBody>
+      </p:sp>
+      <p:sp>
+        <p:nvSpPr>
+          <p:cNvPr id="53" name="TextBox 52">
+            <a:extLst>
+              <a:ext uri="{FF2B5EF4-FFF2-40B4-BE49-F238E27FC236}">
+                <a16:creationId xmlns:a16="http://schemas.microsoft.com/office/drawing/2014/main" id="{12D3C14D-419A-6FF9-E2E9-08D30BE00662}"/>
+              </a:ext>
+            </a:extLst>
+          </p:cNvPr>
+          <p:cNvSpPr txBox="1"/>
+          <p:nvPr/>
+        </p:nvSpPr>
+        <p:spPr>
+          <a:xfrm>
+            <a:off x="1976552" y="2040389"/>
+            <a:ext cx="654907" cy="369332"/>
+          </a:xfrm>
+          <a:prstGeom prst="rect">
+            <a:avLst/>
+          </a:prstGeom>
+          <a:noFill/>
+        </p:spPr>
+        <p:txBody>
+          <a:bodyPr wrap="square" rtlCol="0">
+            <a:spAutoFit/>
+          </a:bodyPr>
+          <a:lstStyle/>
+          <a:p>
+            <a:r>
+              <a:rPr lang="en-US" dirty="0"/>
+              <a:t>…</a:t>
+            </a:r>
+          </a:p>
+        </p:txBody>
+      </p:sp>
+      <p:sp>
+        <p:nvSpPr>
+          <p:cNvPr id="56" name="TextBox 55">
+            <a:extLst>
+              <a:ext uri="{FF2B5EF4-FFF2-40B4-BE49-F238E27FC236}">
+                <a16:creationId xmlns:a16="http://schemas.microsoft.com/office/drawing/2014/main" id="{83848AB0-8410-ACDA-65C1-21D784AAA39D}"/>
+              </a:ext>
+            </a:extLst>
+          </p:cNvPr>
+          <p:cNvSpPr txBox="1"/>
+          <p:nvPr/>
+        </p:nvSpPr>
+        <p:spPr>
+          <a:xfrm>
+            <a:off x="1266214" y="2885648"/>
+            <a:ext cx="654907" cy="369332"/>
+          </a:xfrm>
+          <a:prstGeom prst="rect">
+            <a:avLst/>
+          </a:prstGeom>
+          <a:noFill/>
+        </p:spPr>
+        <p:txBody>
+          <a:bodyPr wrap="square" rtlCol="0">
+            <a:spAutoFit/>
+          </a:bodyPr>
+          <a:lstStyle/>
+          <a:p>
+            <a:r>
+              <a:rPr lang="en-US" dirty="0"/>
+              <a:t>…</a:t>
+            </a:r>
+          </a:p>
+        </p:txBody>
+      </p:sp>
+      <p:sp>
+        <p:nvSpPr>
+          <p:cNvPr id="57" name="TextBox 56">
+            <a:extLst>
+              <a:ext uri="{FF2B5EF4-FFF2-40B4-BE49-F238E27FC236}">
+                <a16:creationId xmlns:a16="http://schemas.microsoft.com/office/drawing/2014/main" id="{35369E90-6EA2-3653-B88C-660244EFE288}"/>
+              </a:ext>
+            </a:extLst>
+          </p:cNvPr>
+          <p:cNvSpPr txBox="1"/>
+          <p:nvPr/>
+        </p:nvSpPr>
+        <p:spPr>
+          <a:xfrm>
+            <a:off x="921039" y="3468822"/>
+            <a:ext cx="654907" cy="369332"/>
+          </a:xfrm>
+          <a:prstGeom prst="rect">
+            <a:avLst/>
+          </a:prstGeom>
+          <a:noFill/>
+        </p:spPr>
+        <p:txBody>
+          <a:bodyPr wrap="square" rtlCol="0">
+            <a:spAutoFit/>
+          </a:bodyPr>
+          <a:lstStyle/>
+          <a:p>
+            <a:r>
+              <a:rPr lang="en-US" dirty="0"/>
+              <a:t>…</a:t>
+            </a:r>
+          </a:p>
+        </p:txBody>
+      </p:sp>
+      <p:sp>
+        <p:nvSpPr>
+          <p:cNvPr id="58" name="Cube 57">
+            <a:extLst>
+              <a:ext uri="{FF2B5EF4-FFF2-40B4-BE49-F238E27FC236}">
+                <a16:creationId xmlns:a16="http://schemas.microsoft.com/office/drawing/2014/main" id="{BCC1B772-6A06-490D-5FC2-8BE759BD4464}"/>
+              </a:ext>
+            </a:extLst>
+          </p:cNvPr>
+          <p:cNvSpPr/>
+          <p:nvPr/>
+        </p:nvSpPr>
+        <p:spPr>
+          <a:xfrm>
+            <a:off x="2599130" y="2918748"/>
+            <a:ext cx="340381" cy="369332"/>
+          </a:xfrm>
+          <a:prstGeom prst="cube">
+            <a:avLst/>
+          </a:prstGeom>
+          <a:solidFill>
+            <a:srgbClr val="FFFF00">
+              <a:alpha val="0"/>
+            </a:srgbClr>
+          </a:solidFill>
+          <a:ln>
+            <a:solidFill>
+              <a:srgbClr val="FFFF00"/>
+            </a:solidFill>
+          </a:ln>
+        </p:spPr>
+        <p:style>
+          <a:lnRef idx="2">
+            <a:schemeClr val="accent1">
+              <a:shade val="15000"/>
+            </a:schemeClr>
+          </a:lnRef>
+          <a:fillRef idx="1">
+            <a:schemeClr val="accent1"/>
+          </a:fillRef>
+          <a:effectRef idx="0">
+            <a:schemeClr val="accent1"/>
+          </a:effectRef>
+          <a:fontRef idx="minor">
+            <a:schemeClr val="lt1"/>
+          </a:fontRef>
+        </p:style>
+        <p:txBody>
+          <a:bodyPr rtlCol="0" anchor="ctr"/>
+          <a:lstStyle/>
+          <a:p>
+            <a:pPr algn="ctr"/>
+            <a:endParaRPr lang="en-US" dirty="0">
+              <a:highlight>
+                <a:srgbClr val="FFFF00"/>
+              </a:highlight>
+            </a:endParaRPr>
+          </a:p>
+        </p:txBody>
+      </p:sp>
+      <p:sp>
+        <p:nvSpPr>
+          <p:cNvPr id="59" name="Cube 58">
+            <a:extLst>
+              <a:ext uri="{FF2B5EF4-FFF2-40B4-BE49-F238E27FC236}">
+                <a16:creationId xmlns:a16="http://schemas.microsoft.com/office/drawing/2014/main" id="{24F02639-E2C1-45DE-265F-35E86E7E4C05}"/>
+              </a:ext>
+            </a:extLst>
+          </p:cNvPr>
+          <p:cNvSpPr/>
+          <p:nvPr/>
+        </p:nvSpPr>
+        <p:spPr>
+          <a:xfrm>
+            <a:off x="3529630" y="2082815"/>
+            <a:ext cx="340381" cy="369332"/>
+          </a:xfrm>
+          <a:prstGeom prst="cube">
+            <a:avLst/>
+          </a:prstGeom>
+          <a:solidFill>
+            <a:srgbClr val="FFFF00">
+              <a:alpha val="0"/>
+            </a:srgbClr>
+          </a:solidFill>
+          <a:ln>
+            <a:solidFill>
+              <a:srgbClr val="FFFF00"/>
+            </a:solidFill>
+          </a:ln>
+        </p:spPr>
+        <p:style>
+          <a:lnRef idx="2">
+            <a:schemeClr val="accent1">
+              <a:shade val="15000"/>
+            </a:schemeClr>
+          </a:lnRef>
+          <a:fillRef idx="1">
+            <a:schemeClr val="accent1"/>
+          </a:fillRef>
+          <a:effectRef idx="0">
+            <a:schemeClr val="accent1"/>
+          </a:effectRef>
+          <a:fontRef idx="minor">
+            <a:schemeClr val="lt1"/>
+          </a:fontRef>
+        </p:style>
+        <p:txBody>
+          <a:bodyPr rtlCol="0" anchor="ctr"/>
+          <a:lstStyle/>
+          <a:p>
+            <a:pPr algn="ctr"/>
+            <a:endParaRPr lang="en-US" dirty="0">
+              <a:highlight>
+                <a:srgbClr val="FFFF00"/>
+              </a:highlight>
+            </a:endParaRPr>
+          </a:p>
+        </p:txBody>
+      </p:sp>
+      <p:sp>
+        <p:nvSpPr>
+          <p:cNvPr id="60" name="Cube 59">
+            <a:extLst>
+              <a:ext uri="{FF2B5EF4-FFF2-40B4-BE49-F238E27FC236}">
+                <a16:creationId xmlns:a16="http://schemas.microsoft.com/office/drawing/2014/main" id="{9DBC9ADE-1848-1B61-BE5E-5145D59A6196}"/>
+              </a:ext>
+            </a:extLst>
+          </p:cNvPr>
+          <p:cNvSpPr/>
+          <p:nvPr/>
+        </p:nvSpPr>
+        <p:spPr>
+          <a:xfrm>
+            <a:off x="2236962" y="3493516"/>
+            <a:ext cx="340381" cy="369332"/>
+          </a:xfrm>
+          <a:prstGeom prst="cube">
+            <a:avLst/>
+          </a:prstGeom>
+          <a:solidFill>
+            <a:srgbClr val="FFFF00">
+              <a:alpha val="0"/>
+            </a:srgbClr>
+          </a:solidFill>
+          <a:ln>
+            <a:solidFill>
+              <a:srgbClr val="FFFF00"/>
+            </a:solidFill>
+          </a:ln>
+        </p:spPr>
+        <p:style>
+          <a:lnRef idx="2">
+            <a:schemeClr val="accent1">
+              <a:shade val="15000"/>
+            </a:schemeClr>
+          </a:lnRef>
+          <a:fillRef idx="1">
+            <a:schemeClr val="accent1"/>
+          </a:fillRef>
+          <a:effectRef idx="0">
+            <a:schemeClr val="accent1"/>
+          </a:effectRef>
+          <a:fontRef idx="minor">
+            <a:schemeClr val="lt1"/>
+          </a:fontRef>
+        </p:style>
+        <p:txBody>
+          <a:bodyPr rtlCol="0" anchor="ctr"/>
+          <a:lstStyle/>
+          <a:p>
+            <a:pPr algn="ctr"/>
+            <a:endParaRPr lang="en-US" dirty="0">
+              <a:highlight>
+                <a:srgbClr val="FFFF00"/>
+              </a:highlight>
+            </a:endParaRPr>
+          </a:p>
+        </p:txBody>
+      </p:sp>
+      <p:sp>
+        <p:nvSpPr>
+          <p:cNvPr id="61" name="TextBox 60">
+            <a:extLst>
+              <a:ext uri="{FF2B5EF4-FFF2-40B4-BE49-F238E27FC236}">
+                <a16:creationId xmlns:a16="http://schemas.microsoft.com/office/drawing/2014/main" id="{C2D79A9A-B402-5C62-2CD9-DCEFAB03BD8A}"/>
+              </a:ext>
+            </a:extLst>
+          </p:cNvPr>
+          <p:cNvSpPr txBox="1"/>
+          <p:nvPr/>
+        </p:nvSpPr>
+        <p:spPr>
+          <a:xfrm>
+            <a:off x="232858" y="5562482"/>
+            <a:ext cx="1952027" cy="923330"/>
+          </a:xfrm>
+          <a:prstGeom prst="rect">
+            <a:avLst/>
+          </a:prstGeom>
+          <a:noFill/>
+        </p:spPr>
+        <p:txBody>
+          <a:bodyPr wrap="square" rtlCol="0">
+            <a:spAutoFit/>
+          </a:bodyPr>
+          <a:lstStyle/>
+          <a:p>
+            <a:r>
+              <a:rPr lang="en-US" dirty="0"/>
+              <a:t>Just takes the max in each 5x5 grid and </a:t>
+            </a:r>
+            <a:r>
+              <a:rPr lang="en-US" dirty="0" err="1"/>
+              <a:t>downsamples</a:t>
+            </a:r>
+            <a:endParaRPr lang="en-US" dirty="0"/>
+          </a:p>
+        </p:txBody>
+      </p:sp>
+      <p:cxnSp>
+        <p:nvCxnSpPr>
+          <p:cNvPr id="62" name="Straight Arrow Connector 61">
+            <a:extLst>
+              <a:ext uri="{FF2B5EF4-FFF2-40B4-BE49-F238E27FC236}">
+                <a16:creationId xmlns:a16="http://schemas.microsoft.com/office/drawing/2014/main" id="{7AEA946A-63A9-708C-707E-FDB6892D37DD}"/>
+              </a:ext>
+            </a:extLst>
+          </p:cNvPr>
+          <p:cNvCxnSpPr>
+            <a:cxnSpLocks/>
+          </p:cNvCxnSpPr>
+          <p:nvPr/>
+        </p:nvCxnSpPr>
+        <p:spPr>
+          <a:xfrm>
+            <a:off x="4161705" y="5922185"/>
+            <a:ext cx="2129616" cy="0"/>
+          </a:xfrm>
+          <a:prstGeom prst="straightConnector1">
+            <a:avLst/>
+          </a:prstGeom>
+          <a:ln w="38100">
+            <a:solidFill>
+              <a:schemeClr val="tx1"/>
+            </a:solidFill>
+            <a:tailEnd type="triangle"/>
+          </a:ln>
+        </p:spPr>
+        <p:style>
+          <a:lnRef idx="1">
+            <a:schemeClr val="accent1"/>
+          </a:lnRef>
+          <a:fillRef idx="0">
+            <a:schemeClr val="accent1"/>
+          </a:fillRef>
+          <a:effectRef idx="0">
+            <a:schemeClr val="accent1"/>
+          </a:effectRef>
+          <a:fontRef idx="minor">
+            <a:schemeClr val="tx1"/>
+          </a:fontRef>
+        </p:style>
+      </p:cxnSp>
+      <p:sp>
+        <p:nvSpPr>
+          <p:cNvPr id="64" name="Right Brace 63">
+            <a:extLst>
+              <a:ext uri="{FF2B5EF4-FFF2-40B4-BE49-F238E27FC236}">
+                <a16:creationId xmlns:a16="http://schemas.microsoft.com/office/drawing/2014/main" id="{2BAE433F-0497-5284-7156-5545E97253C3}"/>
+              </a:ext>
+            </a:extLst>
+          </p:cNvPr>
+          <p:cNvSpPr/>
+          <p:nvPr/>
+        </p:nvSpPr>
+        <p:spPr>
+          <a:xfrm>
+            <a:off x="9383497" y="4630169"/>
+            <a:ext cx="777206" cy="1942529"/>
+          </a:xfrm>
+          <a:prstGeom prst="rightBrace">
+            <a:avLst/>
+          </a:prstGeom>
+        </p:spPr>
+        <p:style>
+          <a:lnRef idx="1">
+            <a:schemeClr val="accent1"/>
+          </a:lnRef>
+          <a:fillRef idx="0">
+            <a:schemeClr val="accent1"/>
+          </a:fillRef>
+          <a:effectRef idx="0">
+            <a:schemeClr val="accent1"/>
+          </a:effectRef>
+          <a:fontRef idx="minor">
+            <a:schemeClr val="tx1"/>
+          </a:fontRef>
+        </p:style>
+        <p:txBody>
+          <a:bodyPr rtlCol="0" anchor="ctr"/>
+          <a:lstStyle/>
+          <a:p>
+            <a:pPr algn="ctr"/>
+            <a:endParaRPr lang="en-US"/>
+          </a:p>
+        </p:txBody>
+      </p:sp>
+      <p:sp>
+        <p:nvSpPr>
+          <p:cNvPr id="65" name="TextBox 64">
+            <a:extLst>
+              <a:ext uri="{FF2B5EF4-FFF2-40B4-BE49-F238E27FC236}">
+                <a16:creationId xmlns:a16="http://schemas.microsoft.com/office/drawing/2014/main" id="{A7AF9737-80E1-2D47-579A-AC913E0120EA}"/>
+              </a:ext>
+            </a:extLst>
+          </p:cNvPr>
+          <p:cNvSpPr txBox="1"/>
+          <p:nvPr/>
+        </p:nvSpPr>
+        <p:spPr>
+          <a:xfrm>
+            <a:off x="10940602" y="5323707"/>
+            <a:ext cx="418704" cy="369332"/>
+          </a:xfrm>
+          <a:prstGeom prst="rect">
+            <a:avLst/>
+          </a:prstGeom>
+          <a:noFill/>
+        </p:spPr>
+        <p:txBody>
+          <a:bodyPr wrap="none" rtlCol="0">
+            <a:spAutoFit/>
+          </a:bodyPr>
+          <a:lstStyle/>
+          <a:p>
+            <a:r>
+              <a:rPr lang="en-US" dirty="0"/>
+              <a:t>20</a:t>
+            </a:r>
+          </a:p>
+        </p:txBody>
+      </p:sp>
+      <p:sp>
+        <p:nvSpPr>
+          <p:cNvPr id="72" name="Cube 71">
+            <a:extLst>
+              <a:ext uri="{FF2B5EF4-FFF2-40B4-BE49-F238E27FC236}">
+                <a16:creationId xmlns:a16="http://schemas.microsoft.com/office/drawing/2014/main" id="{41A07111-4EA3-CB00-A5FB-91F7B4ECE14A}"/>
+              </a:ext>
+            </a:extLst>
+          </p:cNvPr>
+          <p:cNvSpPr/>
+          <p:nvPr/>
+        </p:nvSpPr>
+        <p:spPr>
+          <a:xfrm>
+            <a:off x="6769771" y="6083987"/>
+            <a:ext cx="1028073" cy="329632"/>
+          </a:xfrm>
+          <a:prstGeom prst="cube">
+            <a:avLst/>
+          </a:prstGeom>
+        </p:spPr>
+        <p:style>
+          <a:lnRef idx="2">
+            <a:schemeClr val="accent1">
+              <a:shade val="15000"/>
+            </a:schemeClr>
+          </a:lnRef>
+          <a:fillRef idx="1">
+            <a:schemeClr val="accent1"/>
+          </a:fillRef>
+          <a:effectRef idx="0">
+            <a:schemeClr val="accent1"/>
+          </a:effectRef>
+          <a:fontRef idx="minor">
+            <a:schemeClr val="lt1"/>
+          </a:fontRef>
+        </p:style>
+        <p:txBody>
+          <a:bodyPr rtlCol="0" anchor="ctr"/>
+          <a:lstStyle/>
+          <a:p>
+            <a:pPr algn="ctr"/>
+            <a:endParaRPr lang="en-US"/>
+          </a:p>
+        </p:txBody>
+      </p:sp>
+      <p:sp>
+        <p:nvSpPr>
+          <p:cNvPr id="73" name="TextBox 72">
+            <a:extLst>
+              <a:ext uri="{FF2B5EF4-FFF2-40B4-BE49-F238E27FC236}">
+                <a16:creationId xmlns:a16="http://schemas.microsoft.com/office/drawing/2014/main" id="{F3DC0155-E3DE-7557-DA93-5364010C1BE6}"/>
+              </a:ext>
+            </a:extLst>
+          </p:cNvPr>
+          <p:cNvSpPr txBox="1"/>
+          <p:nvPr/>
+        </p:nvSpPr>
+        <p:spPr>
+          <a:xfrm>
+            <a:off x="7896941" y="6064137"/>
+            <a:ext cx="654908" cy="369332"/>
+          </a:xfrm>
+          <a:prstGeom prst="rect">
+            <a:avLst/>
+          </a:prstGeom>
+          <a:noFill/>
+        </p:spPr>
+        <p:txBody>
+          <a:bodyPr wrap="square" rtlCol="0">
+            <a:spAutoFit/>
+          </a:bodyPr>
+          <a:lstStyle/>
+          <a:p>
+            <a:r>
+              <a:rPr lang="en-US" dirty="0"/>
+              <a:t>1</a:t>
+            </a:r>
+          </a:p>
+        </p:txBody>
+      </p:sp>
+      <p:sp>
+        <p:nvSpPr>
+          <p:cNvPr id="74" name="Cube 73">
+            <a:extLst>
+              <a:ext uri="{FF2B5EF4-FFF2-40B4-BE49-F238E27FC236}">
+                <a16:creationId xmlns:a16="http://schemas.microsoft.com/office/drawing/2014/main" id="{D90A9086-6BBB-2823-6EFD-17A6021806AE}"/>
+              </a:ext>
+            </a:extLst>
+          </p:cNvPr>
+          <p:cNvSpPr/>
+          <p:nvPr/>
+        </p:nvSpPr>
+        <p:spPr>
+          <a:xfrm>
+            <a:off x="7136457" y="5497347"/>
+            <a:ext cx="1028073" cy="329632"/>
+          </a:xfrm>
+          <a:prstGeom prst="cube">
+            <a:avLst/>
+          </a:prstGeom>
+        </p:spPr>
+        <p:style>
+          <a:lnRef idx="2">
+            <a:schemeClr val="accent1">
+              <a:shade val="15000"/>
+            </a:schemeClr>
+          </a:lnRef>
+          <a:fillRef idx="1">
+            <a:schemeClr val="accent1"/>
+          </a:fillRef>
+          <a:effectRef idx="0">
+            <a:schemeClr val="accent1"/>
+          </a:effectRef>
+          <a:fontRef idx="minor">
+            <a:schemeClr val="lt1"/>
+          </a:fontRef>
+        </p:style>
+        <p:txBody>
+          <a:bodyPr rtlCol="0" anchor="ctr"/>
+          <a:lstStyle/>
+          <a:p>
+            <a:pPr algn="ctr"/>
+            <a:endParaRPr lang="en-US"/>
+          </a:p>
+        </p:txBody>
+      </p:sp>
+      <p:sp>
+        <p:nvSpPr>
+          <p:cNvPr id="75" name="TextBox 74">
+            <a:extLst>
+              <a:ext uri="{FF2B5EF4-FFF2-40B4-BE49-F238E27FC236}">
+                <a16:creationId xmlns:a16="http://schemas.microsoft.com/office/drawing/2014/main" id="{0F03B59F-13BD-18AB-1CA1-1D8ADB95D5EB}"/>
+              </a:ext>
+            </a:extLst>
+          </p:cNvPr>
+          <p:cNvSpPr txBox="1"/>
+          <p:nvPr/>
+        </p:nvSpPr>
+        <p:spPr>
+          <a:xfrm>
+            <a:off x="7213941" y="5814622"/>
+            <a:ext cx="418704" cy="369332"/>
+          </a:xfrm>
+          <a:prstGeom prst="rect">
+            <a:avLst/>
+          </a:prstGeom>
+          <a:noFill/>
+        </p:spPr>
+        <p:txBody>
+          <a:bodyPr wrap="none" rtlCol="0">
+            <a:spAutoFit/>
+          </a:bodyPr>
+          <a:lstStyle/>
+          <a:p>
+            <a:r>
+              <a:rPr lang="en-US" dirty="0"/>
+              <a:t>35</a:t>
+            </a:r>
+          </a:p>
+        </p:txBody>
+      </p:sp>
+      <p:sp>
+        <p:nvSpPr>
+          <p:cNvPr id="76" name="TextBox 75">
+            <a:extLst>
+              <a:ext uri="{FF2B5EF4-FFF2-40B4-BE49-F238E27FC236}">
+                <a16:creationId xmlns:a16="http://schemas.microsoft.com/office/drawing/2014/main" id="{40CA8CD4-5208-371C-1371-EA1686C59211}"/>
+              </a:ext>
+            </a:extLst>
+          </p:cNvPr>
+          <p:cNvSpPr txBox="1"/>
+          <p:nvPr/>
+        </p:nvSpPr>
+        <p:spPr>
+          <a:xfrm>
+            <a:off x="8185580" y="5445290"/>
+            <a:ext cx="654908" cy="369332"/>
+          </a:xfrm>
+          <a:prstGeom prst="rect">
+            <a:avLst/>
+          </a:prstGeom>
+          <a:noFill/>
+        </p:spPr>
+        <p:txBody>
+          <a:bodyPr wrap="square" rtlCol="0">
+            <a:spAutoFit/>
+          </a:bodyPr>
+          <a:lstStyle/>
+          <a:p>
+            <a:r>
+              <a:rPr lang="en-US" dirty="0"/>
+              <a:t>1</a:t>
+            </a:r>
+          </a:p>
+        </p:txBody>
+      </p:sp>
+      <p:sp>
+        <p:nvSpPr>
+          <p:cNvPr id="77" name="TextBox 76">
+            <a:extLst>
+              <a:ext uri="{FF2B5EF4-FFF2-40B4-BE49-F238E27FC236}">
+                <a16:creationId xmlns:a16="http://schemas.microsoft.com/office/drawing/2014/main" id="{F283D982-D26D-C7CB-35D2-93EADB84C4BD}"/>
+              </a:ext>
+            </a:extLst>
+          </p:cNvPr>
+          <p:cNvSpPr txBox="1"/>
+          <p:nvPr/>
+        </p:nvSpPr>
+        <p:spPr>
+          <a:xfrm>
+            <a:off x="7642572" y="5075958"/>
+            <a:ext cx="654907" cy="369332"/>
+          </a:xfrm>
+          <a:prstGeom prst="rect">
+            <a:avLst/>
+          </a:prstGeom>
+          <a:noFill/>
+        </p:spPr>
+        <p:txBody>
+          <a:bodyPr wrap="square" rtlCol="0">
+            <a:spAutoFit/>
+          </a:bodyPr>
+          <a:lstStyle/>
+          <a:p>
+            <a:r>
+              <a:rPr lang="en-US" dirty="0"/>
+              <a:t>…</a:t>
+            </a:r>
+          </a:p>
+        </p:txBody>
+      </p:sp>
+      <p:sp>
+        <p:nvSpPr>
+          <p:cNvPr id="78" name="Cube 77">
+            <a:extLst>
+              <a:ext uri="{FF2B5EF4-FFF2-40B4-BE49-F238E27FC236}">
+                <a16:creationId xmlns:a16="http://schemas.microsoft.com/office/drawing/2014/main" id="{96F15AE1-49DB-D378-1A5A-C483C888F843}"/>
+              </a:ext>
+            </a:extLst>
+          </p:cNvPr>
+          <p:cNvSpPr/>
+          <p:nvPr/>
+        </p:nvSpPr>
+        <p:spPr>
+          <a:xfrm>
+            <a:off x="8054931" y="4654134"/>
+            <a:ext cx="1028073" cy="329632"/>
+          </a:xfrm>
+          <a:prstGeom prst="cube">
+            <a:avLst/>
+          </a:prstGeom>
+        </p:spPr>
+        <p:style>
+          <a:lnRef idx="2">
+            <a:schemeClr val="accent1">
+              <a:shade val="15000"/>
+            </a:schemeClr>
+          </a:lnRef>
+          <a:fillRef idx="1">
+            <a:schemeClr val="accent1"/>
+          </a:fillRef>
+          <a:effectRef idx="0">
+            <a:schemeClr val="accent1"/>
+          </a:effectRef>
+          <a:fontRef idx="minor">
+            <a:schemeClr val="lt1"/>
+          </a:fontRef>
+        </p:style>
+        <p:txBody>
+          <a:bodyPr rtlCol="0" anchor="ctr"/>
+          <a:lstStyle/>
+          <a:p>
+            <a:pPr algn="ctr"/>
+            <a:endParaRPr lang="en-US"/>
+          </a:p>
+        </p:txBody>
+      </p:sp>
+      <p:sp>
+        <p:nvSpPr>
+          <p:cNvPr id="79" name="TextBox 78">
+            <a:extLst>
+              <a:ext uri="{FF2B5EF4-FFF2-40B4-BE49-F238E27FC236}">
+                <a16:creationId xmlns:a16="http://schemas.microsoft.com/office/drawing/2014/main" id="{0E069A50-D544-8E74-1F97-AE50B0B4FE25}"/>
+              </a:ext>
+            </a:extLst>
+          </p:cNvPr>
+          <p:cNvSpPr txBox="1"/>
+          <p:nvPr/>
+        </p:nvSpPr>
+        <p:spPr>
+          <a:xfrm>
+            <a:off x="9146521" y="4666808"/>
+            <a:ext cx="654908" cy="369332"/>
+          </a:xfrm>
+          <a:prstGeom prst="rect">
+            <a:avLst/>
+          </a:prstGeom>
+          <a:noFill/>
+        </p:spPr>
+        <p:txBody>
+          <a:bodyPr wrap="square" rtlCol="0">
+            <a:spAutoFit/>
+          </a:bodyPr>
+          <a:lstStyle/>
+          <a:p>
+            <a:r>
+              <a:rPr lang="en-US" dirty="0"/>
+              <a:t>1</a:t>
+            </a:r>
+          </a:p>
+        </p:txBody>
+      </p:sp>
+      <p:sp>
+        <p:nvSpPr>
+          <p:cNvPr id="80" name="TextBox 79">
+            <a:extLst>
+              <a:ext uri="{FF2B5EF4-FFF2-40B4-BE49-F238E27FC236}">
+                <a16:creationId xmlns:a16="http://schemas.microsoft.com/office/drawing/2014/main" id="{240793DB-BBD8-E3B9-F9FD-CB7A8AFE239E}"/>
+              </a:ext>
+            </a:extLst>
+          </p:cNvPr>
+          <p:cNvSpPr txBox="1"/>
+          <p:nvPr/>
+        </p:nvSpPr>
+        <p:spPr>
+          <a:xfrm>
+            <a:off x="8251731" y="4962554"/>
+            <a:ext cx="418704" cy="369332"/>
+          </a:xfrm>
+          <a:prstGeom prst="rect">
+            <a:avLst/>
+          </a:prstGeom>
+          <a:noFill/>
+        </p:spPr>
+        <p:txBody>
+          <a:bodyPr wrap="none" rtlCol="0">
+            <a:spAutoFit/>
+          </a:bodyPr>
+          <a:lstStyle/>
+          <a:p>
+            <a:r>
+              <a:rPr lang="en-US" dirty="0"/>
+              <a:t>35</a:t>
+            </a:r>
+          </a:p>
+        </p:txBody>
+      </p:sp>
+      <p:sp>
+        <p:nvSpPr>
+          <p:cNvPr id="83" name="TextBox 82">
+            <a:extLst>
+              <a:ext uri="{FF2B5EF4-FFF2-40B4-BE49-F238E27FC236}">
+                <a16:creationId xmlns:a16="http://schemas.microsoft.com/office/drawing/2014/main" id="{BECFF20B-E719-BACA-FE71-72F1C7D76198}"/>
+              </a:ext>
+            </a:extLst>
+          </p:cNvPr>
+          <p:cNvSpPr txBox="1"/>
+          <p:nvPr/>
+        </p:nvSpPr>
+        <p:spPr>
+          <a:xfrm>
+            <a:off x="6822644" y="6400945"/>
+            <a:ext cx="418704" cy="369332"/>
+          </a:xfrm>
+          <a:prstGeom prst="rect">
+            <a:avLst/>
+          </a:prstGeom>
+          <a:noFill/>
+        </p:spPr>
+        <p:txBody>
+          <a:bodyPr wrap="none" rtlCol="0">
+            <a:spAutoFit/>
+          </a:bodyPr>
+          <a:lstStyle/>
+          <a:p>
+            <a:r>
+              <a:rPr lang="en-US" dirty="0"/>
+              <a:t>35</a:t>
+            </a:r>
+          </a:p>
+        </p:txBody>
+      </p:sp>
+    </p:spTree>
+    <p:extLst>
+      <p:ext uri="{BB962C8B-B14F-4D97-AF65-F5344CB8AC3E}">
+        <p14:creationId xmlns:p14="http://schemas.microsoft.com/office/powerpoint/2010/main" val="1663636190"/>
+      </p:ext>
+    </p:extLst>
+  </p:cSld>
+  <p:clrMapOvr>
+    <a:masterClrMapping/>
+  </p:clrMapOvr>
+</p:sld>
+</file>
+
+<file path=ppt/slides/slide9.xml><?xml version="1.0" encoding="utf-8"?>
+<p:sld xmlns:a="http://schemas.openxmlformats.org/drawingml/2006/main" xmlns:r="http://schemas.openxmlformats.org/officeDocument/2006/relationships" xmlns:p="http://schemas.openxmlformats.org/presentationml/2006/main">
+  <p:cSld>
+    <p:spTree>
+      <p:nvGrpSpPr>
+        <p:cNvPr id="1" name=""/>
+        <p:cNvGrpSpPr/>
+        <p:nvPr/>
+      </p:nvGrpSpPr>
+      <p:grpSpPr>
+        <a:xfrm>
+          <a:off x="0" y="0"/>
+          <a:ext cx="0" cy="0"/>
+          <a:chOff x="0" y="0"/>
+          <a:chExt cx="0" cy="0"/>
+        </a:xfrm>
+      </p:grpSpPr>
+      <p:sp>
+        <p:nvSpPr>
+          <p:cNvPr id="2" name="Title 1">
+            <a:extLst>
+              <a:ext uri="{FF2B5EF4-FFF2-40B4-BE49-F238E27FC236}">
+                <a16:creationId xmlns:a16="http://schemas.microsoft.com/office/drawing/2014/main" id="{5B06EFC0-96AD-00BA-8A6D-4551211F14F5}"/>
+              </a:ext>
+            </a:extLst>
+          </p:cNvPr>
+          <p:cNvSpPr>
+            <a:spLocks noGrp="1"/>
+          </p:cNvSpPr>
+          <p:nvPr>
+            <p:ph type="title"/>
+          </p:nvPr>
+        </p:nvSpPr>
+        <p:spPr/>
+        <p:txBody>
+          <a:bodyPr/>
+          <a:lstStyle/>
+          <a:p>
+            <a:r>
+              <a:rPr lang="en-US" dirty="0"/>
+              <a:t>Test Case 3- Indian Pines with Conv2d</a:t>
+            </a:r>
+          </a:p>
+        </p:txBody>
+      </p:sp>
+      <p:sp>
+        <p:nvSpPr>
+          <p:cNvPr id="3" name="Text Placeholder 2">
+            <a:extLst>
+              <a:ext uri="{FF2B5EF4-FFF2-40B4-BE49-F238E27FC236}">
+                <a16:creationId xmlns:a16="http://schemas.microsoft.com/office/drawing/2014/main" id="{17C08D47-C0A0-E21B-BF31-A119CD6194CC}"/>
+              </a:ext>
+            </a:extLst>
+          </p:cNvPr>
+          <p:cNvSpPr>
+            <a:spLocks noGrp="1"/>
+          </p:cNvSpPr>
+          <p:nvPr>
+            <p:ph type="body" idx="1"/>
+          </p:nvPr>
+        </p:nvSpPr>
+        <p:spPr>
+          <a:xfrm>
+            <a:off x="839789" y="1681163"/>
+            <a:ext cx="3564045" cy="823912"/>
+          </a:xfrm>
+        </p:spPr>
+        <p:txBody>
+          <a:bodyPr/>
+          <a:lstStyle/>
+          <a:p>
+            <a:r>
+              <a:rPr lang="en-US" dirty="0" err="1"/>
+              <a:t>PLS_Toolbox</a:t>
+            </a:r>
+            <a:endParaRPr lang="en-US" dirty="0"/>
+          </a:p>
+        </p:txBody>
+      </p:sp>
+      <p:sp>
+        <p:nvSpPr>
+          <p:cNvPr id="4" name="Content Placeholder 3">
+            <a:extLst>
+              <a:ext uri="{FF2B5EF4-FFF2-40B4-BE49-F238E27FC236}">
+                <a16:creationId xmlns:a16="http://schemas.microsoft.com/office/drawing/2014/main" id="{8CDCC277-6FF6-5D99-C1DF-ECB6C96C879B}"/>
+              </a:ext>
+            </a:extLst>
+          </p:cNvPr>
+          <p:cNvSpPr>
+            <a:spLocks noGrp="1"/>
+          </p:cNvSpPr>
+          <p:nvPr>
+            <p:ph sz="half" idx="2"/>
+          </p:nvPr>
+        </p:nvSpPr>
+        <p:spPr>
+          <a:xfrm>
+            <a:off x="839789" y="2505075"/>
+            <a:ext cx="3238225" cy="3684588"/>
+          </a:xfrm>
+        </p:spPr>
+        <p:txBody>
+          <a:bodyPr>
+            <a:normAutofit/>
+          </a:bodyPr>
+          <a:lstStyle/>
+          <a:p>
+            <a:r>
+              <a:rPr lang="en-US" dirty="0"/>
+              <a:t>21025x220</a:t>
+            </a:r>
+          </a:p>
+          <a:p>
+            <a:r>
+              <a:rPr lang="en-US" dirty="0"/>
+              <a:t>145x145</a:t>
+            </a:r>
+          </a:p>
+        </p:txBody>
+      </p:sp>
+      <p:sp>
+        <p:nvSpPr>
+          <p:cNvPr id="5" name="Text Placeholder 4">
+            <a:extLst>
+              <a:ext uri="{FF2B5EF4-FFF2-40B4-BE49-F238E27FC236}">
+                <a16:creationId xmlns:a16="http://schemas.microsoft.com/office/drawing/2014/main" id="{275D45C5-8840-D610-3AA2-7CCF6E96581C}"/>
+              </a:ext>
+            </a:extLst>
+          </p:cNvPr>
+          <p:cNvSpPr>
+            <a:spLocks noGrp="1"/>
+          </p:cNvSpPr>
+          <p:nvPr>
+            <p:ph type="body" sz="quarter" idx="3"/>
+          </p:nvPr>
+        </p:nvSpPr>
+        <p:spPr>
+          <a:xfrm>
+            <a:off x="7002162" y="1681163"/>
+            <a:ext cx="4353226" cy="823912"/>
+          </a:xfrm>
+        </p:spPr>
+        <p:txBody>
+          <a:bodyPr/>
+          <a:lstStyle/>
+          <a:p>
+            <a:r>
+              <a:rPr lang="en-US" dirty="0"/>
+              <a:t>Python</a:t>
+            </a:r>
+          </a:p>
+        </p:txBody>
+      </p:sp>
+      <p:sp>
+        <p:nvSpPr>
+          <p:cNvPr id="6" name="Content Placeholder 5">
+            <a:extLst>
+              <a:ext uri="{FF2B5EF4-FFF2-40B4-BE49-F238E27FC236}">
+                <a16:creationId xmlns:a16="http://schemas.microsoft.com/office/drawing/2014/main" id="{34862CB2-9631-B9C9-C8C0-600D33783036}"/>
+              </a:ext>
+            </a:extLst>
+          </p:cNvPr>
+          <p:cNvSpPr>
+            <a:spLocks noGrp="1"/>
+          </p:cNvSpPr>
+          <p:nvPr>
+            <p:ph sz="quarter" idx="4"/>
+          </p:nvPr>
+        </p:nvSpPr>
+        <p:spPr>
+          <a:xfrm>
+            <a:off x="7002162" y="2505075"/>
+            <a:ext cx="4353225" cy="3684588"/>
+          </a:xfrm>
+        </p:spPr>
+        <p:txBody>
+          <a:bodyPr>
+            <a:normAutofit/>
+          </a:bodyPr>
+          <a:lstStyle/>
+          <a:p>
+            <a:r>
+              <a:rPr lang="en-US" dirty="0"/>
+              <a:t>21025x200</a:t>
+            </a:r>
+          </a:p>
+          <a:p>
+            <a:r>
+              <a:rPr lang="en-US" dirty="0"/>
+              <a:t>145x145</a:t>
+            </a:r>
+          </a:p>
+          <a:p>
+            <a:r>
+              <a:rPr lang="en-US" dirty="0"/>
+              <a:t>19x19x200</a:t>
+            </a:r>
+          </a:p>
+          <a:p>
+            <a:endParaRPr lang="en-US" dirty="0"/>
+          </a:p>
+          <a:p>
+            <a:pPr marL="0" indent="0">
+              <a:buNone/>
+            </a:pPr>
+            <a:r>
+              <a:rPr lang="en-US" dirty="0">
+                <a:solidFill>
+                  <a:srgbClr val="FF0000"/>
+                </a:solidFill>
+              </a:rPr>
+              <a:t>Creates image cubes with a window size of 19 and pads with 0’s</a:t>
+            </a:r>
+          </a:p>
+        </p:txBody>
+      </p:sp>
+      <p:sp>
+        <p:nvSpPr>
+          <p:cNvPr id="9" name="TextBox 8">
+            <a:extLst>
+              <a:ext uri="{FF2B5EF4-FFF2-40B4-BE49-F238E27FC236}">
+                <a16:creationId xmlns:a16="http://schemas.microsoft.com/office/drawing/2014/main" id="{5B602002-EFAC-E41B-D80D-DD26B8844CB4}"/>
+              </a:ext>
+            </a:extLst>
+          </p:cNvPr>
+          <p:cNvSpPr txBox="1"/>
+          <p:nvPr/>
+        </p:nvSpPr>
+        <p:spPr>
+          <a:xfrm>
+            <a:off x="4151587" y="2505075"/>
+            <a:ext cx="2615460" cy="1477328"/>
+          </a:xfrm>
+          <a:prstGeom prst="rect">
+            <a:avLst/>
+          </a:prstGeom>
+          <a:noFill/>
+        </p:spPr>
+        <p:txBody>
+          <a:bodyPr wrap="none" rtlCol="0">
+            <a:spAutoFit/>
+          </a:bodyPr>
+          <a:lstStyle/>
+          <a:p>
+            <a:r>
+              <a:rPr lang="en-US" dirty="0"/>
+              <a:t>Image Size before training</a:t>
+            </a:r>
+          </a:p>
+          <a:p>
+            <a:endParaRPr lang="en-US" dirty="0"/>
+          </a:p>
+          <a:p>
+            <a:r>
+              <a:rPr lang="en-US" dirty="0"/>
+              <a:t>Pixel size</a:t>
+            </a:r>
+          </a:p>
+          <a:p>
+            <a:endParaRPr lang="en-US" dirty="0"/>
+          </a:p>
+          <a:p>
+            <a:r>
+              <a:rPr lang="en-US" dirty="0"/>
+              <a:t>Input Shape</a:t>
+            </a:r>
+          </a:p>
+        </p:txBody>
+      </p:sp>
+    </p:spTree>
+    <p:extLst>
+      <p:ext uri="{BB962C8B-B14F-4D97-AF65-F5344CB8AC3E}">
+        <p14:creationId xmlns:p14="http://schemas.microsoft.com/office/powerpoint/2010/main" val="225991118"/>
       </p:ext>
     </p:extLst>
   </p:cSld>
